--- a/ogrepresentation.pptx
+++ b/ogrepresentation.pptx
@@ -5,7 +5,7 @@
     <p:sldMasterId id="2147483648" r:id="rId1"/>
   </p:sldMasterIdLst>
   <p:notesMasterIdLst>
-    <p:notesMasterId r:id="rId14"/>
+    <p:notesMasterId r:id="rId16"/>
   </p:notesMasterIdLst>
   <p:sldIdLst>
     <p:sldId id="256" r:id="rId2"/>
@@ -19,7 +19,9 @@
     <p:sldId id="268" r:id="rId10"/>
     <p:sldId id="270" r:id="rId11"/>
     <p:sldId id="272" r:id="rId12"/>
-    <p:sldId id="271" r:id="rId13"/>
+    <p:sldId id="273" r:id="rId13"/>
+    <p:sldId id="274" r:id="rId14"/>
+    <p:sldId id="275" r:id="rId15"/>
   </p:sldIdLst>
   <p:sldSz cx="12192000" cy="6858000"/>
   <p:notesSz cx="6858000" cy="9144000"/>
@@ -120,7 +122,7 @@
   </p:defaultTextStyle>
   <p:extLst>
     <p:ext uri="{EFAFB233-063F-42B5-8137-9DF3F51BA10A}">
-      <p15:sldGuideLst xmlns:p15="http://schemas.microsoft.com/office/powerpoint/2012/main" xmlns="">
+      <p15:sldGuideLst xmlns="" xmlns:p15="http://schemas.microsoft.com/office/powerpoint/2012/main">
         <p15:guide id="1" orient="horz" pos="2160">
           <p15:clr>
             <a:srgbClr val="A4A3A4"/>
@@ -741,6 +743,174 @@
 </p:notes>
 </file>
 
+<file path=ppt/notesSlides/notesSlide11.xml><?xml version="1.0" encoding="utf-8"?>
+<p:notes xmlns:a="http://schemas.openxmlformats.org/drawingml/2006/main" xmlns:r="http://schemas.openxmlformats.org/officeDocument/2006/relationships" xmlns:p="http://schemas.openxmlformats.org/presentationml/2006/main">
+  <p:cSld>
+    <p:spTree>
+      <p:nvGrpSpPr>
+        <p:cNvPr id="1" name=""/>
+        <p:cNvGrpSpPr/>
+        <p:nvPr/>
+      </p:nvGrpSpPr>
+      <p:grpSpPr>
+        <a:xfrm>
+          <a:off x="0" y="0"/>
+          <a:ext cx="0" cy="0"/>
+          <a:chOff x="0" y="0"/>
+          <a:chExt cx="0" cy="0"/>
+        </a:xfrm>
+      </p:grpSpPr>
+      <p:sp>
+        <p:nvSpPr>
+          <p:cNvPr id="2" name="Folienbildplatzhalter 1"/>
+          <p:cNvSpPr>
+            <a:spLocks noGrp="1" noRot="1" noChangeAspect="1"/>
+          </p:cNvSpPr>
+          <p:nvPr>
+            <p:ph type="sldImg"/>
+          </p:nvPr>
+        </p:nvSpPr>
+        <p:spPr/>
+      </p:sp>
+      <p:sp>
+        <p:nvSpPr>
+          <p:cNvPr id="3" name="Notizenplatzhalter 2"/>
+          <p:cNvSpPr>
+            <a:spLocks noGrp="1"/>
+          </p:cNvSpPr>
+          <p:nvPr>
+            <p:ph type="body" idx="1"/>
+          </p:nvPr>
+        </p:nvSpPr>
+        <p:spPr/>
+        <p:txBody>
+          <a:bodyPr/>
+          <a:lstStyle/>
+          <a:p>
+            <a:endParaRPr lang="de-CH" dirty="0"/>
+          </a:p>
+        </p:txBody>
+      </p:sp>
+      <p:sp>
+        <p:nvSpPr>
+          <p:cNvPr id="4" name="Foliennummernplatzhalter 3"/>
+          <p:cNvSpPr>
+            <a:spLocks noGrp="1"/>
+          </p:cNvSpPr>
+          <p:nvPr>
+            <p:ph type="sldNum" sz="quarter" idx="10"/>
+          </p:nvPr>
+        </p:nvSpPr>
+        <p:spPr/>
+        <p:txBody>
+          <a:bodyPr/>
+          <a:lstStyle/>
+          <a:p>
+            <a:fld id="{7457F652-A1F4-4A06-B046-24A89FABBB4D}" type="slidenum">
+              <a:rPr lang="de-CH" smtClean="0"/>
+              <a:t>13</a:t>
+            </a:fld>
+            <a:endParaRPr lang="de-CH"/>
+          </a:p>
+        </p:txBody>
+      </p:sp>
+    </p:spTree>
+    <p:extLst>
+      <p:ext uri="{BB962C8B-B14F-4D97-AF65-F5344CB8AC3E}">
+        <p14:creationId xmlns:p14="http://schemas.microsoft.com/office/powerpoint/2010/main" val="303772140"/>
+      </p:ext>
+    </p:extLst>
+  </p:cSld>
+  <p:clrMapOvr>
+    <a:masterClrMapping/>
+  </p:clrMapOvr>
+</p:notes>
+</file>
+
+<file path=ppt/notesSlides/notesSlide12.xml><?xml version="1.0" encoding="utf-8"?>
+<p:notes xmlns:a="http://schemas.openxmlformats.org/drawingml/2006/main" xmlns:r="http://schemas.openxmlformats.org/officeDocument/2006/relationships" xmlns:p="http://schemas.openxmlformats.org/presentationml/2006/main">
+  <p:cSld>
+    <p:spTree>
+      <p:nvGrpSpPr>
+        <p:cNvPr id="1" name=""/>
+        <p:cNvGrpSpPr/>
+        <p:nvPr/>
+      </p:nvGrpSpPr>
+      <p:grpSpPr>
+        <a:xfrm>
+          <a:off x="0" y="0"/>
+          <a:ext cx="0" cy="0"/>
+          <a:chOff x="0" y="0"/>
+          <a:chExt cx="0" cy="0"/>
+        </a:xfrm>
+      </p:grpSpPr>
+      <p:sp>
+        <p:nvSpPr>
+          <p:cNvPr id="2" name="Folienbildplatzhalter 1"/>
+          <p:cNvSpPr>
+            <a:spLocks noGrp="1" noRot="1" noChangeAspect="1"/>
+          </p:cNvSpPr>
+          <p:nvPr>
+            <p:ph type="sldImg"/>
+          </p:nvPr>
+        </p:nvSpPr>
+        <p:spPr/>
+      </p:sp>
+      <p:sp>
+        <p:nvSpPr>
+          <p:cNvPr id="3" name="Notizenplatzhalter 2"/>
+          <p:cNvSpPr>
+            <a:spLocks noGrp="1"/>
+          </p:cNvSpPr>
+          <p:nvPr>
+            <p:ph type="body" idx="1"/>
+          </p:nvPr>
+        </p:nvSpPr>
+        <p:spPr/>
+        <p:txBody>
+          <a:bodyPr/>
+          <a:lstStyle/>
+          <a:p>
+            <a:endParaRPr lang="de-CH" dirty="0"/>
+          </a:p>
+        </p:txBody>
+      </p:sp>
+      <p:sp>
+        <p:nvSpPr>
+          <p:cNvPr id="4" name="Foliennummernplatzhalter 3"/>
+          <p:cNvSpPr>
+            <a:spLocks noGrp="1"/>
+          </p:cNvSpPr>
+          <p:nvPr>
+            <p:ph type="sldNum" sz="quarter" idx="10"/>
+          </p:nvPr>
+        </p:nvSpPr>
+        <p:spPr/>
+        <p:txBody>
+          <a:bodyPr/>
+          <a:lstStyle/>
+          <a:p>
+            <a:fld id="{7457F652-A1F4-4A06-B046-24A89FABBB4D}" type="slidenum">
+              <a:rPr lang="de-CH" smtClean="0"/>
+              <a:t>14</a:t>
+            </a:fld>
+            <a:endParaRPr lang="de-CH"/>
+          </a:p>
+        </p:txBody>
+      </p:sp>
+    </p:spTree>
+    <p:extLst>
+      <p:ext uri="{BB962C8B-B14F-4D97-AF65-F5344CB8AC3E}">
+        <p14:creationId xmlns:p14="http://schemas.microsoft.com/office/powerpoint/2010/main" val="303772140"/>
+      </p:ext>
+    </p:extLst>
+  </p:cSld>
+  <p:clrMapOvr>
+    <a:masterClrMapping/>
+  </p:clrMapOvr>
+</p:notes>
+</file>
+
 <file path=ppt/notesSlides/notesSlide2.xml><?xml version="1.0" encoding="utf-8"?>
 <p:notes xmlns:a="http://schemas.openxmlformats.org/drawingml/2006/main" xmlns:r="http://schemas.openxmlformats.org/officeDocument/2006/relationships" xmlns:p="http://schemas.openxmlformats.org/presentationml/2006/main">
   <p:cSld>
@@ -1553,16 +1723,222 @@
           <a:p>
             <a:r>
               <a:rPr lang="en-US" dirty="0" err="1" smtClean="0"/>
-              <a:t>Plattformen</a:t>
+              <a:t>RenderWindow</a:t>
             </a:r>
             <a:r>
               <a:rPr lang="en-US" dirty="0" smtClean="0"/>
-              <a:t>: Linux, Mac, windows, </a:t>
+              <a:t>: </a:t>
             </a:r>
             <a:r>
               <a:rPr lang="en-US" dirty="0" err="1" smtClean="0"/>
-              <a:t>iOs</a:t>
-            </a:r>
+              <a:t>VSync</a:t>
+            </a:r>
+            <a:r>
+              <a:rPr lang="en-US" dirty="0" smtClean="0"/>
+              <a:t>:</a:t>
+            </a:r>
+            <a:r>
+              <a:rPr lang="en-US" baseline="0" dirty="0" smtClean="0"/>
+              <a:t> enable/disable, Window Events (</a:t>
+            </a:r>
+            <a:r>
+              <a:rPr lang="en-US" baseline="0" dirty="0" err="1" smtClean="0"/>
+              <a:t>move,hide</a:t>
+            </a:r>
+            <a:r>
+              <a:rPr lang="en-US" baseline="0" dirty="0" smtClean="0"/>
+              <a:t>), </a:t>
+            </a:r>
+            <a:r>
+              <a:rPr lang="en-US" baseline="0" dirty="0" err="1" smtClean="0"/>
+              <a:t>RenderEngine</a:t>
+            </a:r>
+            <a:r>
+              <a:rPr lang="en-US" baseline="0" dirty="0" smtClean="0"/>
+              <a:t> (</a:t>
+            </a:r>
+            <a:r>
+              <a:rPr lang="en-US" baseline="0" dirty="0" err="1" smtClean="0"/>
+              <a:t>directX</a:t>
+            </a:r>
+            <a:r>
+              <a:rPr lang="en-US" baseline="0" dirty="0" smtClean="0"/>
+              <a:t>, OpenGL)</a:t>
+            </a:r>
+          </a:p>
+          <a:p>
+            <a:r>
+              <a:rPr lang="en-US" baseline="0" dirty="0" err="1" smtClean="0"/>
+              <a:t>ViewPorts</a:t>
+            </a:r>
+            <a:r>
+              <a:rPr lang="en-US" baseline="0" dirty="0" smtClean="0"/>
+              <a:t>: </a:t>
+            </a:r>
+            <a:r>
+              <a:rPr lang="en-US" baseline="0" dirty="0" err="1" smtClean="0"/>
+              <a:t>Skalierung</a:t>
+            </a:r>
+            <a:r>
+              <a:rPr lang="en-US" baseline="0" dirty="0" smtClean="0"/>
+              <a:t>, </a:t>
+            </a:r>
+            <a:r>
+              <a:rPr lang="en-US" baseline="0" dirty="0" err="1" smtClean="0"/>
+              <a:t>für</a:t>
+            </a:r>
+            <a:r>
+              <a:rPr lang="en-US" baseline="0" dirty="0" smtClean="0"/>
+              <a:t> </a:t>
+            </a:r>
+            <a:r>
+              <a:rPr lang="en-US" baseline="0" dirty="0" err="1" smtClean="0"/>
+              <a:t>miniMaps</a:t>
+            </a:r>
+            <a:r>
+              <a:rPr lang="en-US" baseline="0" dirty="0" smtClean="0"/>
+              <a:t>: </a:t>
+            </a:r>
+            <a:r>
+              <a:rPr lang="en-US" baseline="0" dirty="0" err="1" smtClean="0"/>
+              <a:t>ViewPorts</a:t>
+            </a:r>
+            <a:r>
+              <a:rPr lang="en-US" baseline="0" dirty="0" smtClean="0"/>
+              <a:t> auf </a:t>
+            </a:r>
+            <a:r>
+              <a:rPr lang="en-US" baseline="0" dirty="0" err="1" smtClean="0"/>
+              <a:t>texturen</a:t>
+            </a:r>
+            <a:endParaRPr lang="en-US" baseline="0" dirty="0" smtClean="0"/>
+          </a:p>
+          <a:p>
+            <a:r>
+              <a:rPr lang="en-US" baseline="0" dirty="0" smtClean="0"/>
+              <a:t>Entity: Mesh </a:t>
+            </a:r>
+            <a:r>
+              <a:rPr lang="en-US" baseline="0" dirty="0" err="1" smtClean="0"/>
+              <a:t>z.B</a:t>
+            </a:r>
+            <a:r>
+              <a:rPr lang="en-US" baseline="0" dirty="0" smtClean="0"/>
+              <a:t>. Fighter </a:t>
+            </a:r>
+          </a:p>
+          <a:p>
+            <a:r>
+              <a:rPr lang="en-US" baseline="0" dirty="0" err="1" smtClean="0"/>
+              <a:t>SceneNode</a:t>
+            </a:r>
+            <a:r>
+              <a:rPr lang="en-US" baseline="0" dirty="0" smtClean="0"/>
+              <a:t>: </a:t>
+            </a:r>
+            <a:r>
+              <a:rPr lang="en-US" baseline="0" dirty="0" err="1" smtClean="0"/>
+              <a:t>Wie</a:t>
+            </a:r>
+            <a:r>
+              <a:rPr lang="en-US" baseline="0" dirty="0" smtClean="0"/>
+              <a:t> </a:t>
+            </a:r>
+            <a:r>
+              <a:rPr lang="en-US" baseline="0" dirty="0" err="1" smtClean="0"/>
+              <a:t>GameObject</a:t>
+            </a:r>
+            <a:r>
+              <a:rPr lang="en-US" baseline="0" dirty="0" smtClean="0"/>
+              <a:t> in Unity</a:t>
+            </a:r>
+          </a:p>
+          <a:p>
+            <a:r>
+              <a:rPr lang="en-US" baseline="0" dirty="0" err="1" smtClean="0"/>
+              <a:t>SceneManager</a:t>
+            </a:r>
+            <a:r>
+              <a:rPr lang="en-US" baseline="0" dirty="0" smtClean="0"/>
+              <a:t>: </a:t>
+            </a:r>
+            <a:r>
+              <a:rPr lang="en-US" baseline="0" dirty="0" err="1" smtClean="0"/>
+              <a:t>Für</a:t>
+            </a:r>
+            <a:r>
+              <a:rPr lang="en-US" baseline="0" dirty="0" smtClean="0"/>
+              <a:t> </a:t>
+            </a:r>
+            <a:r>
+              <a:rPr lang="en-US" baseline="0" dirty="0" err="1" smtClean="0"/>
+              <a:t>RenderQueue</a:t>
+            </a:r>
+            <a:r>
+              <a:rPr lang="en-US" baseline="0" dirty="0" smtClean="0"/>
+              <a:t>, </a:t>
+            </a:r>
+            <a:r>
+              <a:rPr lang="en-US" baseline="0" dirty="0" err="1" smtClean="0"/>
+              <a:t>hierarchie</a:t>
+            </a:r>
+            <a:r>
+              <a:rPr lang="en-US" baseline="0" dirty="0" smtClean="0"/>
+              <a:t> d. nodes; </a:t>
+            </a:r>
+            <a:r>
+              <a:rPr lang="en-US" baseline="0" dirty="0" err="1" smtClean="0"/>
+              <a:t>es</a:t>
+            </a:r>
+            <a:r>
+              <a:rPr lang="en-US" baseline="0" dirty="0" smtClean="0"/>
+              <a:t> </a:t>
+            </a:r>
+            <a:r>
+              <a:rPr lang="en-US" baseline="0" dirty="0" err="1" smtClean="0"/>
+              <a:t>gibt</a:t>
+            </a:r>
+            <a:r>
+              <a:rPr lang="en-US" baseline="0" dirty="0" smtClean="0"/>
+              <a:t> </a:t>
+            </a:r>
+            <a:r>
+              <a:rPr lang="en-US" baseline="0" dirty="0" err="1" smtClean="0"/>
+              <a:t>verschieden</a:t>
+            </a:r>
+            <a:r>
+              <a:rPr lang="en-US" baseline="0" dirty="0" smtClean="0"/>
+              <a:t> </a:t>
+            </a:r>
+            <a:r>
+              <a:rPr lang="en-US" baseline="0" dirty="0" err="1" smtClean="0"/>
+              <a:t>strukturen</a:t>
+            </a:r>
+            <a:r>
+              <a:rPr lang="en-US" baseline="0" dirty="0" smtClean="0"/>
+              <a:t>, </a:t>
+            </a:r>
+            <a:r>
+              <a:rPr lang="en-US" baseline="0" dirty="0" err="1" smtClean="0"/>
+              <a:t>bäume</a:t>
+            </a:r>
+            <a:r>
+              <a:rPr lang="en-US" baseline="0" dirty="0" smtClean="0"/>
+              <a:t>, listen </a:t>
+            </a:r>
+            <a:r>
+              <a:rPr lang="en-US" baseline="0" dirty="0" err="1" smtClean="0"/>
+              <a:t>ect</a:t>
+            </a:r>
+            <a:r>
+              <a:rPr lang="en-US" baseline="0" dirty="0" smtClean="0"/>
+              <a:t>	</a:t>
+            </a:r>
+          </a:p>
+          <a:p>
+            <a:endParaRPr lang="en-US" baseline="0" dirty="0" smtClean="0"/>
+          </a:p>
+          <a:p>
             <a:endParaRPr lang="de-CH" dirty="0"/>
           </a:p>
         </p:txBody>
@@ -5026,174 +5402,47 @@
           </a:p>
         </p:txBody>
       </p:sp>
-      <p:sp>
-        <p:nvSpPr>
-          <p:cNvPr id="5" name="Textfeld 4"/>
-          <p:cNvSpPr txBox="1"/>
+      <p:pic>
+        <p:nvPicPr>
+          <p:cNvPr id="1026" name="Picture 2" descr="C:\Users\James\Documents\Visual Studio 2012\Projects\orgeExample\classDiagramOgre.png"/>
+          <p:cNvPicPr>
+            <a:picLocks noChangeAspect="1" noChangeArrowheads="1"/>
+          </p:cNvPicPr>
           <p:nvPr/>
-        </p:nvSpPr>
-        <p:spPr>
+        </p:nvPicPr>
+        <p:blipFill>
+          <a:blip r:embed="rId3">
+            <a:extLst>
+              <a:ext uri="{28A0092B-C50C-407E-A947-70E740481C1C}">
+                <a14:useLocalDpi xmlns:a14="http://schemas.microsoft.com/office/drawing/2010/main" val="0"/>
+              </a:ext>
+            </a:extLst>
+          </a:blip>
+          <a:srcRect/>
+          <a:stretch>
+            <a:fillRect/>
+          </a:stretch>
+        </p:blipFill>
+        <p:spPr bwMode="auto">
           <a:xfrm>
-            <a:off x="551542" y="1932567"/>
-            <a:ext cx="11294715" cy="5262979"/>
+            <a:off x="1816894" y="1785938"/>
+            <a:ext cx="8558212" cy="4676136"/>
           </a:xfrm>
           <a:prstGeom prst="rect">
             <a:avLst/>
           </a:prstGeom>
           <a:noFill/>
+          <a:extLst>
+            <a:ext uri="{909E8E84-426E-40DD-AFC4-6F175D3DCCD1}">
+              <a14:hiddenFill xmlns:a14="http://schemas.microsoft.com/office/drawing/2010/main">
+                <a:solidFill>
+                  <a:srgbClr val="FFFFFF"/>
+                </a:solidFill>
+              </a14:hiddenFill>
+            </a:ext>
+          </a:extLst>
         </p:spPr>
-        <p:txBody>
-          <a:bodyPr wrap="square" rtlCol="0">
-            <a:spAutoFit/>
-          </a:bodyPr>
-          <a:lstStyle/>
-          <a:p>
-            <a:pPr marL="457200" indent="-457200">
-              <a:lnSpc>
-                <a:spcPct val="150000"/>
-              </a:lnSpc>
-              <a:buFont typeface="Arial" panose="020B0604020202020204" pitchFamily="34" charset="0"/>
-              <a:buChar char="•"/>
-            </a:pPr>
-            <a:r>
-              <a:rPr lang="en-US" sz="2800" dirty="0" smtClean="0"/>
-              <a:t>Ogre </a:t>
-            </a:r>
-            <a:r>
-              <a:rPr lang="en-US" sz="2800" dirty="0" err="1" smtClean="0"/>
-              <a:t>Bibliothek</a:t>
-            </a:r>
-            <a:r>
-              <a:rPr lang="en-US" sz="2800" dirty="0" smtClean="0"/>
-              <a:t> </a:t>
-            </a:r>
-            <a:r>
-              <a:rPr lang="en-US" sz="2800" dirty="0" err="1" smtClean="0"/>
-              <a:t>herunterladen</a:t>
-            </a:r>
-            <a:endParaRPr lang="en-US" sz="2800" dirty="0" smtClean="0"/>
-          </a:p>
-          <a:p>
-            <a:pPr marL="457200" indent="-457200">
-              <a:lnSpc>
-                <a:spcPct val="150000"/>
-              </a:lnSpc>
-              <a:buFont typeface="Arial" panose="020B0604020202020204" pitchFamily="34" charset="0"/>
-              <a:buChar char="•"/>
-            </a:pPr>
-            <a:r>
-              <a:rPr lang="en-US" sz="2800" dirty="0" smtClean="0"/>
-              <a:t>Direct X </a:t>
-            </a:r>
-            <a:r>
-              <a:rPr lang="en-US" sz="2800" dirty="0" err="1" smtClean="0"/>
-              <a:t>installieren</a:t>
-            </a:r>
-            <a:r>
-              <a:rPr lang="en-US" sz="2800" dirty="0" smtClean="0"/>
-              <a:t> (SDK for Windows 8.1)</a:t>
-            </a:r>
-          </a:p>
-          <a:p>
-            <a:pPr marL="457200" indent="-457200">
-              <a:lnSpc>
-                <a:spcPct val="150000"/>
-              </a:lnSpc>
-              <a:buFont typeface="Arial" panose="020B0604020202020204" pitchFamily="34" charset="0"/>
-              <a:buChar char="•"/>
-            </a:pPr>
-            <a:r>
-              <a:rPr lang="en-US" sz="2800" dirty="0" smtClean="0"/>
-              <a:t>Visual Studio 2012 </a:t>
-            </a:r>
-            <a:r>
-              <a:rPr lang="en-US" sz="2800" dirty="0" err="1" smtClean="0"/>
-              <a:t>installieren</a:t>
-            </a:r>
-            <a:endParaRPr lang="en-US" sz="2800" dirty="0" smtClean="0"/>
-          </a:p>
-          <a:p>
-            <a:pPr marL="457200" indent="-457200">
-              <a:lnSpc>
-                <a:spcPct val="150000"/>
-              </a:lnSpc>
-              <a:buFont typeface="Arial" panose="020B0604020202020204" pitchFamily="34" charset="0"/>
-              <a:buChar char="•"/>
-            </a:pPr>
-            <a:r>
-              <a:rPr lang="en-US" sz="2800" dirty="0" err="1" smtClean="0"/>
-              <a:t>Herunterladen</a:t>
-            </a:r>
-            <a:r>
-              <a:rPr lang="en-US" sz="2800" dirty="0" smtClean="0"/>
-              <a:t> Tutorial Framework</a:t>
-            </a:r>
-          </a:p>
-          <a:p>
-            <a:pPr marL="457200" indent="-457200">
-              <a:lnSpc>
-                <a:spcPct val="150000"/>
-              </a:lnSpc>
-              <a:buFont typeface="Arial" panose="020B0604020202020204" pitchFamily="34" charset="0"/>
-              <a:buChar char="•"/>
-            </a:pPr>
-            <a:r>
-              <a:rPr lang="en-US" sz="2800" dirty="0" err="1" smtClean="0"/>
-              <a:t>Projekt</a:t>
-            </a:r>
-            <a:r>
-              <a:rPr lang="en-US" sz="2800" dirty="0" smtClean="0"/>
-              <a:t> </a:t>
-            </a:r>
-            <a:r>
-              <a:rPr lang="en-US" sz="2800" dirty="0" err="1" smtClean="0"/>
-              <a:t>einrichten</a:t>
-            </a:r>
-            <a:r>
-              <a:rPr lang="en-US" sz="2800" dirty="0" smtClean="0"/>
-              <a:t> (Linker/Compiler/</a:t>
-            </a:r>
-            <a:r>
-              <a:rPr lang="en-US" sz="2800" dirty="0" err="1" smtClean="0"/>
-              <a:t>PreCompiled</a:t>
-            </a:r>
-            <a:r>
-              <a:rPr lang="en-US" sz="2800" dirty="0" smtClean="0"/>
-              <a:t> Headers/Libraries)</a:t>
-            </a:r>
-          </a:p>
-          <a:p>
-            <a:pPr marL="457200" indent="-457200">
-              <a:lnSpc>
-                <a:spcPct val="150000"/>
-              </a:lnSpc>
-              <a:buFont typeface="Arial" panose="020B0604020202020204" pitchFamily="34" charset="0"/>
-              <a:buChar char="•"/>
-            </a:pPr>
-            <a:endParaRPr lang="en-US" sz="2800" dirty="0" smtClean="0"/>
-          </a:p>
-          <a:p>
-            <a:pPr marL="457200" indent="-457200">
-              <a:lnSpc>
-                <a:spcPct val="150000"/>
-              </a:lnSpc>
-              <a:buFont typeface="Arial" panose="020B0604020202020204" pitchFamily="34" charset="0"/>
-              <a:buChar char="•"/>
-            </a:pPr>
-            <a:endParaRPr lang="en-US" sz="2800" dirty="0" smtClean="0"/>
-          </a:p>
-          <a:p>
-            <a:pPr marL="457200" indent="-457200">
-              <a:lnSpc>
-                <a:spcPct val="150000"/>
-              </a:lnSpc>
-              <a:buFont typeface="Arial" panose="020B0604020202020204" pitchFamily="34" charset="0"/>
-              <a:buChar char="•"/>
-            </a:pPr>
-            <a:endParaRPr lang="de-CH" sz="2800" dirty="0"/>
-          </a:p>
-        </p:txBody>
-      </p:sp>
+      </p:pic>
     </p:spTree>
     <p:extLst>
       <p:ext uri="{BB962C8B-B14F-4D97-AF65-F5344CB8AC3E}">
@@ -5464,7 +5713,485 @@
     </p:spTree>
     <p:extLst>
       <p:ext uri="{BB962C8B-B14F-4D97-AF65-F5344CB8AC3E}">
-        <p14:creationId xmlns:p14="http://schemas.microsoft.com/office/powerpoint/2010/main" val="2528330651"/>
+        <p14:creationId xmlns:p14="http://schemas.microsoft.com/office/powerpoint/2010/main" val="2407310566"/>
+      </p:ext>
+    </p:extLst>
+  </p:cSld>
+  <p:clrMapOvr>
+    <a:masterClrMapping/>
+  </p:clrMapOvr>
+  <p:timing>
+    <p:tnLst>
+      <p:par>
+        <p:cTn id="1" dur="indefinite" restart="never" nodeType="tmRoot"/>
+      </p:par>
+    </p:tnLst>
+  </p:timing>
+</p:sld>
+</file>
+
+<file path=ppt/slides/slide13.xml><?xml version="1.0" encoding="utf-8"?>
+<p:sld xmlns:a="http://schemas.openxmlformats.org/drawingml/2006/main" xmlns:r="http://schemas.openxmlformats.org/officeDocument/2006/relationships" xmlns:p="http://schemas.openxmlformats.org/presentationml/2006/main">
+  <p:cSld>
+    <p:spTree>
+      <p:nvGrpSpPr>
+        <p:cNvPr id="1" name=""/>
+        <p:cNvGrpSpPr/>
+        <p:nvPr/>
+      </p:nvGrpSpPr>
+      <p:grpSpPr>
+        <a:xfrm>
+          <a:off x="0" y="0"/>
+          <a:ext cx="0" cy="0"/>
+          <a:chOff x="0" y="0"/>
+          <a:chExt cx="0" cy="0"/>
+        </a:xfrm>
+      </p:grpSpPr>
+      <p:sp>
+        <p:nvSpPr>
+          <p:cNvPr id="4" name="Rechteck 3"/>
+          <p:cNvSpPr/>
+          <p:nvPr/>
+        </p:nvSpPr>
+        <p:spPr>
+          <a:xfrm>
+            <a:off x="0" y="0"/>
+            <a:ext cx="12192000" cy="1481070"/>
+          </a:xfrm>
+          <a:prstGeom prst="rect">
+            <a:avLst/>
+          </a:prstGeom>
+          <a:solidFill>
+            <a:schemeClr val="accent4">
+              <a:lumMod val="60000"/>
+              <a:lumOff val="40000"/>
+            </a:schemeClr>
+          </a:solidFill>
+          <a:ln>
+            <a:noFill/>
+          </a:ln>
+        </p:spPr>
+        <p:style>
+          <a:lnRef idx="2">
+            <a:schemeClr val="accent1">
+              <a:shade val="50000"/>
+            </a:schemeClr>
+          </a:lnRef>
+          <a:fillRef idx="1">
+            <a:schemeClr val="accent1"/>
+          </a:fillRef>
+          <a:effectRef idx="0">
+            <a:schemeClr val="accent1"/>
+          </a:effectRef>
+          <a:fontRef idx="minor">
+            <a:schemeClr val="lt1"/>
+          </a:fontRef>
+        </p:style>
+        <p:txBody>
+          <a:bodyPr rtlCol="0" anchor="ctr"/>
+          <a:lstStyle/>
+          <a:p>
+            <a:pPr algn="ctr"/>
+            <a:endParaRPr lang="de-CH"/>
+          </a:p>
+        </p:txBody>
+      </p:sp>
+      <p:sp>
+        <p:nvSpPr>
+          <p:cNvPr id="2" name="Titel 1"/>
+          <p:cNvSpPr>
+            <a:spLocks noGrp="1"/>
+          </p:cNvSpPr>
+          <p:nvPr>
+            <p:ph type="ctrTitle"/>
+          </p:nvPr>
+        </p:nvSpPr>
+        <p:spPr>
+          <a:xfrm>
+            <a:off x="145142" y="117668"/>
+            <a:ext cx="9144000" cy="1245734"/>
+          </a:xfrm>
+          <a:solidFill>
+            <a:schemeClr val="accent4">
+              <a:lumMod val="60000"/>
+              <a:lumOff val="40000"/>
+            </a:schemeClr>
+          </a:solidFill>
+        </p:spPr>
+        <p:txBody>
+          <a:bodyPr>
+            <a:normAutofit/>
+          </a:bodyPr>
+          <a:lstStyle/>
+          <a:p>
+            <a:pPr algn="l"/>
+            <a:r>
+              <a:rPr lang="de-CH" sz="7200" b="1" dirty="0" smtClean="0">
+                <a:solidFill>
+                  <a:schemeClr val="tx1">
+                    <a:lumMod val="95000"/>
+                    <a:lumOff val="5000"/>
+                  </a:schemeClr>
+                </a:solidFill>
+              </a:rPr>
+              <a:t>Implementationsdetail</a:t>
+            </a:r>
+            <a:endParaRPr lang="de-CH" sz="7200" b="1" dirty="0">
+              <a:solidFill>
+                <a:schemeClr val="tx1">
+                  <a:lumMod val="95000"/>
+                  <a:lumOff val="5000"/>
+                </a:schemeClr>
+              </a:solidFill>
+            </a:endParaRPr>
+          </a:p>
+        </p:txBody>
+      </p:sp>
+      <p:sp>
+        <p:nvSpPr>
+          <p:cNvPr id="5" name="Textfeld 4"/>
+          <p:cNvSpPr txBox="1"/>
+          <p:nvPr/>
+        </p:nvSpPr>
+        <p:spPr>
+          <a:xfrm>
+            <a:off x="303892" y="1481070"/>
+            <a:ext cx="11294715" cy="1384995"/>
+          </a:xfrm>
+          <a:prstGeom prst="rect">
+            <a:avLst/>
+          </a:prstGeom>
+          <a:noFill/>
+        </p:spPr>
+        <p:txBody>
+          <a:bodyPr wrap="square" rtlCol="0">
+            <a:spAutoFit/>
+          </a:bodyPr>
+          <a:lstStyle/>
+          <a:p>
+            <a:pPr>
+              <a:lnSpc>
+                <a:spcPct val="150000"/>
+              </a:lnSpc>
+            </a:pPr>
+            <a:r>
+              <a:rPr lang="en-US" sz="2800" dirty="0" err="1" smtClean="0"/>
+              <a:t>Flugzeug</a:t>
+            </a:r>
+            <a:r>
+              <a:rPr lang="en-US" sz="2800" dirty="0" smtClean="0"/>
+              <a:t> </a:t>
+            </a:r>
+            <a:r>
+              <a:rPr lang="en-US" sz="2800" dirty="0" err="1" smtClean="0"/>
+              <a:t>soll</a:t>
+            </a:r>
+            <a:r>
+              <a:rPr lang="en-US" sz="2800" dirty="0" smtClean="0"/>
+              <a:t> </a:t>
+            </a:r>
+            <a:r>
+              <a:rPr lang="en-US" sz="2800" dirty="0" err="1" smtClean="0"/>
+              <a:t>sich</a:t>
+            </a:r>
+            <a:r>
+              <a:rPr lang="en-US" sz="2800" dirty="0" smtClean="0"/>
+              <a:t> in </a:t>
+            </a:r>
+            <a:r>
+              <a:rPr lang="en-US" sz="2800" dirty="0" err="1" smtClean="0"/>
+              <a:t>Cursorrichtung</a:t>
+            </a:r>
+            <a:r>
+              <a:rPr lang="en-US" sz="2800" dirty="0" smtClean="0"/>
+              <a:t> </a:t>
+            </a:r>
+            <a:r>
+              <a:rPr lang="en-US" sz="2800" dirty="0" err="1" smtClean="0"/>
+              <a:t>drehen</a:t>
+            </a:r>
+            <a:r>
+              <a:rPr lang="en-US" sz="2800" dirty="0" smtClean="0"/>
+              <a:t>:</a:t>
+            </a:r>
+            <a:endParaRPr lang="en-US" sz="2800" dirty="0" smtClean="0"/>
+          </a:p>
+          <a:p>
+            <a:pPr marL="457200" indent="-457200">
+              <a:lnSpc>
+                <a:spcPct val="150000"/>
+              </a:lnSpc>
+              <a:buFont typeface="Arial" panose="020B0604020202020204" pitchFamily="34" charset="0"/>
+              <a:buChar char="•"/>
+            </a:pPr>
+            <a:endParaRPr lang="de-CH" sz="2800" dirty="0"/>
+          </a:p>
+        </p:txBody>
+      </p:sp>
+      <p:pic>
+        <p:nvPicPr>
+          <p:cNvPr id="2050" name="Picture 2" descr="C:\Users\James\Desktop\graphics_fundamentals_viewport_3dscene.png"/>
+          <p:cNvPicPr>
+            <a:picLocks noChangeAspect="1" noChangeArrowheads="1"/>
+          </p:cNvPicPr>
+          <p:nvPr/>
+        </p:nvPicPr>
+        <p:blipFill>
+          <a:blip r:embed="rId3">
+            <a:extLst>
+              <a:ext uri="{28A0092B-C50C-407E-A947-70E740481C1C}">
+                <a14:useLocalDpi xmlns:a14="http://schemas.microsoft.com/office/drawing/2010/main" val="0"/>
+              </a:ext>
+            </a:extLst>
+          </a:blip>
+          <a:srcRect/>
+          <a:stretch>
+            <a:fillRect/>
+          </a:stretch>
+        </p:blipFill>
+        <p:spPr bwMode="auto">
+          <a:xfrm>
+            <a:off x="303892" y="2173567"/>
+            <a:ext cx="5449208" cy="4348474"/>
+          </a:xfrm>
+          <a:prstGeom prst="rect">
+            <a:avLst/>
+          </a:prstGeom>
+          <a:noFill/>
+          <a:extLst>
+            <a:ext uri="{909E8E84-426E-40DD-AFC4-6F175D3DCCD1}">
+              <a14:hiddenFill xmlns:a14="http://schemas.microsoft.com/office/drawing/2010/main">
+                <a:solidFill>
+                  <a:srgbClr val="FFFFFF"/>
+                </a:solidFill>
+              </a14:hiddenFill>
+            </a:ext>
+          </a:extLst>
+        </p:spPr>
+      </p:pic>
+    </p:spTree>
+    <p:extLst>
+      <p:ext uri="{BB962C8B-B14F-4D97-AF65-F5344CB8AC3E}">
+        <p14:creationId xmlns:p14="http://schemas.microsoft.com/office/powerpoint/2010/main" val="1398165055"/>
+      </p:ext>
+    </p:extLst>
+  </p:cSld>
+  <p:clrMapOvr>
+    <a:masterClrMapping/>
+  </p:clrMapOvr>
+  <p:timing>
+    <p:tnLst>
+      <p:par>
+        <p:cTn id="1" dur="indefinite" restart="never" nodeType="tmRoot"/>
+      </p:par>
+    </p:tnLst>
+  </p:timing>
+</p:sld>
+</file>
+
+<file path=ppt/slides/slide14.xml><?xml version="1.0" encoding="utf-8"?>
+<p:sld xmlns:a="http://schemas.openxmlformats.org/drawingml/2006/main" xmlns:r="http://schemas.openxmlformats.org/officeDocument/2006/relationships" xmlns:p="http://schemas.openxmlformats.org/presentationml/2006/main">
+  <p:cSld>
+    <p:spTree>
+      <p:nvGrpSpPr>
+        <p:cNvPr id="1" name=""/>
+        <p:cNvGrpSpPr/>
+        <p:nvPr/>
+      </p:nvGrpSpPr>
+      <p:grpSpPr>
+        <a:xfrm>
+          <a:off x="0" y="0"/>
+          <a:ext cx="0" cy="0"/>
+          <a:chOff x="0" y="0"/>
+          <a:chExt cx="0" cy="0"/>
+        </a:xfrm>
+      </p:grpSpPr>
+      <p:sp>
+        <p:nvSpPr>
+          <p:cNvPr id="4" name="Rechteck 3"/>
+          <p:cNvSpPr/>
+          <p:nvPr/>
+        </p:nvSpPr>
+        <p:spPr>
+          <a:xfrm>
+            <a:off x="0" y="0"/>
+            <a:ext cx="12192000" cy="1481070"/>
+          </a:xfrm>
+          <a:prstGeom prst="rect">
+            <a:avLst/>
+          </a:prstGeom>
+          <a:solidFill>
+            <a:schemeClr val="accent4">
+              <a:lumMod val="60000"/>
+              <a:lumOff val="40000"/>
+            </a:schemeClr>
+          </a:solidFill>
+          <a:ln>
+            <a:noFill/>
+          </a:ln>
+        </p:spPr>
+        <p:style>
+          <a:lnRef idx="2">
+            <a:schemeClr val="accent1">
+              <a:shade val="50000"/>
+            </a:schemeClr>
+          </a:lnRef>
+          <a:fillRef idx="1">
+            <a:schemeClr val="accent1"/>
+          </a:fillRef>
+          <a:effectRef idx="0">
+            <a:schemeClr val="accent1"/>
+          </a:effectRef>
+          <a:fontRef idx="minor">
+            <a:schemeClr val="lt1"/>
+          </a:fontRef>
+        </p:style>
+        <p:txBody>
+          <a:bodyPr rtlCol="0" anchor="ctr"/>
+          <a:lstStyle/>
+          <a:p>
+            <a:pPr algn="ctr"/>
+            <a:endParaRPr lang="de-CH"/>
+          </a:p>
+        </p:txBody>
+      </p:sp>
+      <p:sp>
+        <p:nvSpPr>
+          <p:cNvPr id="2" name="Titel 1"/>
+          <p:cNvSpPr>
+            <a:spLocks noGrp="1"/>
+          </p:cNvSpPr>
+          <p:nvPr>
+            <p:ph type="ctrTitle"/>
+          </p:nvPr>
+        </p:nvSpPr>
+        <p:spPr>
+          <a:xfrm>
+            <a:off x="145142" y="117668"/>
+            <a:ext cx="9144000" cy="1245734"/>
+          </a:xfrm>
+          <a:solidFill>
+            <a:schemeClr val="accent4">
+              <a:lumMod val="60000"/>
+              <a:lumOff val="40000"/>
+            </a:schemeClr>
+          </a:solidFill>
+        </p:spPr>
+        <p:txBody>
+          <a:bodyPr>
+            <a:normAutofit/>
+          </a:bodyPr>
+          <a:lstStyle/>
+          <a:p>
+            <a:pPr algn="l"/>
+            <a:r>
+              <a:rPr lang="de-CH" sz="7200" b="1" dirty="0" smtClean="0">
+                <a:solidFill>
+                  <a:schemeClr val="tx1">
+                    <a:lumMod val="95000"/>
+                    <a:lumOff val="5000"/>
+                  </a:schemeClr>
+                </a:solidFill>
+              </a:rPr>
+              <a:t>Implementationsdetail 2</a:t>
+            </a:r>
+            <a:endParaRPr lang="de-CH" sz="7200" b="1" dirty="0">
+              <a:solidFill>
+                <a:schemeClr val="tx1">
+                  <a:lumMod val="95000"/>
+                  <a:lumOff val="5000"/>
+                </a:schemeClr>
+              </a:solidFill>
+            </a:endParaRPr>
+          </a:p>
+        </p:txBody>
+      </p:sp>
+      <p:pic>
+        <p:nvPicPr>
+          <p:cNvPr id="3074" name="Picture 2" descr="C:\Users\James\Desktop\Capture33.PNG"/>
+          <p:cNvPicPr>
+            <a:picLocks noChangeAspect="1" noChangeArrowheads="1"/>
+          </p:cNvPicPr>
+          <p:nvPr/>
+        </p:nvPicPr>
+        <p:blipFill>
+          <a:blip r:embed="rId3">
+            <a:extLst>
+              <a:ext uri="{28A0092B-C50C-407E-A947-70E740481C1C}">
+                <a14:useLocalDpi xmlns:a14="http://schemas.microsoft.com/office/drawing/2010/main" val="0"/>
+              </a:ext>
+            </a:extLst>
+          </a:blip>
+          <a:srcRect/>
+          <a:stretch>
+            <a:fillRect/>
+          </a:stretch>
+        </p:blipFill>
+        <p:spPr bwMode="auto">
+          <a:xfrm>
+            <a:off x="138113" y="1481070"/>
+            <a:ext cx="9424987" cy="5322816"/>
+          </a:xfrm>
+          <a:prstGeom prst="rect">
+            <a:avLst/>
+          </a:prstGeom>
+          <a:noFill/>
+          <a:extLst>
+            <a:ext uri="{909E8E84-426E-40DD-AFC4-6F175D3DCCD1}">
+              <a14:hiddenFill xmlns:a14="http://schemas.microsoft.com/office/drawing/2010/main">
+                <a:solidFill>
+                  <a:srgbClr val="FFFFFF"/>
+                </a:solidFill>
+              </a14:hiddenFill>
+            </a:ext>
+          </a:extLst>
+        </p:spPr>
+      </p:pic>
+      <p:pic>
+        <p:nvPicPr>
+          <p:cNvPr id="3075" name="Picture 3" descr="C:\Users\James\Desktop\Line_equation_qtl1.svg.png"/>
+          <p:cNvPicPr>
+            <a:picLocks noChangeAspect="1" noChangeArrowheads="1"/>
+          </p:cNvPicPr>
+          <p:nvPr/>
+        </p:nvPicPr>
+        <p:blipFill>
+          <a:blip r:embed="rId4">
+            <a:extLst>
+              <a:ext uri="{28A0092B-C50C-407E-A947-70E740481C1C}">
+                <a14:useLocalDpi xmlns:a14="http://schemas.microsoft.com/office/drawing/2010/main" val="0"/>
+              </a:ext>
+            </a:extLst>
+          </a:blip>
+          <a:srcRect/>
+          <a:stretch>
+            <a:fillRect/>
+          </a:stretch>
+        </p:blipFill>
+        <p:spPr bwMode="auto">
+          <a:xfrm>
+            <a:off x="7239000" y="3595007"/>
+            <a:ext cx="4229100" cy="3020786"/>
+          </a:xfrm>
+          <a:prstGeom prst="rect">
+            <a:avLst/>
+          </a:prstGeom>
+          <a:noFill/>
+          <a:extLst>
+            <a:ext uri="{909E8E84-426E-40DD-AFC4-6F175D3DCCD1}">
+              <a14:hiddenFill xmlns:a14="http://schemas.microsoft.com/office/drawing/2010/main">
+                <a:solidFill>
+                  <a:srgbClr val="FFFFFF"/>
+                </a:solidFill>
+              </a14:hiddenFill>
+            </a:ext>
+          </a:extLst>
+        </p:spPr>
+      </p:pic>
+    </p:spTree>
+    <p:extLst>
+      <p:ext uri="{BB962C8B-B14F-4D97-AF65-F5344CB8AC3E}">
+        <p14:creationId xmlns:p14="http://schemas.microsoft.com/office/powerpoint/2010/main" val="1593488761"/>
       </p:ext>
     </p:extLst>
   </p:cSld>
@@ -5907,7 +6634,7 @@
         <p:spPr>
           <a:xfrm>
             <a:off x="551542" y="1932567"/>
-            <a:ext cx="11294715" cy="5262979"/>
+            <a:ext cx="11294715" cy="5909310"/>
           </a:xfrm>
           <a:prstGeom prst="rect">
             <a:avLst/>
@@ -6070,8 +6797,38 @@
             </a:r>
             <a:r>
               <a:rPr lang="en-US" sz="2800" dirty="0" smtClean="0"/>
-              <a:t> OpenGL / DirectX</a:t>
-            </a:r>
+              <a:t> OpenGL / </a:t>
+            </a:r>
+            <a:r>
+              <a:rPr lang="en-US" sz="2800" dirty="0" smtClean="0"/>
+              <a:t>DirectX</a:t>
+            </a:r>
+          </a:p>
+          <a:p>
+            <a:pPr marL="457200" indent="-457200">
+              <a:lnSpc>
+                <a:spcPct val="150000"/>
+              </a:lnSpc>
+              <a:buFont typeface="Arial" panose="020B0604020202020204" pitchFamily="34" charset="0"/>
+              <a:buChar char="•"/>
+            </a:pPr>
+            <a:r>
+              <a:rPr lang="en-US" sz="2800" dirty="0" smtClean="0"/>
+              <a:t>Wrapper </a:t>
+            </a:r>
+            <a:r>
+              <a:rPr lang="en-US" sz="2800" dirty="0" err="1" smtClean="0"/>
+              <a:t>für</a:t>
+            </a:r>
+            <a:r>
+              <a:rPr lang="en-US" sz="2800" dirty="0" smtClean="0"/>
+              <a:t> Java /</a:t>
+            </a:r>
+            <a:r>
+              <a:rPr lang="en-US" sz="2800" dirty="0" err="1" smtClean="0"/>
+              <a:t>.Net</a:t>
+            </a:r>
+            <a:endParaRPr lang="en-US" sz="2800" dirty="0" smtClean="0"/>
           </a:p>
           <a:p>
             <a:pPr marL="457200" indent="-457200">
@@ -6552,11 +7309,11 @@
   <p:clrMapOvr>
     <a:masterClrMapping/>
   </p:clrMapOvr>
-  <mc:AlternateContent xmlns:mc="http://schemas.openxmlformats.org/markup-compatibility/2006">
-    <mc:Choice xmlns:p14="http://schemas.microsoft.com/office/powerpoint/2010/main" Requires="p14">
+  <mc:AlternateContent xmlns:mc="http://schemas.openxmlformats.org/markup-compatibility/2006" xmlns:p14="http://schemas.microsoft.com/office/powerpoint/2010/main">
+    <mc:Choice Requires="p14">
       <p:transition spd="slow" p14:dur="2000"/>
     </mc:Choice>
-    <mc:Fallback>
+    <mc:Fallback xmlns="">
       <p:transition spd="slow"/>
     </mc:Fallback>
   </mc:AlternateContent>
@@ -7622,7 +8379,7 @@
   <a:extraClrSchemeLst/>
   <a:extLst>
     <a:ext uri="{05A4C25C-085E-4340-85A3-A5531E510DB2}">
-      <thm15:themeFamily xmlns:thm15="http://schemas.microsoft.com/office/thememl/2012/main" xmlns="" name="Office Theme" id="{62F939B6-93AF-4DB8-9C6B-D6C7DFDC589F}" vid="{4A3C46E8-61CC-4603-A589-7422A47A8E4A}"/>
+      <thm15:themeFamily xmlns="" xmlns:thm15="http://schemas.microsoft.com/office/thememl/2012/main" name="Office Theme" id="{62F939B6-93AF-4DB8-9C6B-D6C7DFDC589F}" vid="{4A3C46E8-61CC-4603-A589-7422A47A8E4A}"/>
     </a:ext>
   </a:extLst>
 </a:theme>

--- a/ogrepresentation.pptx
+++ b/ogrepresentation.pptx
@@ -5,7 +5,7 @@
     <p:sldMasterId id="2147483648" r:id="rId1"/>
   </p:sldMasterIdLst>
   <p:notesMasterIdLst>
-    <p:notesMasterId r:id="rId16"/>
+    <p:notesMasterId r:id="rId19"/>
   </p:notesMasterIdLst>
   <p:sldIdLst>
     <p:sldId id="256" r:id="rId2"/>
@@ -21,7 +21,10 @@
     <p:sldId id="272" r:id="rId12"/>
     <p:sldId id="273" r:id="rId13"/>
     <p:sldId id="274" r:id="rId14"/>
-    <p:sldId id="275" r:id="rId15"/>
+    <p:sldId id="277" r:id="rId15"/>
+    <p:sldId id="278" r:id="rId16"/>
+    <p:sldId id="275" r:id="rId17"/>
+    <p:sldId id="276" r:id="rId18"/>
   </p:sldIdLst>
   <p:sldSz cx="12192000" cy="6858000"/>
   <p:notesSz cx="6858000" cy="9144000"/>
@@ -221,7 +224,7 @@
           <a:p>
             <a:fld id="{970FEAC7-464D-4571-9AB3-453224E4DDB0}" type="datetimeFigureOut">
               <a:rPr lang="de-CH" smtClean="0"/>
-              <a:t>04.06.2015</a:t>
+              <a:t>06.06.2015</a:t>
             </a:fld>
             <a:endParaRPr lang="de-CH"/>
           </a:p>
@@ -630,8 +633,12 @@
           <a:lstStyle/>
           <a:p>
             <a:r>
+              <a:rPr lang="en-US" dirty="0" smtClean="0"/>
+              <a:t>Da OO -&gt; Game </a:t>
+            </a:r>
+            <a:r>
               <a:rPr lang="en-US" dirty="0" err="1" smtClean="0"/>
-              <a:t>Wie</a:t>
+              <a:t>Cyle</a:t>
             </a:r>
             <a:r>
               <a:rPr lang="en-US" dirty="0" smtClean="0"/>
@@ -639,21 +646,41 @@
             </a:r>
             <a:r>
               <a:rPr lang="en-US" dirty="0" err="1" smtClean="0"/>
-              <a:t>GameObjects</a:t>
+              <a:t>sehr</a:t>
+            </a:r>
+            <a:r>
+              <a:rPr lang="en-US" dirty="0" smtClean="0"/>
+              <a:t> </a:t>
+            </a:r>
+            <a:r>
+              <a:rPr lang="en-US" dirty="0" err="1" smtClean="0"/>
+              <a:t>einfach</a:t>
+            </a:r>
+            <a:r>
+              <a:rPr lang="en-US" dirty="0" smtClean="0"/>
+              <a:t>:</a:t>
+            </a:r>
+          </a:p>
+          <a:p>
+            <a:r>
+              <a:rPr lang="en-US" dirty="0" smtClean="0"/>
+              <a:t>Von</a:t>
             </a:r>
             <a:r>
               <a:rPr lang="en-US" baseline="0" dirty="0" smtClean="0"/>
-              <a:t> in Unity</a:t>
-            </a:r>
-          </a:p>
-          <a:p>
+              <a:t> listener </a:t>
+            </a:r>
+            <a:r>
+              <a:rPr lang="en-US" baseline="0" dirty="0" err="1" smtClean="0"/>
+              <a:t>erben</a:t>
+            </a:r>
             <a:r>
               <a:rPr lang="en-US" baseline="0" dirty="0" smtClean="0"/>
-              <a:t>-&gt; </a:t>
+              <a:t>, </a:t>
             </a:r>
             <a:r>
               <a:rPr lang="en-US" baseline="0" dirty="0" err="1" smtClean="0"/>
-              <a:t>wenn</a:t>
+              <a:t>methoden</a:t>
             </a:r>
             <a:r>
               <a:rPr lang="en-US" baseline="0" dirty="0" smtClean="0"/>
@@ -661,49 +688,24 @@
             </a:r>
             <a:r>
               <a:rPr lang="en-US" baseline="0" dirty="0" err="1" smtClean="0"/>
-              <a:t>sich</a:t>
+              <a:t>implementieren</a:t>
+            </a:r>
+            <a:endParaRPr lang="en-US" baseline="0" dirty="0" smtClean="0"/>
+          </a:p>
+          <a:p>
+            <a:r>
+              <a:rPr lang="en-US" baseline="0" dirty="0" err="1" smtClean="0"/>
+              <a:t>Beim</a:t>
             </a:r>
             <a:r>
               <a:rPr lang="en-US" baseline="0" dirty="0" smtClean="0"/>
-              <a:t> parent </a:t>
+              <a:t> Ogre Root </a:t>
             </a:r>
             <a:r>
               <a:rPr lang="en-US" baseline="0" dirty="0" err="1" smtClean="0"/>
-              <a:t>verschiebt</a:t>
-            </a:r>
-            <a:r>
-              <a:rPr lang="en-US" baseline="0" dirty="0" smtClean="0"/>
-              <a:t>, </a:t>
-            </a:r>
-            <a:r>
-              <a:rPr lang="en-US" baseline="0" dirty="0" err="1" smtClean="0"/>
-              <a:t>verschieben</a:t>
-            </a:r>
-            <a:r>
-              <a:rPr lang="en-US" baseline="0" dirty="0" smtClean="0"/>
-              <a:t> </a:t>
-            </a:r>
-            <a:r>
-              <a:rPr lang="en-US" baseline="0" dirty="0" err="1" smtClean="0"/>
-              <a:t>sich</a:t>
-            </a:r>
-            <a:r>
-              <a:rPr lang="en-US" baseline="0" dirty="0" smtClean="0"/>
-              <a:t> </a:t>
-            </a:r>
-            <a:r>
-              <a:rPr lang="en-US" baseline="0" dirty="0" err="1" smtClean="0"/>
-              <a:t>alle</a:t>
-            </a:r>
-            <a:r>
-              <a:rPr lang="en-US" baseline="0" dirty="0" smtClean="0"/>
-              <a:t> </a:t>
-            </a:r>
-            <a:r>
-              <a:rPr lang="en-US" baseline="0" dirty="0" err="1" smtClean="0"/>
-              <a:t>childs</a:t>
-            </a:r>
-            <a:endParaRPr lang="de-CH" dirty="0"/>
+              <a:t>anmelden</a:t>
+            </a:r>
+            <a:endParaRPr lang="en-US" baseline="0" dirty="0" smtClean="0"/>
           </a:p>
         </p:txBody>
       </p:sp>
@@ -787,6 +789,14 @@
           <a:bodyPr/>
           <a:lstStyle/>
           <a:p>
+            <a:r>
+              <a:rPr lang="en-US" dirty="0" err="1" smtClean="0"/>
+              <a:t>Gegeben</a:t>
+            </a:r>
+            <a:r>
+              <a:rPr lang="en-US" dirty="0" smtClean="0"/>
+              <a:t>: </a:t>
+            </a:r>
             <a:endParaRPr lang="de-CH" dirty="0"/>
           </a:p>
         </p:txBody>
@@ -871,6 +881,18 @@
           <a:bodyPr/>
           <a:lstStyle/>
           <a:p>
+            <a:r>
+              <a:rPr lang="en-US" dirty="0" err="1" smtClean="0"/>
+              <a:t>Plattformen</a:t>
+            </a:r>
+            <a:r>
+              <a:rPr lang="en-US" dirty="0" smtClean="0"/>
+              <a:t>: Linux, Mac, windows, </a:t>
+            </a:r>
+            <a:r>
+              <a:rPr lang="en-US" dirty="0" err="1" smtClean="0"/>
+              <a:t>iOs</a:t>
+            </a:r>
             <a:endParaRPr lang="de-CH" dirty="0"/>
           </a:p>
         </p:txBody>
@@ -893,6 +915,282 @@
             <a:fld id="{7457F652-A1F4-4A06-B046-24A89FABBB4D}" type="slidenum">
               <a:rPr lang="de-CH" smtClean="0"/>
               <a:t>14</a:t>
+            </a:fld>
+            <a:endParaRPr lang="de-CH"/>
+          </a:p>
+        </p:txBody>
+      </p:sp>
+    </p:spTree>
+    <p:extLst>
+      <p:ext uri="{BB962C8B-B14F-4D97-AF65-F5344CB8AC3E}">
+        <p14:creationId xmlns:p14="http://schemas.microsoft.com/office/powerpoint/2010/main" val="303772140"/>
+      </p:ext>
+    </p:extLst>
+  </p:cSld>
+  <p:clrMapOvr>
+    <a:masterClrMapping/>
+  </p:clrMapOvr>
+</p:notes>
+</file>
+
+<file path=ppt/notesSlides/notesSlide13.xml><?xml version="1.0" encoding="utf-8"?>
+<p:notes xmlns:a="http://schemas.openxmlformats.org/drawingml/2006/main" xmlns:r="http://schemas.openxmlformats.org/officeDocument/2006/relationships" xmlns:p="http://schemas.openxmlformats.org/presentationml/2006/main">
+  <p:cSld>
+    <p:spTree>
+      <p:nvGrpSpPr>
+        <p:cNvPr id="1" name=""/>
+        <p:cNvGrpSpPr/>
+        <p:nvPr/>
+      </p:nvGrpSpPr>
+      <p:grpSpPr>
+        <a:xfrm>
+          <a:off x="0" y="0"/>
+          <a:ext cx="0" cy="0"/>
+          <a:chOff x="0" y="0"/>
+          <a:chExt cx="0" cy="0"/>
+        </a:xfrm>
+      </p:grpSpPr>
+      <p:sp>
+        <p:nvSpPr>
+          <p:cNvPr id="2" name="Folienbildplatzhalter 1"/>
+          <p:cNvSpPr>
+            <a:spLocks noGrp="1" noRot="1" noChangeAspect="1"/>
+          </p:cNvSpPr>
+          <p:nvPr>
+            <p:ph type="sldImg"/>
+          </p:nvPr>
+        </p:nvSpPr>
+        <p:spPr/>
+      </p:sp>
+      <p:sp>
+        <p:nvSpPr>
+          <p:cNvPr id="3" name="Notizenplatzhalter 2"/>
+          <p:cNvSpPr>
+            <a:spLocks noGrp="1"/>
+          </p:cNvSpPr>
+          <p:nvPr>
+            <p:ph type="body" idx="1"/>
+          </p:nvPr>
+        </p:nvSpPr>
+        <p:spPr/>
+        <p:txBody>
+          <a:bodyPr/>
+          <a:lstStyle/>
+          <a:p>
+            <a:r>
+              <a:rPr lang="en-US" dirty="0" err="1" smtClean="0"/>
+              <a:t>Plattformen</a:t>
+            </a:r>
+            <a:r>
+              <a:rPr lang="en-US" dirty="0" smtClean="0"/>
+              <a:t>: Linux, Mac, windows, </a:t>
+            </a:r>
+            <a:r>
+              <a:rPr lang="en-US" dirty="0" err="1" smtClean="0"/>
+              <a:t>iOs</a:t>
+            </a:r>
+            <a:endParaRPr lang="de-CH" dirty="0"/>
+          </a:p>
+        </p:txBody>
+      </p:sp>
+      <p:sp>
+        <p:nvSpPr>
+          <p:cNvPr id="4" name="Foliennummernplatzhalter 3"/>
+          <p:cNvSpPr>
+            <a:spLocks noGrp="1"/>
+          </p:cNvSpPr>
+          <p:nvPr>
+            <p:ph type="sldNum" sz="quarter" idx="10"/>
+          </p:nvPr>
+        </p:nvSpPr>
+        <p:spPr/>
+        <p:txBody>
+          <a:bodyPr/>
+          <a:lstStyle/>
+          <a:p>
+            <a:fld id="{7457F652-A1F4-4A06-B046-24A89FABBB4D}" type="slidenum">
+              <a:rPr lang="de-CH" smtClean="0"/>
+              <a:t>15</a:t>
+            </a:fld>
+            <a:endParaRPr lang="de-CH"/>
+          </a:p>
+        </p:txBody>
+      </p:sp>
+    </p:spTree>
+    <p:extLst>
+      <p:ext uri="{BB962C8B-B14F-4D97-AF65-F5344CB8AC3E}">
+        <p14:creationId xmlns:p14="http://schemas.microsoft.com/office/powerpoint/2010/main" val="303772140"/>
+      </p:ext>
+    </p:extLst>
+  </p:cSld>
+  <p:clrMapOvr>
+    <a:masterClrMapping/>
+  </p:clrMapOvr>
+</p:notes>
+</file>
+
+<file path=ppt/notesSlides/notesSlide14.xml><?xml version="1.0" encoding="utf-8"?>
+<p:notes xmlns:a="http://schemas.openxmlformats.org/drawingml/2006/main" xmlns:r="http://schemas.openxmlformats.org/officeDocument/2006/relationships" xmlns:p="http://schemas.openxmlformats.org/presentationml/2006/main">
+  <p:cSld>
+    <p:spTree>
+      <p:nvGrpSpPr>
+        <p:cNvPr id="1" name=""/>
+        <p:cNvGrpSpPr/>
+        <p:nvPr/>
+      </p:nvGrpSpPr>
+      <p:grpSpPr>
+        <a:xfrm>
+          <a:off x="0" y="0"/>
+          <a:ext cx="0" cy="0"/>
+          <a:chOff x="0" y="0"/>
+          <a:chExt cx="0" cy="0"/>
+        </a:xfrm>
+      </p:grpSpPr>
+      <p:sp>
+        <p:nvSpPr>
+          <p:cNvPr id="2" name="Folienbildplatzhalter 1"/>
+          <p:cNvSpPr>
+            <a:spLocks noGrp="1" noRot="1" noChangeAspect="1"/>
+          </p:cNvSpPr>
+          <p:nvPr>
+            <p:ph type="sldImg"/>
+          </p:nvPr>
+        </p:nvSpPr>
+        <p:spPr/>
+      </p:sp>
+      <p:sp>
+        <p:nvSpPr>
+          <p:cNvPr id="3" name="Notizenplatzhalter 2"/>
+          <p:cNvSpPr>
+            <a:spLocks noGrp="1"/>
+          </p:cNvSpPr>
+          <p:nvPr>
+            <p:ph type="body" idx="1"/>
+          </p:nvPr>
+        </p:nvSpPr>
+        <p:spPr/>
+        <p:txBody>
+          <a:bodyPr/>
+          <a:lstStyle/>
+          <a:p>
+            <a:r>
+              <a:rPr lang="en-US" dirty="0" err="1" smtClean="0"/>
+              <a:t>Plattformen</a:t>
+            </a:r>
+            <a:r>
+              <a:rPr lang="en-US" dirty="0" smtClean="0"/>
+              <a:t>: Linux, Mac, windows, </a:t>
+            </a:r>
+            <a:r>
+              <a:rPr lang="en-US" dirty="0" err="1" smtClean="0"/>
+              <a:t>iOs</a:t>
+            </a:r>
+            <a:endParaRPr lang="de-CH" dirty="0"/>
+          </a:p>
+        </p:txBody>
+      </p:sp>
+      <p:sp>
+        <p:nvSpPr>
+          <p:cNvPr id="4" name="Foliennummernplatzhalter 3"/>
+          <p:cNvSpPr>
+            <a:spLocks noGrp="1"/>
+          </p:cNvSpPr>
+          <p:nvPr>
+            <p:ph type="sldNum" sz="quarter" idx="10"/>
+          </p:nvPr>
+        </p:nvSpPr>
+        <p:spPr/>
+        <p:txBody>
+          <a:bodyPr/>
+          <a:lstStyle/>
+          <a:p>
+            <a:fld id="{7457F652-A1F4-4A06-B046-24A89FABBB4D}" type="slidenum">
+              <a:rPr lang="de-CH" smtClean="0"/>
+              <a:t>16</a:t>
+            </a:fld>
+            <a:endParaRPr lang="de-CH"/>
+          </a:p>
+        </p:txBody>
+      </p:sp>
+    </p:spTree>
+    <p:extLst>
+      <p:ext uri="{BB962C8B-B14F-4D97-AF65-F5344CB8AC3E}">
+        <p14:creationId xmlns:p14="http://schemas.microsoft.com/office/powerpoint/2010/main" val="303772140"/>
+      </p:ext>
+    </p:extLst>
+  </p:cSld>
+  <p:clrMapOvr>
+    <a:masterClrMapping/>
+  </p:clrMapOvr>
+</p:notes>
+</file>
+
+<file path=ppt/notesSlides/notesSlide15.xml><?xml version="1.0" encoding="utf-8"?>
+<p:notes xmlns:a="http://schemas.openxmlformats.org/drawingml/2006/main" xmlns:r="http://schemas.openxmlformats.org/officeDocument/2006/relationships" xmlns:p="http://schemas.openxmlformats.org/presentationml/2006/main">
+  <p:cSld>
+    <p:spTree>
+      <p:nvGrpSpPr>
+        <p:cNvPr id="1" name=""/>
+        <p:cNvGrpSpPr/>
+        <p:nvPr/>
+      </p:nvGrpSpPr>
+      <p:grpSpPr>
+        <a:xfrm>
+          <a:off x="0" y="0"/>
+          <a:ext cx="0" cy="0"/>
+          <a:chOff x="0" y="0"/>
+          <a:chExt cx="0" cy="0"/>
+        </a:xfrm>
+      </p:grpSpPr>
+      <p:sp>
+        <p:nvSpPr>
+          <p:cNvPr id="2" name="Folienbildplatzhalter 1"/>
+          <p:cNvSpPr>
+            <a:spLocks noGrp="1" noRot="1" noChangeAspect="1"/>
+          </p:cNvSpPr>
+          <p:nvPr>
+            <p:ph type="sldImg"/>
+          </p:nvPr>
+        </p:nvSpPr>
+        <p:spPr/>
+      </p:sp>
+      <p:sp>
+        <p:nvSpPr>
+          <p:cNvPr id="3" name="Notizenplatzhalter 2"/>
+          <p:cNvSpPr>
+            <a:spLocks noGrp="1"/>
+          </p:cNvSpPr>
+          <p:nvPr>
+            <p:ph type="body" idx="1"/>
+          </p:nvPr>
+        </p:nvSpPr>
+        <p:spPr/>
+        <p:txBody>
+          <a:bodyPr/>
+          <a:lstStyle/>
+          <a:p>
+            <a:endParaRPr lang="de-CH" dirty="0"/>
+          </a:p>
+        </p:txBody>
+      </p:sp>
+      <p:sp>
+        <p:nvSpPr>
+          <p:cNvPr id="4" name="Foliennummernplatzhalter 3"/>
+          <p:cNvSpPr>
+            <a:spLocks noGrp="1"/>
+          </p:cNvSpPr>
+          <p:nvPr>
+            <p:ph type="sldNum" sz="quarter" idx="10"/>
+          </p:nvPr>
+        </p:nvSpPr>
+        <p:spPr/>
+        <p:txBody>
+          <a:bodyPr/>
+          <a:lstStyle/>
+          <a:p>
+            <a:fld id="{7457F652-A1F4-4A06-B046-24A89FABBB4D}" type="slidenum">
+              <a:rPr lang="de-CH" smtClean="0"/>
+              <a:t>17</a:t>
             </a:fld>
             <a:endParaRPr lang="de-CH"/>
           </a:p>
@@ -1277,15 +1575,15 @@
           <a:p>
             <a:r>
               <a:rPr lang="en-US" dirty="0" err="1" smtClean="0"/>
-              <a:t>Plattformen</a:t>
-            </a:r>
-            <a:r>
-              <a:rPr lang="en-US" dirty="0" smtClean="0"/>
-              <a:t>: Linux, Mac, windows, </a:t>
-            </a:r>
-            <a:r>
-              <a:rPr lang="en-US" dirty="0" err="1" smtClean="0"/>
-              <a:t>iOs</a:t>
+              <a:t>Inoffizielle</a:t>
+            </a:r>
+            <a:r>
+              <a:rPr lang="en-US" baseline="0" dirty="0" smtClean="0"/>
+              <a:t> </a:t>
+            </a:r>
+            <a:r>
+              <a:rPr lang="en-US" baseline="0" dirty="0" err="1" smtClean="0"/>
+              <a:t>Szeneneditor</a:t>
             </a:r>
             <a:endParaRPr lang="de-CH" dirty="0"/>
           </a:p>
@@ -1562,6 +1860,37 @@
         <p:txBody>
           <a:bodyPr/>
           <a:lstStyle/>
+          <a:p>
+            <a:r>
+              <a:rPr lang="en-US" dirty="0" smtClean="0"/>
+              <a:t>Tutorial</a:t>
+            </a:r>
+            <a:r>
+              <a:rPr lang="en-US" baseline="0" dirty="0" smtClean="0"/>
+              <a:t> Framework: </a:t>
+            </a:r>
+            <a:r>
+              <a:rPr lang="en-US" baseline="0" dirty="0" err="1" smtClean="0"/>
+              <a:t>praktisch</a:t>
+            </a:r>
+            <a:r>
+              <a:rPr lang="en-US" baseline="0" dirty="0" smtClean="0"/>
+              <a:t>: in </a:t>
+            </a:r>
+            <a:r>
+              <a:rPr lang="en-US" baseline="0" dirty="0" err="1" smtClean="0"/>
+              <a:t>Methode</a:t>
+            </a:r>
+            <a:r>
+              <a:rPr lang="en-US" baseline="0" dirty="0" smtClean="0"/>
+              <a:t> Create Scene </a:t>
+            </a:r>
+            <a:r>
+              <a:rPr lang="en-US" baseline="0" dirty="0" err="1" smtClean="0"/>
+              <a:t>loslegen</a:t>
+            </a:r>
+            <a:endParaRPr lang="en-US" dirty="0" smtClean="0"/>
+          </a:p>
           <a:p>
             <a:r>
               <a:rPr lang="en-US" dirty="0" err="1" smtClean="0"/>
@@ -2110,7 +2439,7 @@
           <a:p>
             <a:fld id="{50577D00-0568-4CC9-8CEB-845F93FB100F}" type="datetimeFigureOut">
               <a:rPr lang="de-CH" smtClean="0"/>
-              <a:t>04.06.2015</a:t>
+              <a:t>06.06.2015</a:t>
             </a:fld>
             <a:endParaRPr lang="de-CH"/>
           </a:p>
@@ -2280,7 +2609,7 @@
           <a:p>
             <a:fld id="{50577D00-0568-4CC9-8CEB-845F93FB100F}" type="datetimeFigureOut">
               <a:rPr lang="de-CH" smtClean="0"/>
-              <a:t>04.06.2015</a:t>
+              <a:t>06.06.2015</a:t>
             </a:fld>
             <a:endParaRPr lang="de-CH"/>
           </a:p>
@@ -2460,7 +2789,7 @@
           <a:p>
             <a:fld id="{50577D00-0568-4CC9-8CEB-845F93FB100F}" type="datetimeFigureOut">
               <a:rPr lang="de-CH" smtClean="0"/>
-              <a:t>04.06.2015</a:t>
+              <a:t>06.06.2015</a:t>
             </a:fld>
             <a:endParaRPr lang="de-CH"/>
           </a:p>
@@ -2630,7 +2959,7 @@
           <a:p>
             <a:fld id="{50577D00-0568-4CC9-8CEB-845F93FB100F}" type="datetimeFigureOut">
               <a:rPr lang="de-CH" smtClean="0"/>
-              <a:t>04.06.2015</a:t>
+              <a:t>06.06.2015</a:t>
             </a:fld>
             <a:endParaRPr lang="de-CH"/>
           </a:p>
@@ -2876,7 +3205,7 @@
           <a:p>
             <a:fld id="{50577D00-0568-4CC9-8CEB-845F93FB100F}" type="datetimeFigureOut">
               <a:rPr lang="de-CH" smtClean="0"/>
-              <a:t>04.06.2015</a:t>
+              <a:t>06.06.2015</a:t>
             </a:fld>
             <a:endParaRPr lang="de-CH"/>
           </a:p>
@@ -3108,7 +3437,7 @@
           <a:p>
             <a:fld id="{50577D00-0568-4CC9-8CEB-845F93FB100F}" type="datetimeFigureOut">
               <a:rPr lang="de-CH" smtClean="0"/>
-              <a:t>04.06.2015</a:t>
+              <a:t>06.06.2015</a:t>
             </a:fld>
             <a:endParaRPr lang="de-CH"/>
           </a:p>
@@ -3475,7 +3804,7 @@
           <a:p>
             <a:fld id="{50577D00-0568-4CC9-8CEB-845F93FB100F}" type="datetimeFigureOut">
               <a:rPr lang="de-CH" smtClean="0"/>
-              <a:t>04.06.2015</a:t>
+              <a:t>06.06.2015</a:t>
             </a:fld>
             <a:endParaRPr lang="de-CH"/>
           </a:p>
@@ -3593,7 +3922,7 @@
           <a:p>
             <a:fld id="{50577D00-0568-4CC9-8CEB-845F93FB100F}" type="datetimeFigureOut">
               <a:rPr lang="de-CH" smtClean="0"/>
-              <a:t>04.06.2015</a:t>
+              <a:t>06.06.2015</a:t>
             </a:fld>
             <a:endParaRPr lang="de-CH"/>
           </a:p>
@@ -3688,7 +4017,7 @@
           <a:p>
             <a:fld id="{50577D00-0568-4CC9-8CEB-845F93FB100F}" type="datetimeFigureOut">
               <a:rPr lang="de-CH" smtClean="0"/>
-              <a:t>04.06.2015</a:t>
+              <a:t>06.06.2015</a:t>
             </a:fld>
             <a:endParaRPr lang="de-CH"/>
           </a:p>
@@ -3965,7 +4294,7 @@
           <a:p>
             <a:fld id="{50577D00-0568-4CC9-8CEB-845F93FB100F}" type="datetimeFigureOut">
               <a:rPr lang="de-CH" smtClean="0"/>
-              <a:t>04.06.2015</a:t>
+              <a:t>06.06.2015</a:t>
             </a:fld>
             <a:endParaRPr lang="de-CH"/>
           </a:p>
@@ -4218,7 +4547,7 @@
           <a:p>
             <a:fld id="{50577D00-0568-4CC9-8CEB-845F93FB100F}" type="datetimeFigureOut">
               <a:rPr lang="de-CH" smtClean="0"/>
-              <a:t>04.06.2015</a:t>
+              <a:t>06.06.2015</a:t>
             </a:fld>
             <a:endParaRPr lang="de-CH"/>
           </a:p>
@@ -4431,7 +4760,7 @@
           <a:p>
             <a:fld id="{50577D00-0568-4CC9-8CEB-845F93FB100F}" type="datetimeFigureOut">
               <a:rPr lang="de-CH" smtClean="0"/>
-              <a:t>04.06.2015</a:t>
+              <a:t>06.06.2015</a:t>
             </a:fld>
             <a:endParaRPr lang="de-CH"/>
           </a:p>
@@ -5914,7 +6243,6 @@
               <a:rPr lang="en-US" sz="2800" dirty="0" smtClean="0"/>
               <a:t>:</a:t>
             </a:r>
-            <a:endParaRPr lang="en-US" sz="2800" dirty="0" smtClean="0"/>
           </a:p>
           <a:p>
             <a:pPr marL="457200" indent="-457200">
@@ -5969,6 +6297,100 @@
           </a:extLst>
         </p:spPr>
       </p:pic>
+      <p:sp>
+        <p:nvSpPr>
+          <p:cNvPr id="7" name="Textfeld 6"/>
+          <p:cNvSpPr txBox="1"/>
+          <p:nvPr/>
+        </p:nvSpPr>
+        <p:spPr>
+          <a:xfrm>
+            <a:off x="5466443" y="3018465"/>
+            <a:ext cx="6535058" cy="1384995"/>
+          </a:xfrm>
+          <a:prstGeom prst="rect">
+            <a:avLst/>
+          </a:prstGeom>
+          <a:noFill/>
+        </p:spPr>
+        <p:txBody>
+          <a:bodyPr wrap="square" rtlCol="0">
+            <a:spAutoFit/>
+          </a:bodyPr>
+          <a:lstStyle/>
+          <a:p>
+            <a:pPr>
+              <a:lnSpc>
+                <a:spcPct val="150000"/>
+              </a:lnSpc>
+            </a:pPr>
+            <a:r>
+              <a:rPr lang="en-US" sz="2800" b="1" dirty="0" err="1" smtClean="0"/>
+              <a:t>Gegeben</a:t>
+            </a:r>
+            <a:r>
+              <a:rPr lang="en-US" sz="2800" dirty="0" smtClean="0"/>
+              <a:t>: </a:t>
+            </a:r>
+            <a:r>
+              <a:rPr lang="en-US" sz="2800" dirty="0" err="1" smtClean="0"/>
+              <a:t>Koordinate</a:t>
+            </a:r>
+            <a:r>
+              <a:rPr lang="en-US" sz="2800" dirty="0" smtClean="0"/>
+              <a:t> des Viewport</a:t>
+            </a:r>
+          </a:p>
+          <a:p>
+            <a:pPr>
+              <a:lnSpc>
+                <a:spcPct val="150000"/>
+              </a:lnSpc>
+            </a:pPr>
+            <a:r>
+              <a:rPr lang="en-US" sz="2800" b="1" dirty="0" err="1" smtClean="0"/>
+              <a:t>Gesucht</a:t>
+            </a:r>
+            <a:r>
+              <a:rPr lang="en-US" sz="2800" dirty="0" smtClean="0"/>
+              <a:t>: </a:t>
+            </a:r>
+            <a:r>
+              <a:rPr lang="en-US" sz="2800" dirty="0" err="1" smtClean="0"/>
+              <a:t>Schnittpunkt</a:t>
+            </a:r>
+            <a:r>
+              <a:rPr lang="en-US" sz="2800" dirty="0" smtClean="0"/>
+              <a:t> </a:t>
+            </a:r>
+            <a:r>
+              <a:rPr lang="en-US" sz="2800" dirty="0" err="1"/>
+              <a:t>G</a:t>
+            </a:r>
+            <a:r>
+              <a:rPr lang="en-US" sz="2800" dirty="0" err="1" smtClean="0"/>
+              <a:t>erade</a:t>
+            </a:r>
+            <a:r>
+              <a:rPr lang="en-US" sz="2800" dirty="0" smtClean="0"/>
+              <a:t> </a:t>
+            </a:r>
+            <a:r>
+              <a:rPr lang="en-US" sz="2800" dirty="0" err="1" smtClean="0"/>
+              <a:t>zx</a:t>
+            </a:r>
+            <a:r>
+              <a:rPr lang="en-US" sz="2800" dirty="0" smtClean="0"/>
+              <a:t> </a:t>
+            </a:r>
+            <a:r>
+              <a:rPr lang="en-US" sz="2800" dirty="0" err="1" smtClean="0"/>
+              <a:t>Ebene</a:t>
+            </a:r>
+            <a:endParaRPr lang="de-CH" sz="2800" dirty="0"/>
+          </a:p>
+        </p:txBody>
+      </p:sp>
     </p:spTree>
     <p:extLst>
       <p:ext uri="{BB962C8B-B14F-4D97-AF65-F5344CB8AC3E}">
@@ -6108,7 +6530,7 @@
       </p:sp>
       <p:pic>
         <p:nvPicPr>
-          <p:cNvPr id="3074" name="Picture 2" descr="C:\Users\James\Desktop\Capture33.PNG"/>
+          <p:cNvPr id="1027" name="Picture 3" descr="C:\Users\James\Desktop\getMoitorPos.PNG"/>
           <p:cNvPicPr>
             <a:picLocks noChangeAspect="1" noChangeArrowheads="1"/>
           </p:cNvPicPr>
@@ -6129,8 +6551,8 @@
         </p:blipFill>
         <p:spPr bwMode="auto">
           <a:xfrm>
-            <a:off x="138113" y="1481070"/>
-            <a:ext cx="9424987" cy="5322816"/>
+            <a:off x="176213" y="1628774"/>
+            <a:ext cx="10066260" cy="4962525"/>
           </a:xfrm>
           <a:prstGeom prst="rect">
             <a:avLst/>
@@ -6149,7 +6571,7 @@
       </p:pic>
       <p:pic>
         <p:nvPicPr>
-          <p:cNvPr id="3075" name="Picture 3" descr="C:\Users\James\Desktop\Line_equation_qtl1.svg.png"/>
+          <p:cNvPr id="1028" name="Picture 4" descr="C:\Users\James\Desktop\Line_equation_qtl1.svg.png"/>
           <p:cNvPicPr>
             <a:picLocks noChangeAspect="1" noChangeArrowheads="1"/>
           </p:cNvPicPr>
@@ -6170,8 +6592,8 @@
         </p:blipFill>
         <p:spPr bwMode="auto">
           <a:xfrm>
-            <a:off x="7239000" y="3595007"/>
-            <a:ext cx="4229100" cy="3020786"/>
+            <a:off x="7639050" y="3461656"/>
+            <a:ext cx="4381500" cy="3129643"/>
           </a:xfrm>
           <a:prstGeom prst="rect">
             <a:avLst/>
@@ -6191,7 +6613,844 @@
     </p:spTree>
     <p:extLst>
       <p:ext uri="{BB962C8B-B14F-4D97-AF65-F5344CB8AC3E}">
-        <p14:creationId xmlns:p14="http://schemas.microsoft.com/office/powerpoint/2010/main" val="1593488761"/>
+        <p14:creationId xmlns:p14="http://schemas.microsoft.com/office/powerpoint/2010/main" val="3132043178"/>
+      </p:ext>
+    </p:extLst>
+  </p:cSld>
+  <p:clrMapOvr>
+    <a:masterClrMapping/>
+  </p:clrMapOvr>
+  <p:timing>
+    <p:tnLst>
+      <p:par>
+        <p:cTn id="1" dur="indefinite" restart="never" nodeType="tmRoot"/>
+      </p:par>
+    </p:tnLst>
+  </p:timing>
+</p:sld>
+</file>
+
+<file path=ppt/slides/slide15.xml><?xml version="1.0" encoding="utf-8"?>
+<p:sld xmlns:a="http://schemas.openxmlformats.org/drawingml/2006/main" xmlns:r="http://schemas.openxmlformats.org/officeDocument/2006/relationships" xmlns:p="http://schemas.openxmlformats.org/presentationml/2006/main">
+  <p:cSld>
+    <p:spTree>
+      <p:nvGrpSpPr>
+        <p:cNvPr id="1" name=""/>
+        <p:cNvGrpSpPr/>
+        <p:nvPr/>
+      </p:nvGrpSpPr>
+      <p:grpSpPr>
+        <a:xfrm>
+          <a:off x="0" y="0"/>
+          <a:ext cx="0" cy="0"/>
+          <a:chOff x="0" y="0"/>
+          <a:chExt cx="0" cy="0"/>
+        </a:xfrm>
+      </p:grpSpPr>
+      <p:sp>
+        <p:nvSpPr>
+          <p:cNvPr id="4" name="Rechteck 3"/>
+          <p:cNvSpPr/>
+          <p:nvPr/>
+        </p:nvSpPr>
+        <p:spPr>
+          <a:xfrm>
+            <a:off x="0" y="0"/>
+            <a:ext cx="12192000" cy="1481070"/>
+          </a:xfrm>
+          <a:prstGeom prst="rect">
+            <a:avLst/>
+          </a:prstGeom>
+          <a:solidFill>
+            <a:schemeClr val="accent4">
+              <a:lumMod val="60000"/>
+              <a:lumOff val="40000"/>
+            </a:schemeClr>
+          </a:solidFill>
+          <a:ln>
+            <a:noFill/>
+          </a:ln>
+        </p:spPr>
+        <p:style>
+          <a:lnRef idx="2">
+            <a:schemeClr val="accent1">
+              <a:shade val="50000"/>
+            </a:schemeClr>
+          </a:lnRef>
+          <a:fillRef idx="1">
+            <a:schemeClr val="accent1"/>
+          </a:fillRef>
+          <a:effectRef idx="0">
+            <a:schemeClr val="accent1"/>
+          </a:effectRef>
+          <a:fontRef idx="minor">
+            <a:schemeClr val="lt1"/>
+          </a:fontRef>
+        </p:style>
+        <p:txBody>
+          <a:bodyPr rtlCol="0" anchor="ctr"/>
+          <a:lstStyle/>
+          <a:p>
+            <a:pPr algn="ctr"/>
+            <a:endParaRPr lang="de-CH"/>
+          </a:p>
+        </p:txBody>
+      </p:sp>
+      <p:sp>
+        <p:nvSpPr>
+          <p:cNvPr id="2" name="Titel 1"/>
+          <p:cNvSpPr>
+            <a:spLocks noGrp="1"/>
+          </p:cNvSpPr>
+          <p:nvPr>
+            <p:ph type="ctrTitle"/>
+          </p:nvPr>
+        </p:nvSpPr>
+        <p:spPr>
+          <a:xfrm>
+            <a:off x="145142" y="117668"/>
+            <a:ext cx="9144000" cy="1245734"/>
+          </a:xfrm>
+          <a:solidFill>
+            <a:schemeClr val="accent4">
+              <a:lumMod val="60000"/>
+              <a:lumOff val="40000"/>
+            </a:schemeClr>
+          </a:solidFill>
+        </p:spPr>
+        <p:txBody>
+          <a:bodyPr>
+            <a:normAutofit/>
+          </a:bodyPr>
+          <a:lstStyle/>
+          <a:p>
+            <a:pPr algn="l"/>
+            <a:r>
+              <a:rPr lang="de-CH" sz="7200" b="1" dirty="0" smtClean="0">
+                <a:solidFill>
+                  <a:schemeClr val="tx1">
+                    <a:lumMod val="95000"/>
+                    <a:lumOff val="5000"/>
+                  </a:schemeClr>
+                </a:solidFill>
+              </a:rPr>
+              <a:t>Implementationsdetail 3</a:t>
+            </a:r>
+            <a:endParaRPr lang="de-CH" sz="7200" b="1" dirty="0">
+              <a:solidFill>
+                <a:schemeClr val="tx1">
+                  <a:lumMod val="95000"/>
+                  <a:lumOff val="5000"/>
+                </a:schemeClr>
+              </a:solidFill>
+            </a:endParaRPr>
+          </a:p>
+        </p:txBody>
+      </p:sp>
+      <p:pic>
+        <p:nvPicPr>
+          <p:cNvPr id="2050" name="Picture 2" descr="C:\Users\James\Desktop\rotation.PNG"/>
+          <p:cNvPicPr>
+            <a:picLocks noChangeAspect="1" noChangeArrowheads="1"/>
+          </p:cNvPicPr>
+          <p:nvPr/>
+        </p:nvPicPr>
+        <p:blipFill>
+          <a:blip r:embed="rId3">
+            <a:extLst>
+              <a:ext uri="{28A0092B-C50C-407E-A947-70E740481C1C}">
+                <a14:useLocalDpi xmlns:a14="http://schemas.microsoft.com/office/drawing/2010/main" val="0"/>
+              </a:ext>
+            </a:extLst>
+          </a:blip>
+          <a:srcRect/>
+          <a:stretch>
+            <a:fillRect/>
+          </a:stretch>
+        </p:blipFill>
+        <p:spPr bwMode="auto">
+          <a:xfrm>
+            <a:off x="0" y="1633538"/>
+            <a:ext cx="11830050" cy="4861971"/>
+          </a:xfrm>
+          <a:prstGeom prst="rect">
+            <a:avLst/>
+          </a:prstGeom>
+          <a:noFill/>
+          <a:extLst>
+            <a:ext uri="{909E8E84-426E-40DD-AFC4-6F175D3DCCD1}">
+              <a14:hiddenFill xmlns:a14="http://schemas.microsoft.com/office/drawing/2010/main">
+                <a:solidFill>
+                  <a:srgbClr val="FFFFFF"/>
+                </a:solidFill>
+              </a14:hiddenFill>
+            </a:ext>
+          </a:extLst>
+        </p:spPr>
+      </p:pic>
+    </p:spTree>
+    <p:extLst>
+      <p:ext uri="{BB962C8B-B14F-4D97-AF65-F5344CB8AC3E}">
+        <p14:creationId xmlns:p14="http://schemas.microsoft.com/office/powerpoint/2010/main" val="798346841"/>
+      </p:ext>
+    </p:extLst>
+  </p:cSld>
+  <p:clrMapOvr>
+    <a:masterClrMapping/>
+  </p:clrMapOvr>
+  <p:timing>
+    <p:tnLst>
+      <p:par>
+        <p:cTn id="1" dur="indefinite" restart="never" nodeType="tmRoot"/>
+      </p:par>
+    </p:tnLst>
+  </p:timing>
+</p:sld>
+</file>
+
+<file path=ppt/slides/slide16.xml><?xml version="1.0" encoding="utf-8"?>
+<p:sld xmlns:a="http://schemas.openxmlformats.org/drawingml/2006/main" xmlns:r="http://schemas.openxmlformats.org/officeDocument/2006/relationships" xmlns:p="http://schemas.openxmlformats.org/presentationml/2006/main">
+  <p:cSld>
+    <p:spTree>
+      <p:nvGrpSpPr>
+        <p:cNvPr id="1" name=""/>
+        <p:cNvGrpSpPr/>
+        <p:nvPr/>
+      </p:nvGrpSpPr>
+      <p:grpSpPr>
+        <a:xfrm>
+          <a:off x="0" y="0"/>
+          <a:ext cx="0" cy="0"/>
+          <a:chOff x="0" y="0"/>
+          <a:chExt cx="0" cy="0"/>
+        </a:xfrm>
+      </p:grpSpPr>
+      <p:sp>
+        <p:nvSpPr>
+          <p:cNvPr id="4" name="Rechteck 3"/>
+          <p:cNvSpPr/>
+          <p:nvPr/>
+        </p:nvSpPr>
+        <p:spPr>
+          <a:xfrm>
+            <a:off x="0" y="0"/>
+            <a:ext cx="12192000" cy="1481070"/>
+          </a:xfrm>
+          <a:prstGeom prst="rect">
+            <a:avLst/>
+          </a:prstGeom>
+          <a:solidFill>
+            <a:schemeClr val="accent4">
+              <a:lumMod val="60000"/>
+              <a:lumOff val="40000"/>
+            </a:schemeClr>
+          </a:solidFill>
+          <a:ln>
+            <a:noFill/>
+          </a:ln>
+        </p:spPr>
+        <p:style>
+          <a:lnRef idx="2">
+            <a:schemeClr val="accent1">
+              <a:shade val="50000"/>
+            </a:schemeClr>
+          </a:lnRef>
+          <a:fillRef idx="1">
+            <a:schemeClr val="accent1"/>
+          </a:fillRef>
+          <a:effectRef idx="0">
+            <a:schemeClr val="accent1"/>
+          </a:effectRef>
+          <a:fontRef idx="minor">
+            <a:schemeClr val="lt1"/>
+          </a:fontRef>
+        </p:style>
+        <p:txBody>
+          <a:bodyPr rtlCol="0" anchor="ctr"/>
+          <a:lstStyle/>
+          <a:p>
+            <a:pPr algn="ctr"/>
+            <a:endParaRPr lang="de-CH"/>
+          </a:p>
+        </p:txBody>
+      </p:sp>
+      <p:sp>
+        <p:nvSpPr>
+          <p:cNvPr id="2" name="Titel 1"/>
+          <p:cNvSpPr>
+            <a:spLocks noGrp="1"/>
+          </p:cNvSpPr>
+          <p:nvPr>
+            <p:ph type="ctrTitle"/>
+          </p:nvPr>
+        </p:nvSpPr>
+        <p:spPr>
+          <a:xfrm>
+            <a:off x="145142" y="117668"/>
+            <a:ext cx="9144000" cy="1245734"/>
+          </a:xfrm>
+          <a:solidFill>
+            <a:schemeClr val="accent4">
+              <a:lumMod val="60000"/>
+              <a:lumOff val="40000"/>
+            </a:schemeClr>
+          </a:solidFill>
+        </p:spPr>
+        <p:txBody>
+          <a:bodyPr>
+            <a:normAutofit/>
+          </a:bodyPr>
+          <a:lstStyle/>
+          <a:p>
+            <a:pPr algn="l"/>
+            <a:r>
+              <a:rPr lang="de-CH" sz="7200" b="1" dirty="0" smtClean="0">
+                <a:solidFill>
+                  <a:schemeClr val="tx1">
+                    <a:lumMod val="95000"/>
+                    <a:lumOff val="5000"/>
+                  </a:schemeClr>
+                </a:solidFill>
+              </a:rPr>
+              <a:t>Fazit</a:t>
+            </a:r>
+            <a:endParaRPr lang="de-CH" sz="7200" b="1" dirty="0">
+              <a:solidFill>
+                <a:schemeClr val="tx1">
+                  <a:lumMod val="95000"/>
+                  <a:lumOff val="5000"/>
+                </a:schemeClr>
+              </a:solidFill>
+            </a:endParaRPr>
+          </a:p>
+        </p:txBody>
+      </p:sp>
+      <p:sp>
+        <p:nvSpPr>
+          <p:cNvPr id="5" name="Textfeld 4"/>
+          <p:cNvSpPr txBox="1"/>
+          <p:nvPr/>
+        </p:nvSpPr>
+        <p:spPr>
+          <a:xfrm>
+            <a:off x="551543" y="1932567"/>
+            <a:ext cx="5334908" cy="4616648"/>
+          </a:xfrm>
+          <a:prstGeom prst="rect">
+            <a:avLst/>
+          </a:prstGeom>
+          <a:noFill/>
+        </p:spPr>
+        <p:txBody>
+          <a:bodyPr wrap="square" rtlCol="0">
+            <a:spAutoFit/>
+          </a:bodyPr>
+          <a:lstStyle/>
+          <a:p>
+            <a:pPr>
+              <a:lnSpc>
+                <a:spcPct val="150000"/>
+              </a:lnSpc>
+            </a:pPr>
+            <a:r>
+              <a:rPr lang="en-US" sz="2800" b="1" dirty="0" smtClean="0"/>
+              <a:t>Pro</a:t>
+            </a:r>
+          </a:p>
+          <a:p>
+            <a:pPr marL="457200" indent="-457200">
+              <a:lnSpc>
+                <a:spcPct val="150000"/>
+              </a:lnSpc>
+              <a:buFont typeface="Arial" panose="020B0604020202020204" pitchFamily="34" charset="0"/>
+              <a:buChar char="•"/>
+            </a:pPr>
+            <a:r>
+              <a:rPr lang="en-US" sz="2800" dirty="0" err="1" smtClean="0"/>
+              <a:t>wenig</a:t>
+            </a:r>
+            <a:r>
+              <a:rPr lang="en-US" sz="2800" dirty="0" smtClean="0"/>
+              <a:t> </a:t>
+            </a:r>
+            <a:r>
+              <a:rPr lang="en-US" sz="2800" dirty="0" err="1" smtClean="0"/>
+              <a:t>Ressourcen</a:t>
+            </a:r>
+            <a:endParaRPr lang="en-US" sz="2800" dirty="0" smtClean="0"/>
+          </a:p>
+          <a:p>
+            <a:pPr marL="457200" indent="-457200">
+              <a:lnSpc>
+                <a:spcPct val="150000"/>
+              </a:lnSpc>
+              <a:buFont typeface="Arial" panose="020B0604020202020204" pitchFamily="34" charset="0"/>
+              <a:buChar char="•"/>
+            </a:pPr>
+            <a:r>
+              <a:rPr lang="en-US" sz="2800" dirty="0" err="1" smtClean="0"/>
+              <a:t>Plattformunabhängig</a:t>
+            </a:r>
+            <a:endParaRPr lang="en-US" sz="2800" dirty="0" smtClean="0"/>
+          </a:p>
+          <a:p>
+            <a:pPr marL="457200" indent="-457200">
+              <a:lnSpc>
+                <a:spcPct val="150000"/>
+              </a:lnSpc>
+              <a:buFont typeface="Arial" panose="020B0604020202020204" pitchFamily="34" charset="0"/>
+              <a:buChar char="•"/>
+            </a:pPr>
+            <a:r>
+              <a:rPr lang="en-US" sz="2800" dirty="0" err="1" smtClean="0"/>
+              <a:t>Opensource</a:t>
+            </a:r>
+            <a:r>
+              <a:rPr lang="en-US" sz="2800" dirty="0" smtClean="0"/>
+              <a:t> / </a:t>
+            </a:r>
+            <a:r>
+              <a:rPr lang="en-US" sz="2800" dirty="0" err="1" smtClean="0"/>
+              <a:t>gute</a:t>
+            </a:r>
+            <a:r>
+              <a:rPr lang="en-US" sz="2800" dirty="0" smtClean="0"/>
+              <a:t> API Doc</a:t>
+            </a:r>
+          </a:p>
+          <a:p>
+            <a:pPr marL="457200" indent="-457200">
+              <a:lnSpc>
+                <a:spcPct val="150000"/>
+              </a:lnSpc>
+              <a:buFont typeface="Arial" panose="020B0604020202020204" pitchFamily="34" charset="0"/>
+              <a:buChar char="•"/>
+            </a:pPr>
+            <a:r>
+              <a:rPr lang="en-US" sz="2800" dirty="0" smtClean="0"/>
+              <a:t>OO Design</a:t>
+            </a:r>
+          </a:p>
+          <a:p>
+            <a:pPr marL="457200" indent="-457200">
+              <a:lnSpc>
+                <a:spcPct val="150000"/>
+              </a:lnSpc>
+              <a:buFont typeface="Arial" panose="020B0604020202020204" pitchFamily="34" charset="0"/>
+              <a:buChar char="•"/>
+            </a:pPr>
+            <a:r>
+              <a:rPr lang="en-US" sz="2800" dirty="0" err="1" smtClean="0"/>
+              <a:t>Spass</a:t>
+            </a:r>
+            <a:r>
+              <a:rPr lang="en-US" sz="2800" dirty="0" smtClean="0"/>
+              <a:t> in C++ </a:t>
+            </a:r>
+            <a:r>
+              <a:rPr lang="en-US" sz="2800" dirty="0" err="1" smtClean="0"/>
+              <a:t>zu</a:t>
+            </a:r>
+            <a:r>
+              <a:rPr lang="en-US" sz="2800" dirty="0" smtClean="0"/>
+              <a:t> </a:t>
+            </a:r>
+            <a:r>
+              <a:rPr lang="en-US" sz="2800" dirty="0" err="1" smtClean="0"/>
+              <a:t>entwickeln</a:t>
+            </a:r>
+            <a:endParaRPr lang="en-US" sz="2800" dirty="0" smtClean="0"/>
+          </a:p>
+          <a:p>
+            <a:pPr marL="457200" indent="-457200">
+              <a:lnSpc>
+                <a:spcPct val="150000"/>
+              </a:lnSpc>
+              <a:buFont typeface="Arial" panose="020B0604020202020204" pitchFamily="34" charset="0"/>
+              <a:buChar char="•"/>
+            </a:pPr>
+            <a:r>
+              <a:rPr lang="en-US" sz="2800" dirty="0" smtClean="0"/>
+              <a:t>Plugin </a:t>
+            </a:r>
+            <a:r>
+              <a:rPr lang="en-US" sz="2800" dirty="0" err="1" smtClean="0"/>
+              <a:t>basiert</a:t>
+            </a:r>
+            <a:r>
+              <a:rPr lang="en-US" sz="2800" dirty="0" smtClean="0"/>
+              <a:t>/ </a:t>
+            </a:r>
+            <a:r>
+              <a:rPr lang="en-US" sz="2800" dirty="0" err="1" smtClean="0"/>
+              <a:t>erweiterbar</a:t>
+            </a:r>
+            <a:r>
+              <a:rPr lang="en-US" sz="2800" smtClean="0"/>
+              <a:t>	</a:t>
+            </a:r>
+            <a:endParaRPr lang="en-US" sz="2800" dirty="0" smtClean="0"/>
+          </a:p>
+        </p:txBody>
+      </p:sp>
+      <p:sp>
+        <p:nvSpPr>
+          <p:cNvPr id="6" name="Textfeld 5"/>
+          <p:cNvSpPr txBox="1"/>
+          <p:nvPr/>
+        </p:nvSpPr>
+        <p:spPr>
+          <a:xfrm>
+            <a:off x="6361793" y="1932567"/>
+            <a:ext cx="5334908" cy="5262979"/>
+          </a:xfrm>
+          <a:prstGeom prst="rect">
+            <a:avLst/>
+          </a:prstGeom>
+          <a:noFill/>
+        </p:spPr>
+        <p:txBody>
+          <a:bodyPr wrap="square" rtlCol="0">
+            <a:spAutoFit/>
+          </a:bodyPr>
+          <a:lstStyle/>
+          <a:p>
+            <a:pPr>
+              <a:lnSpc>
+                <a:spcPct val="150000"/>
+              </a:lnSpc>
+            </a:pPr>
+            <a:r>
+              <a:rPr lang="en-US" sz="2800" b="1" dirty="0" err="1" smtClean="0"/>
+              <a:t>Kontra</a:t>
+            </a:r>
+            <a:endParaRPr lang="en-US" sz="2800" b="1" dirty="0" smtClean="0"/>
+          </a:p>
+          <a:p>
+            <a:pPr marL="457200" indent="-457200">
+              <a:lnSpc>
+                <a:spcPct val="150000"/>
+              </a:lnSpc>
+              <a:buFont typeface="Arial" panose="020B0604020202020204" pitchFamily="34" charset="0"/>
+              <a:buChar char="•"/>
+            </a:pPr>
+            <a:r>
+              <a:rPr lang="en-US" sz="2800" dirty="0" err="1" smtClean="0"/>
+              <a:t>Kein</a:t>
+            </a:r>
+            <a:r>
+              <a:rPr lang="en-US" sz="2800" dirty="0" smtClean="0"/>
+              <a:t> </a:t>
+            </a:r>
+            <a:r>
+              <a:rPr lang="en-US" sz="2800" dirty="0" err="1" smtClean="0"/>
+              <a:t>Szenen</a:t>
+            </a:r>
+            <a:r>
+              <a:rPr lang="en-US" sz="2800" dirty="0" smtClean="0"/>
+              <a:t> Editor</a:t>
+            </a:r>
+          </a:p>
+          <a:p>
+            <a:pPr marL="457200" indent="-457200">
+              <a:lnSpc>
+                <a:spcPct val="150000"/>
+              </a:lnSpc>
+              <a:buFont typeface="Arial" panose="020B0604020202020204" pitchFamily="34" charset="0"/>
+              <a:buChar char="•"/>
+            </a:pPr>
+            <a:r>
+              <a:rPr lang="en-US" sz="2800" dirty="0" err="1" smtClean="0"/>
+              <a:t>Modelle</a:t>
+            </a:r>
+            <a:r>
+              <a:rPr lang="en-US" sz="2800" dirty="0" smtClean="0"/>
+              <a:t> import</a:t>
+            </a:r>
+          </a:p>
+          <a:p>
+            <a:pPr marL="457200" indent="-457200">
+              <a:lnSpc>
+                <a:spcPct val="150000"/>
+              </a:lnSpc>
+              <a:buFont typeface="Arial" panose="020B0604020202020204" pitchFamily="34" charset="0"/>
+              <a:buChar char="•"/>
+            </a:pPr>
+            <a:r>
+              <a:rPr lang="en-US" sz="2800" dirty="0" err="1" smtClean="0"/>
+              <a:t>Nur</a:t>
+            </a:r>
+            <a:r>
+              <a:rPr lang="en-US" sz="2800" dirty="0" smtClean="0"/>
+              <a:t> Render Engine</a:t>
+            </a:r>
+          </a:p>
+          <a:p>
+            <a:pPr marL="457200" indent="-457200">
+              <a:lnSpc>
+                <a:spcPct val="150000"/>
+              </a:lnSpc>
+              <a:buFont typeface="Arial" panose="020B0604020202020204" pitchFamily="34" charset="0"/>
+              <a:buChar char="•"/>
+            </a:pPr>
+            <a:r>
+              <a:rPr lang="en-US" sz="2800" dirty="0" err="1" smtClean="0"/>
+              <a:t>Ineffiziente</a:t>
+            </a:r>
+            <a:r>
+              <a:rPr lang="en-US" sz="2800" dirty="0" smtClean="0"/>
+              <a:t> </a:t>
+            </a:r>
+            <a:r>
+              <a:rPr lang="en-US" sz="2800" dirty="0" err="1" smtClean="0"/>
+              <a:t>Entwicklung</a:t>
+            </a:r>
+            <a:endParaRPr lang="en-US" sz="2800" dirty="0" smtClean="0"/>
+          </a:p>
+          <a:p>
+            <a:pPr marL="457200" indent="-457200">
+              <a:lnSpc>
+                <a:spcPct val="150000"/>
+              </a:lnSpc>
+              <a:buFont typeface="Arial" panose="020B0604020202020204" pitchFamily="34" charset="0"/>
+              <a:buChar char="•"/>
+            </a:pPr>
+            <a:r>
+              <a:rPr lang="en-US" sz="2800" dirty="0" err="1" smtClean="0"/>
+              <a:t>Hohe</a:t>
+            </a:r>
+            <a:r>
+              <a:rPr lang="en-US" sz="2800" dirty="0" smtClean="0"/>
+              <a:t> </a:t>
+            </a:r>
+            <a:r>
+              <a:rPr lang="en-US" sz="2800" dirty="0" err="1" smtClean="0"/>
+              <a:t>Einstiegshürde</a:t>
+            </a:r>
+            <a:endParaRPr lang="en-US" sz="2800" dirty="0" smtClean="0"/>
+          </a:p>
+          <a:p>
+            <a:pPr marL="457200" indent="-457200">
+              <a:lnSpc>
+                <a:spcPct val="150000"/>
+              </a:lnSpc>
+              <a:buFont typeface="Arial" panose="020B0604020202020204" pitchFamily="34" charset="0"/>
+              <a:buChar char="•"/>
+            </a:pPr>
+            <a:endParaRPr lang="en-US" sz="2800" dirty="0" smtClean="0"/>
+          </a:p>
+          <a:p>
+            <a:pPr marL="457200" indent="-457200">
+              <a:lnSpc>
+                <a:spcPct val="150000"/>
+              </a:lnSpc>
+              <a:buFontTx/>
+              <a:buChar char="-"/>
+            </a:pPr>
+            <a:endParaRPr lang="en-US" sz="2800" dirty="0" smtClean="0"/>
+          </a:p>
+        </p:txBody>
+      </p:sp>
+    </p:spTree>
+    <p:extLst>
+      <p:ext uri="{BB962C8B-B14F-4D97-AF65-F5344CB8AC3E}">
+        <p14:creationId xmlns:p14="http://schemas.microsoft.com/office/powerpoint/2010/main" val="1091310669"/>
+      </p:ext>
+    </p:extLst>
+  </p:cSld>
+  <p:clrMapOvr>
+    <a:masterClrMapping/>
+  </p:clrMapOvr>
+  <p:timing>
+    <p:tnLst>
+      <p:par>
+        <p:cTn id="1" dur="indefinite" restart="never" nodeType="tmRoot"/>
+      </p:par>
+    </p:tnLst>
+  </p:timing>
+</p:sld>
+</file>
+
+<file path=ppt/slides/slide17.xml><?xml version="1.0" encoding="utf-8"?>
+<p:sld xmlns:a="http://schemas.openxmlformats.org/drawingml/2006/main" xmlns:r="http://schemas.openxmlformats.org/officeDocument/2006/relationships" xmlns:p="http://schemas.openxmlformats.org/presentationml/2006/main">
+  <p:cSld>
+    <p:spTree>
+      <p:nvGrpSpPr>
+        <p:cNvPr id="1" name=""/>
+        <p:cNvGrpSpPr/>
+        <p:nvPr/>
+      </p:nvGrpSpPr>
+      <p:grpSpPr>
+        <a:xfrm>
+          <a:off x="0" y="0"/>
+          <a:ext cx="0" cy="0"/>
+          <a:chOff x="0" y="0"/>
+          <a:chExt cx="0" cy="0"/>
+        </a:xfrm>
+      </p:grpSpPr>
+      <p:sp>
+        <p:nvSpPr>
+          <p:cNvPr id="4" name="Rechteck 3"/>
+          <p:cNvSpPr/>
+          <p:nvPr/>
+        </p:nvSpPr>
+        <p:spPr>
+          <a:xfrm>
+            <a:off x="0" y="0"/>
+            <a:ext cx="12192000" cy="1481070"/>
+          </a:xfrm>
+          <a:prstGeom prst="rect">
+            <a:avLst/>
+          </a:prstGeom>
+          <a:solidFill>
+            <a:schemeClr val="accent4">
+              <a:lumMod val="60000"/>
+              <a:lumOff val="40000"/>
+            </a:schemeClr>
+          </a:solidFill>
+          <a:ln>
+            <a:noFill/>
+          </a:ln>
+        </p:spPr>
+        <p:style>
+          <a:lnRef idx="2">
+            <a:schemeClr val="accent1">
+              <a:shade val="50000"/>
+            </a:schemeClr>
+          </a:lnRef>
+          <a:fillRef idx="1">
+            <a:schemeClr val="accent1"/>
+          </a:fillRef>
+          <a:effectRef idx="0">
+            <a:schemeClr val="accent1"/>
+          </a:effectRef>
+          <a:fontRef idx="minor">
+            <a:schemeClr val="lt1"/>
+          </a:fontRef>
+        </p:style>
+        <p:txBody>
+          <a:bodyPr rtlCol="0" anchor="ctr"/>
+          <a:lstStyle/>
+          <a:p>
+            <a:pPr algn="ctr"/>
+            <a:endParaRPr lang="de-CH"/>
+          </a:p>
+        </p:txBody>
+      </p:sp>
+      <p:sp>
+        <p:nvSpPr>
+          <p:cNvPr id="2" name="Titel 1"/>
+          <p:cNvSpPr>
+            <a:spLocks noGrp="1"/>
+          </p:cNvSpPr>
+          <p:nvPr>
+            <p:ph type="ctrTitle"/>
+          </p:nvPr>
+        </p:nvSpPr>
+        <p:spPr>
+          <a:xfrm>
+            <a:off x="145142" y="117668"/>
+            <a:ext cx="9144000" cy="1245734"/>
+          </a:xfrm>
+          <a:solidFill>
+            <a:schemeClr val="accent4">
+              <a:lumMod val="60000"/>
+              <a:lumOff val="40000"/>
+            </a:schemeClr>
+          </a:solidFill>
+        </p:spPr>
+        <p:txBody>
+          <a:bodyPr>
+            <a:normAutofit/>
+          </a:bodyPr>
+          <a:lstStyle/>
+          <a:p>
+            <a:pPr algn="l"/>
+            <a:r>
+              <a:rPr lang="de-CH" sz="7200" b="1" dirty="0" smtClean="0">
+                <a:solidFill>
+                  <a:schemeClr val="tx1">
+                    <a:lumMod val="95000"/>
+                    <a:lumOff val="5000"/>
+                  </a:schemeClr>
+                </a:solidFill>
+              </a:rPr>
+              <a:t>Demonstration</a:t>
+            </a:r>
+            <a:endParaRPr lang="de-CH" sz="7200" b="1" dirty="0">
+              <a:solidFill>
+                <a:schemeClr val="tx1">
+                  <a:lumMod val="95000"/>
+                  <a:lumOff val="5000"/>
+                </a:schemeClr>
+              </a:solidFill>
+            </a:endParaRPr>
+          </a:p>
+        </p:txBody>
+      </p:sp>
+      <p:sp>
+        <p:nvSpPr>
+          <p:cNvPr id="5" name="Textfeld 4"/>
+          <p:cNvSpPr txBox="1"/>
+          <p:nvPr/>
+        </p:nvSpPr>
+        <p:spPr>
+          <a:xfrm>
+            <a:off x="448642" y="1595021"/>
+            <a:ext cx="11294715" cy="671851"/>
+          </a:xfrm>
+          <a:prstGeom prst="rect">
+            <a:avLst/>
+          </a:prstGeom>
+          <a:noFill/>
+        </p:spPr>
+        <p:txBody>
+          <a:bodyPr wrap="square" rtlCol="0">
+            <a:spAutoFit/>
+          </a:bodyPr>
+          <a:lstStyle/>
+          <a:p>
+            <a:pPr>
+              <a:lnSpc>
+                <a:spcPct val="150000"/>
+              </a:lnSpc>
+            </a:pPr>
+            <a:r>
+              <a:rPr lang="en-US" sz="2800" dirty="0" err="1" smtClean="0"/>
+              <a:t>Viel</a:t>
+            </a:r>
+            <a:r>
+              <a:rPr lang="en-US" sz="2800" dirty="0" smtClean="0"/>
+              <a:t> </a:t>
+            </a:r>
+            <a:r>
+              <a:rPr lang="en-US" sz="2800" dirty="0" err="1" smtClean="0"/>
+              <a:t>Spass</a:t>
+            </a:r>
+            <a:r>
+              <a:rPr lang="en-US" sz="2800" dirty="0" smtClean="0"/>
+              <a:t> </a:t>
+            </a:r>
+            <a:r>
+              <a:rPr lang="en-US" sz="2800" dirty="0" err="1" smtClean="0"/>
+              <a:t>beim</a:t>
+            </a:r>
+            <a:r>
+              <a:rPr lang="en-US" sz="2800" dirty="0" smtClean="0"/>
+              <a:t> </a:t>
+            </a:r>
+            <a:r>
+              <a:rPr lang="en-US" sz="2800" smtClean="0"/>
+              <a:t>Zuschauen</a:t>
+            </a:r>
+            <a:endParaRPr lang="de-CH" sz="2800" dirty="0"/>
+          </a:p>
+        </p:txBody>
+      </p:sp>
+    </p:spTree>
+    <p:extLst>
+      <p:ext uri="{BB962C8B-B14F-4D97-AF65-F5344CB8AC3E}">
+        <p14:creationId xmlns:p14="http://schemas.microsoft.com/office/powerpoint/2010/main" val="3770558006"/>
       </p:ext>
     </p:extLst>
   </p:cSld>
@@ -6797,11 +8056,7 @@
             </a:r>
             <a:r>
               <a:rPr lang="en-US" sz="2800" dirty="0" smtClean="0"/>
-              <a:t> OpenGL / </a:t>
-            </a:r>
-            <a:r>
-              <a:rPr lang="en-US" sz="2800" dirty="0" smtClean="0"/>
-              <a:t>DirectX</a:t>
+              <a:t> OpenGL / DirectX</a:t>
             </a:r>
           </a:p>
           <a:p>
@@ -7813,6 +9068,14 @@
             <a:r>
               <a:rPr lang="en-US" sz="2800" dirty="0" err="1" smtClean="0"/>
               <a:t>herunterladen</a:t>
+            </a:r>
+            <a:r>
+              <a:rPr lang="en-US" sz="2800" dirty="0" smtClean="0"/>
+              <a:t>/</a:t>
+            </a:r>
+            <a:r>
+              <a:rPr lang="en-US" sz="2800" dirty="0" err="1" smtClean="0"/>
+              <a:t>installieren</a:t>
             </a:r>
             <a:endParaRPr lang="en-US" sz="2800" dirty="0" smtClean="0"/>
           </a:p>

--- a/ogrepresentation.pptx
+++ b/ogrepresentation.pptx
@@ -11,10 +11,10 @@
     <p:sldId id="256" r:id="rId2"/>
     <p:sldId id="257" r:id="rId3"/>
     <p:sldId id="262" r:id="rId4"/>
-    <p:sldId id="263" r:id="rId5"/>
-    <p:sldId id="265" r:id="rId6"/>
-    <p:sldId id="264" r:id="rId7"/>
-    <p:sldId id="266" r:id="rId8"/>
+    <p:sldId id="266" r:id="rId5"/>
+    <p:sldId id="263" r:id="rId6"/>
+    <p:sldId id="265" r:id="rId7"/>
+    <p:sldId id="264" r:id="rId8"/>
     <p:sldId id="267" r:id="rId9"/>
     <p:sldId id="268" r:id="rId10"/>
     <p:sldId id="270" r:id="rId11"/>
@@ -125,7 +125,7 @@
   </p:defaultTextStyle>
   <p:extLst>
     <p:ext uri="{EFAFB233-063F-42B5-8137-9DF3F51BA10A}">
-      <p15:sldGuideLst xmlns="" xmlns:p15="http://schemas.microsoft.com/office/powerpoint/2012/main">
+      <p15:sldGuideLst xmlns:p15="http://schemas.microsoft.com/office/powerpoint/2012/main" xmlns="">
         <p15:guide id="1" orient="horz" pos="2160">
           <p15:clr>
             <a:srgbClr val="A4A3A4"/>
@@ -224,7 +224,7 @@
           <a:p>
             <a:fld id="{970FEAC7-464D-4571-9AB3-453224E4DDB0}" type="datetimeFigureOut">
               <a:rPr lang="de-CH" smtClean="0"/>
-              <a:t>06.06.2015</a:t>
+              <a:t>09.06.2015</a:t>
             </a:fld>
             <a:endParaRPr lang="de-CH"/>
           </a:p>
@@ -538,15 +538,50 @@
           <a:p>
             <a:r>
               <a:rPr lang="en-US" dirty="0" err="1" smtClean="0"/>
-              <a:t>Plattformen</a:t>
+              <a:t>Horizont</a:t>
             </a:r>
             <a:r>
               <a:rPr lang="en-US" dirty="0" smtClean="0"/>
-              <a:t>: Linux, Mac, windows, </a:t>
+              <a:t> </a:t>
             </a:r>
             <a:r>
               <a:rPr lang="en-US" dirty="0" err="1" smtClean="0"/>
-              <a:t>iOs</a:t>
+              <a:t>erweitern</a:t>
+            </a:r>
+            <a:endParaRPr lang="en-US" dirty="0" smtClean="0"/>
+          </a:p>
+          <a:p>
+            <a:r>
+              <a:rPr lang="en-US" dirty="0" smtClean="0"/>
+              <a:t>2d </a:t>
+            </a:r>
+            <a:r>
+              <a:rPr lang="en-US" dirty="0" err="1" smtClean="0"/>
+              <a:t>shoter</a:t>
+            </a:r>
+            <a:r>
+              <a:rPr lang="en-US" dirty="0" smtClean="0"/>
+              <a:t> </a:t>
+            </a:r>
+            <a:r>
+              <a:rPr lang="en-US" dirty="0" err="1" smtClean="0"/>
+              <a:t>als</a:t>
+            </a:r>
+            <a:r>
+              <a:rPr lang="en-US" baseline="0" dirty="0" smtClean="0"/>
+              <a:t> </a:t>
+            </a:r>
+            <a:r>
+              <a:rPr lang="en-US" baseline="0" dirty="0" err="1" smtClean="0"/>
+              <a:t>Beispiel</a:t>
+            </a:r>
+            <a:r>
+              <a:rPr lang="en-US" baseline="0" dirty="0" smtClean="0"/>
+              <a:t> </a:t>
+            </a:r>
+            <a:r>
+              <a:rPr lang="en-US" baseline="0" dirty="0" err="1" smtClean="0"/>
+              <a:t>applikation</a:t>
             </a:r>
             <a:endParaRPr lang="de-CH" dirty="0"/>
           </a:p>
@@ -569,7 +604,7 @@
           <a:p>
             <a:fld id="{7457F652-A1F4-4A06-B046-24A89FABBB4D}" type="slidenum">
               <a:rPr lang="de-CH" smtClean="0"/>
-              <a:t>3</a:t>
+              <a:t>1</a:t>
             </a:fld>
             <a:endParaRPr lang="de-CH"/>
           </a:p>
@@ -578,7 +613,7 @@
     </p:spTree>
     <p:extLst>
       <p:ext uri="{BB962C8B-B14F-4D97-AF65-F5344CB8AC3E}">
-        <p14:creationId xmlns:p14="http://schemas.microsoft.com/office/powerpoint/2010/main" val="303772140"/>
+        <p14:creationId xmlns:p14="http://schemas.microsoft.com/office/powerpoint/2010/main" val="2434294185"/>
       </p:ext>
     </p:extLst>
   </p:cSld>
@@ -634,11 +669,49 @@
           <a:p>
             <a:r>
               <a:rPr lang="en-US" dirty="0" smtClean="0"/>
-              <a:t>Da OO -&gt; Game </a:t>
-            </a:r>
+              <a:t>Tutorial</a:t>
+            </a:r>
+            <a:r>
+              <a:rPr lang="en-US" baseline="0" dirty="0" smtClean="0"/>
+              <a:t> Framework: </a:t>
+            </a:r>
+            <a:r>
+              <a:rPr lang="en-US" baseline="0" dirty="0" err="1" smtClean="0"/>
+              <a:t>praktisch</a:t>
+            </a:r>
+            <a:r>
+              <a:rPr lang="en-US" baseline="0" dirty="0" smtClean="0"/>
+              <a:t>: in </a:t>
+            </a:r>
+            <a:r>
+              <a:rPr lang="en-US" baseline="0" dirty="0" err="1" smtClean="0"/>
+              <a:t>Methode</a:t>
+            </a:r>
+            <a:r>
+              <a:rPr lang="en-US" baseline="0" dirty="0" smtClean="0"/>
+              <a:t> Create Scene </a:t>
+            </a:r>
+            <a:r>
+              <a:rPr lang="en-US" baseline="0" dirty="0" err="1" smtClean="0"/>
+              <a:t>loslegen</a:t>
+            </a:r>
+            <a:endParaRPr lang="en-US" dirty="0" smtClean="0"/>
+          </a:p>
+          <a:p>
+            <a:r>
+              <a:rPr lang="en-US" dirty="0" smtClean="0"/>
+              <a:t>Entity:</a:t>
+            </a:r>
+            <a:r>
+              <a:rPr lang="en-US" baseline="0" dirty="0" smtClean="0"/>
+              <a:t> Mesh</a:t>
+            </a:r>
+            <a:endParaRPr lang="en-US" dirty="0" smtClean="0"/>
+          </a:p>
+          <a:p>
             <a:r>
               <a:rPr lang="en-US" dirty="0" err="1" smtClean="0"/>
-              <a:t>Cyle</a:t>
+              <a:t>Wie</a:t>
             </a:r>
             <a:r>
               <a:rPr lang="en-US" dirty="0" smtClean="0"/>
@@ -646,33 +719,37 @@
             </a:r>
             <a:r>
               <a:rPr lang="en-US" dirty="0" err="1" smtClean="0"/>
-              <a:t>sehr</a:t>
-            </a:r>
-            <a:r>
-              <a:rPr lang="en-US" dirty="0" smtClean="0"/>
+              <a:t>GameObjects</a:t>
+            </a:r>
+            <a:r>
+              <a:rPr lang="en-US" baseline="0" dirty="0" smtClean="0"/>
+              <a:t> in Unity</a:t>
+            </a:r>
+          </a:p>
+          <a:p>
+            <a:r>
+              <a:rPr lang="en-US" baseline="0" dirty="0" smtClean="0"/>
+              <a:t>-&gt; </a:t>
+            </a:r>
+            <a:r>
+              <a:rPr lang="en-US" baseline="0" dirty="0" err="1" smtClean="0"/>
+              <a:t>wenn</a:t>
+            </a:r>
+            <a:r>
+              <a:rPr lang="en-US" baseline="0" dirty="0" smtClean="0"/>
               <a:t> </a:t>
             </a:r>
             <a:r>
-              <a:rPr lang="en-US" dirty="0" err="1" smtClean="0"/>
-              <a:t>einfach</a:t>
-            </a:r>
-            <a:r>
-              <a:rPr lang="en-US" dirty="0" smtClean="0"/>
-              <a:t>:</a:t>
-            </a:r>
-          </a:p>
-          <a:p>
-            <a:r>
-              <a:rPr lang="en-US" dirty="0" smtClean="0"/>
-              <a:t>Von</a:t>
+              <a:rPr lang="en-US" baseline="0" dirty="0" err="1" smtClean="0"/>
+              <a:t>sich</a:t>
             </a:r>
             <a:r>
               <a:rPr lang="en-US" baseline="0" dirty="0" smtClean="0"/>
-              <a:t> listener </a:t>
+              <a:t> parent </a:t>
             </a:r>
             <a:r>
               <a:rPr lang="en-US" baseline="0" dirty="0" err="1" smtClean="0"/>
-              <a:t>erben</a:t>
+              <a:t>verschiebt</a:t>
             </a:r>
             <a:r>
               <a:rPr lang="en-US" baseline="0" dirty="0" smtClean="0"/>
@@ -680,7 +757,7 @@
             </a:r>
             <a:r>
               <a:rPr lang="en-US" baseline="0" dirty="0" err="1" smtClean="0"/>
-              <a:t>methoden</a:t>
+              <a:t>verschieben</a:t>
             </a:r>
             <a:r>
               <a:rPr lang="en-US" baseline="0" dirty="0" smtClean="0"/>
@@ -688,24 +765,25 @@
             </a:r>
             <a:r>
               <a:rPr lang="en-US" baseline="0" dirty="0" err="1" smtClean="0"/>
-              <a:t>implementieren</a:t>
-            </a:r>
-            <a:endParaRPr lang="en-US" baseline="0" dirty="0" smtClean="0"/>
-          </a:p>
-          <a:p>
+              <a:t>sich</a:t>
+            </a:r>
+            <a:r>
+              <a:rPr lang="en-US" baseline="0" dirty="0" smtClean="0"/>
+              <a:t> </a:t>
+            </a:r>
             <a:r>
               <a:rPr lang="en-US" baseline="0" dirty="0" err="1" smtClean="0"/>
-              <a:t>Beim</a:t>
+              <a:t>alle</a:t>
             </a:r>
             <a:r>
               <a:rPr lang="en-US" baseline="0" dirty="0" smtClean="0"/>
-              <a:t> Ogre Root </a:t>
+              <a:t> </a:t>
             </a:r>
             <a:r>
               <a:rPr lang="en-US" baseline="0" dirty="0" err="1" smtClean="0"/>
-              <a:t>anmelden</a:t>
-            </a:r>
-            <a:endParaRPr lang="en-US" baseline="0" dirty="0" smtClean="0"/>
+              <a:t>childs</a:t>
+            </a:r>
+            <a:endParaRPr lang="de-CH" dirty="0"/>
           </a:p>
         </p:txBody>
       </p:sp>
@@ -726,7 +804,7 @@
           <a:p>
             <a:fld id="{7457F652-A1F4-4A06-B046-24A89FABBB4D}" type="slidenum">
               <a:rPr lang="de-CH" smtClean="0"/>
-              <a:t>12</a:t>
+              <a:t>10</a:t>
             </a:fld>
             <a:endParaRPr lang="de-CH"/>
           </a:p>
@@ -791,12 +869,222 @@
           <a:p>
             <a:r>
               <a:rPr lang="en-US" dirty="0" err="1" smtClean="0"/>
-              <a:t>Gegeben</a:t>
+              <a:t>RenderWindow</a:t>
             </a:r>
             <a:r>
               <a:rPr lang="en-US" dirty="0" smtClean="0"/>
               <a:t>: </a:t>
             </a:r>
+            <a:r>
+              <a:rPr lang="en-US" dirty="0" err="1" smtClean="0"/>
+              <a:t>VSync</a:t>
+            </a:r>
+            <a:r>
+              <a:rPr lang="en-US" dirty="0" smtClean="0"/>
+              <a:t>:</a:t>
+            </a:r>
+            <a:r>
+              <a:rPr lang="en-US" baseline="0" dirty="0" smtClean="0"/>
+              <a:t> enable/disable, Window Events (</a:t>
+            </a:r>
+            <a:r>
+              <a:rPr lang="en-US" baseline="0" dirty="0" err="1" smtClean="0"/>
+              <a:t>move,hide</a:t>
+            </a:r>
+            <a:r>
+              <a:rPr lang="en-US" baseline="0" dirty="0" smtClean="0"/>
+              <a:t>), </a:t>
+            </a:r>
+            <a:r>
+              <a:rPr lang="en-US" baseline="0" dirty="0" err="1" smtClean="0"/>
+              <a:t>RenderEngine</a:t>
+            </a:r>
+            <a:r>
+              <a:rPr lang="en-US" baseline="0" dirty="0" smtClean="0"/>
+              <a:t> (</a:t>
+            </a:r>
+            <a:r>
+              <a:rPr lang="en-US" baseline="0" dirty="0" err="1" smtClean="0"/>
+              <a:t>directX</a:t>
+            </a:r>
+            <a:r>
+              <a:rPr lang="en-US" baseline="0" dirty="0" smtClean="0"/>
+              <a:t>, OpenGL)</a:t>
+            </a:r>
+          </a:p>
+          <a:p>
+            <a:r>
+              <a:rPr lang="en-US" baseline="0" dirty="0" err="1" smtClean="0"/>
+              <a:t>ViewPorts</a:t>
+            </a:r>
+            <a:r>
+              <a:rPr lang="en-US" baseline="0" dirty="0" smtClean="0"/>
+              <a:t>: </a:t>
+            </a:r>
+            <a:r>
+              <a:rPr lang="en-US" baseline="0" dirty="0" err="1" smtClean="0"/>
+              <a:t>Skalierung</a:t>
+            </a:r>
+            <a:r>
+              <a:rPr lang="en-US" baseline="0" dirty="0" smtClean="0"/>
+              <a:t>, </a:t>
+            </a:r>
+            <a:r>
+              <a:rPr lang="en-US" baseline="0" dirty="0" err="1" smtClean="0"/>
+              <a:t>für</a:t>
+            </a:r>
+            <a:r>
+              <a:rPr lang="en-US" baseline="0" dirty="0" smtClean="0"/>
+              <a:t> </a:t>
+            </a:r>
+            <a:r>
+              <a:rPr lang="en-US" baseline="0" dirty="0" err="1" smtClean="0"/>
+              <a:t>miniMaps</a:t>
+            </a:r>
+            <a:r>
+              <a:rPr lang="en-US" baseline="0" dirty="0" smtClean="0"/>
+              <a:t>: </a:t>
+            </a:r>
+            <a:r>
+              <a:rPr lang="en-US" baseline="0" dirty="0" err="1" smtClean="0"/>
+              <a:t>ViewPorts</a:t>
+            </a:r>
+            <a:r>
+              <a:rPr lang="en-US" baseline="0" dirty="0" smtClean="0"/>
+              <a:t> auf </a:t>
+            </a:r>
+            <a:r>
+              <a:rPr lang="en-US" baseline="0" dirty="0" err="1" smtClean="0"/>
+              <a:t>texturen</a:t>
+            </a:r>
+            <a:endParaRPr lang="en-US" baseline="0" dirty="0" smtClean="0"/>
+          </a:p>
+          <a:p>
+            <a:r>
+              <a:rPr lang="en-US" baseline="0" dirty="0" smtClean="0"/>
+              <a:t>Entity: Mesh </a:t>
+            </a:r>
+            <a:r>
+              <a:rPr lang="en-US" baseline="0" dirty="0" err="1" smtClean="0"/>
+              <a:t>z.B</a:t>
+            </a:r>
+            <a:r>
+              <a:rPr lang="en-US" baseline="0" dirty="0" smtClean="0"/>
+              <a:t>. Fighter </a:t>
+            </a:r>
+          </a:p>
+          <a:p>
+            <a:r>
+              <a:rPr lang="en-US" baseline="0" dirty="0" err="1" smtClean="0"/>
+              <a:t>SceneNode</a:t>
+            </a:r>
+            <a:r>
+              <a:rPr lang="en-US" baseline="0" dirty="0" smtClean="0"/>
+              <a:t>: </a:t>
+            </a:r>
+            <a:r>
+              <a:rPr lang="en-US" baseline="0" dirty="0" err="1" smtClean="0"/>
+              <a:t>Wie</a:t>
+            </a:r>
+            <a:r>
+              <a:rPr lang="en-US" baseline="0" dirty="0" smtClean="0"/>
+              <a:t> </a:t>
+            </a:r>
+            <a:r>
+              <a:rPr lang="en-US" baseline="0" dirty="0" err="1" smtClean="0"/>
+              <a:t>GameObject</a:t>
+            </a:r>
+            <a:r>
+              <a:rPr lang="en-US" baseline="0" dirty="0" smtClean="0"/>
+              <a:t> in Unity</a:t>
+            </a:r>
+          </a:p>
+          <a:p>
+            <a:r>
+              <a:rPr lang="en-US" baseline="0" dirty="0" err="1" smtClean="0"/>
+              <a:t>SceneManager</a:t>
+            </a:r>
+            <a:r>
+              <a:rPr lang="en-US" baseline="0" dirty="0" smtClean="0"/>
+              <a:t>: </a:t>
+            </a:r>
+            <a:r>
+              <a:rPr lang="en-US" baseline="0" dirty="0" err="1" smtClean="0"/>
+              <a:t>Für</a:t>
+            </a:r>
+            <a:r>
+              <a:rPr lang="en-US" baseline="0" dirty="0" smtClean="0"/>
+              <a:t> </a:t>
+            </a:r>
+            <a:r>
+              <a:rPr lang="en-US" baseline="0" dirty="0" err="1" smtClean="0"/>
+              <a:t>RenderQueue</a:t>
+            </a:r>
+            <a:r>
+              <a:rPr lang="en-US" baseline="0" dirty="0" smtClean="0"/>
+              <a:t>, </a:t>
+            </a:r>
+            <a:r>
+              <a:rPr lang="en-US" baseline="0" dirty="0" err="1" smtClean="0"/>
+              <a:t>hierarchie</a:t>
+            </a:r>
+            <a:r>
+              <a:rPr lang="en-US" baseline="0" dirty="0" smtClean="0"/>
+              <a:t> d. nodes; </a:t>
+            </a:r>
+            <a:r>
+              <a:rPr lang="en-US" baseline="0" dirty="0" err="1" smtClean="0"/>
+              <a:t>es</a:t>
+            </a:r>
+            <a:r>
+              <a:rPr lang="en-US" baseline="0" dirty="0" smtClean="0"/>
+              <a:t> </a:t>
+            </a:r>
+            <a:r>
+              <a:rPr lang="en-US" baseline="0" dirty="0" err="1" smtClean="0"/>
+              <a:t>gibt</a:t>
+            </a:r>
+            <a:r>
+              <a:rPr lang="en-US" baseline="0" dirty="0" smtClean="0"/>
+              <a:t> </a:t>
+            </a:r>
+            <a:r>
+              <a:rPr lang="en-US" baseline="0" dirty="0" err="1" smtClean="0"/>
+              <a:t>verschieden</a:t>
+            </a:r>
+            <a:r>
+              <a:rPr lang="en-US" baseline="0" dirty="0" smtClean="0"/>
+              <a:t> </a:t>
+            </a:r>
+            <a:r>
+              <a:rPr lang="en-US" baseline="0" dirty="0" err="1" smtClean="0"/>
+              <a:t>strukturen</a:t>
+            </a:r>
+            <a:r>
+              <a:rPr lang="en-US" baseline="0" dirty="0" smtClean="0"/>
+              <a:t>, </a:t>
+            </a:r>
+            <a:r>
+              <a:rPr lang="en-US" baseline="0" dirty="0" err="1" smtClean="0"/>
+              <a:t>bäume</a:t>
+            </a:r>
+            <a:r>
+              <a:rPr lang="en-US" baseline="0" dirty="0" smtClean="0"/>
+              <a:t>, listen </a:t>
+            </a:r>
+            <a:r>
+              <a:rPr lang="en-US" baseline="0" dirty="0" err="1" smtClean="0"/>
+              <a:t>ect</a:t>
+            </a:r>
+            <a:r>
+              <a:rPr lang="en-US" baseline="0" dirty="0" smtClean="0"/>
+              <a:t>	</a:t>
+            </a:r>
+          </a:p>
+          <a:p>
+            <a:endParaRPr lang="en-US" baseline="0" dirty="0" smtClean="0"/>
+          </a:p>
+          <a:p>
             <a:endParaRPr lang="de-CH" dirty="0"/>
           </a:p>
         </p:txBody>
@@ -818,7 +1106,7 @@
           <a:p>
             <a:fld id="{7457F652-A1F4-4A06-B046-24A89FABBB4D}" type="slidenum">
               <a:rPr lang="de-CH" smtClean="0"/>
-              <a:t>13</a:t>
+              <a:t>11</a:t>
             </a:fld>
             <a:endParaRPr lang="de-CH"/>
           </a:p>
@@ -882,18 +1170,79 @@
           <a:lstStyle/>
           <a:p>
             <a:r>
+              <a:rPr lang="en-US" dirty="0" smtClean="0"/>
+              <a:t>Da OO -&gt; Game </a:t>
+            </a:r>
+            <a:r>
               <a:rPr lang="en-US" dirty="0" err="1" smtClean="0"/>
-              <a:t>Plattformen</a:t>
+              <a:t>Cyle</a:t>
             </a:r>
             <a:r>
               <a:rPr lang="en-US" dirty="0" smtClean="0"/>
-              <a:t>: Linux, Mac, windows, </a:t>
+              <a:t> </a:t>
             </a:r>
             <a:r>
               <a:rPr lang="en-US" dirty="0" err="1" smtClean="0"/>
-              <a:t>iOs</a:t>
-            </a:r>
-            <a:endParaRPr lang="de-CH" dirty="0"/>
+              <a:t>sehr</a:t>
+            </a:r>
+            <a:r>
+              <a:rPr lang="en-US" dirty="0" smtClean="0"/>
+              <a:t> </a:t>
+            </a:r>
+            <a:r>
+              <a:rPr lang="en-US" dirty="0" err="1" smtClean="0"/>
+              <a:t>einfach</a:t>
+            </a:r>
+            <a:r>
+              <a:rPr lang="en-US" dirty="0" smtClean="0"/>
+              <a:t>:</a:t>
+            </a:r>
+          </a:p>
+          <a:p>
+            <a:r>
+              <a:rPr lang="en-US" dirty="0" smtClean="0"/>
+              <a:t>Von</a:t>
+            </a:r>
+            <a:r>
+              <a:rPr lang="en-US" baseline="0" dirty="0" smtClean="0"/>
+              <a:t> listener </a:t>
+            </a:r>
+            <a:r>
+              <a:rPr lang="en-US" baseline="0" dirty="0" err="1" smtClean="0"/>
+              <a:t>erben</a:t>
+            </a:r>
+            <a:r>
+              <a:rPr lang="en-US" baseline="0" dirty="0" smtClean="0"/>
+              <a:t>, </a:t>
+            </a:r>
+            <a:r>
+              <a:rPr lang="en-US" baseline="0" dirty="0" err="1" smtClean="0"/>
+              <a:t>methoden</a:t>
+            </a:r>
+            <a:r>
+              <a:rPr lang="en-US" baseline="0" dirty="0" smtClean="0"/>
+              <a:t> </a:t>
+            </a:r>
+            <a:r>
+              <a:rPr lang="en-US" baseline="0" dirty="0" err="1" smtClean="0"/>
+              <a:t>implementieren</a:t>
+            </a:r>
+            <a:endParaRPr lang="en-US" baseline="0" dirty="0" smtClean="0"/>
+          </a:p>
+          <a:p>
+            <a:r>
+              <a:rPr lang="en-US" baseline="0" dirty="0" err="1" smtClean="0"/>
+              <a:t>Beim</a:t>
+            </a:r>
+            <a:r>
+              <a:rPr lang="en-US" baseline="0" dirty="0" smtClean="0"/>
+              <a:t> Ogre Root </a:t>
+            </a:r>
+            <a:r>
+              <a:rPr lang="en-US" baseline="0" dirty="0" err="1" smtClean="0"/>
+              <a:t>anmelden</a:t>
+            </a:r>
+            <a:endParaRPr lang="en-US" baseline="0" dirty="0" smtClean="0"/>
           </a:p>
         </p:txBody>
       </p:sp>
@@ -914,7 +1263,7 @@
           <a:p>
             <a:fld id="{7457F652-A1F4-4A06-B046-24A89FABBB4D}" type="slidenum">
               <a:rPr lang="de-CH" smtClean="0"/>
-              <a:t>14</a:t>
+              <a:t>12</a:t>
             </a:fld>
             <a:endParaRPr lang="de-CH"/>
           </a:p>
@@ -979,15 +1328,11 @@
           <a:p>
             <a:r>
               <a:rPr lang="en-US" dirty="0" err="1" smtClean="0"/>
-              <a:t>Plattformen</a:t>
+              <a:t>Gegeben</a:t>
             </a:r>
             <a:r>
               <a:rPr lang="en-US" dirty="0" smtClean="0"/>
-              <a:t>: Linux, Mac, windows, </a:t>
-            </a:r>
-            <a:r>
-              <a:rPr lang="en-US" dirty="0" err="1" smtClean="0"/>
-              <a:t>iOs</a:t>
+              <a:t>: </a:t>
             </a:r>
             <a:endParaRPr lang="de-CH" dirty="0"/>
           </a:p>
@@ -1010,7 +1355,7 @@
           <a:p>
             <a:fld id="{7457F652-A1F4-4A06-B046-24A89FABBB4D}" type="slidenum">
               <a:rPr lang="de-CH" smtClean="0"/>
-              <a:t>15</a:t>
+              <a:t>13</a:t>
             </a:fld>
             <a:endParaRPr lang="de-CH"/>
           </a:p>
@@ -1075,15 +1420,92 @@
           <a:p>
             <a:r>
               <a:rPr lang="en-US" dirty="0" err="1" smtClean="0"/>
-              <a:t>Plattformen</a:t>
+              <a:t>Zur</a:t>
             </a:r>
             <a:r>
               <a:rPr lang="en-US" dirty="0" smtClean="0"/>
-              <a:t>: Linux, Mac, windows, </a:t>
+              <a:t> </a:t>
             </a:r>
             <a:r>
               <a:rPr lang="en-US" dirty="0" err="1" smtClean="0"/>
-              <a:t>iOs</a:t>
+              <a:t>erinnerung</a:t>
+            </a:r>
+            <a:r>
+              <a:rPr lang="en-US" dirty="0" smtClean="0"/>
+              <a:t>: </a:t>
+            </a:r>
+            <a:endParaRPr lang="en-US" baseline="0" dirty="0" smtClean="0"/>
+          </a:p>
+          <a:p>
+            <a:r>
+              <a:rPr lang="en-US" baseline="0" dirty="0" err="1" smtClean="0"/>
+              <a:t>Punkt</a:t>
+            </a:r>
+            <a:r>
+              <a:rPr lang="en-US" baseline="0" dirty="0" smtClean="0"/>
+              <a:t> auf </a:t>
+            </a:r>
+            <a:r>
+              <a:rPr lang="en-US" baseline="0" dirty="0" err="1" smtClean="0"/>
+              <a:t>gerade</a:t>
+            </a:r>
+            <a:r>
+              <a:rPr lang="en-US" baseline="0" dirty="0" smtClean="0"/>
+              <a:t> </a:t>
+            </a:r>
+            <a:r>
+              <a:rPr lang="en-US" baseline="0" dirty="0" err="1" smtClean="0"/>
+              <a:t>ortVektor</a:t>
+            </a:r>
+            <a:r>
+              <a:rPr lang="en-US" baseline="0" dirty="0" smtClean="0"/>
+              <a:t> + </a:t>
+            </a:r>
+            <a:r>
+              <a:rPr lang="en-US" baseline="0" dirty="0" err="1" smtClean="0"/>
+              <a:t>richtungsvektor</a:t>
+            </a:r>
+            <a:r>
+              <a:rPr lang="en-US" baseline="0" dirty="0" smtClean="0"/>
+              <a:t> * </a:t>
+            </a:r>
+            <a:r>
+              <a:rPr lang="en-US" baseline="0" dirty="0" err="1" smtClean="0"/>
+              <a:t>lamda</a:t>
+            </a:r>
+            <a:endParaRPr lang="en-US" baseline="0" dirty="0" smtClean="0"/>
+          </a:p>
+          <a:p>
+            <a:r>
+              <a:rPr lang="en-US" baseline="0" dirty="0" smtClean="0"/>
+              <a:t>Orts + </a:t>
+            </a:r>
+            <a:r>
+              <a:rPr lang="en-US" baseline="0" dirty="0" err="1" smtClean="0"/>
+              <a:t>Richtungsvektor</a:t>
+            </a:r>
+            <a:r>
+              <a:rPr lang="en-US" baseline="0" dirty="0" smtClean="0"/>
+              <a:t> </a:t>
+            </a:r>
+            <a:r>
+              <a:rPr lang="en-US" baseline="0" dirty="0" err="1" smtClean="0"/>
+              <a:t>Bekannt</a:t>
+            </a:r>
+            <a:endParaRPr lang="en-US" baseline="0" dirty="0" smtClean="0"/>
+          </a:p>
+          <a:p>
+            <a:r>
+              <a:rPr lang="en-US" baseline="0" dirty="0" err="1" smtClean="0"/>
+              <a:t>Gesucht</a:t>
+            </a:r>
+            <a:r>
+              <a:rPr lang="en-US" baseline="0" dirty="0" smtClean="0"/>
+              <a:t> </a:t>
+            </a:r>
+            <a:r>
+              <a:rPr lang="en-US" baseline="0" dirty="0" err="1" smtClean="0"/>
+              <a:t>lamda</a:t>
             </a:r>
             <a:endParaRPr lang="de-CH" dirty="0"/>
           </a:p>
@@ -1106,7 +1528,7 @@
           <a:p>
             <a:fld id="{7457F652-A1F4-4A06-B046-24A89FABBB4D}" type="slidenum">
               <a:rPr lang="de-CH" smtClean="0"/>
-              <a:t>16</a:t>
+              <a:t>14</a:t>
             </a:fld>
             <a:endParaRPr lang="de-CH"/>
           </a:p>
@@ -1169,7 +1591,231 @@
           <a:bodyPr/>
           <a:lstStyle/>
           <a:p>
+            <a:r>
+              <a:rPr lang="en-US" dirty="0" err="1" smtClean="0"/>
+              <a:t>Wie</a:t>
+            </a:r>
+            <a:r>
+              <a:rPr lang="en-US" dirty="0" smtClean="0"/>
+              <a:t> in Unity: </a:t>
+            </a:r>
+            <a:r>
+              <a:rPr lang="en-US" dirty="0" err="1" smtClean="0"/>
+              <a:t>Mit</a:t>
+            </a:r>
+            <a:r>
+              <a:rPr lang="en-US" dirty="0" smtClean="0"/>
+              <a:t> </a:t>
+            </a:r>
+            <a:r>
+              <a:rPr lang="en-US" dirty="0" err="1" smtClean="0"/>
+              <a:t>Quaterinionen</a:t>
+            </a:r>
             <a:endParaRPr lang="de-CH" dirty="0"/>
+          </a:p>
+        </p:txBody>
+      </p:sp>
+      <p:sp>
+        <p:nvSpPr>
+          <p:cNvPr id="4" name="Foliennummernplatzhalter 3"/>
+          <p:cNvSpPr>
+            <a:spLocks noGrp="1"/>
+          </p:cNvSpPr>
+          <p:nvPr>
+            <p:ph type="sldNum" sz="quarter" idx="10"/>
+          </p:nvPr>
+        </p:nvSpPr>
+        <p:spPr/>
+        <p:txBody>
+          <a:bodyPr/>
+          <a:lstStyle/>
+          <a:p>
+            <a:fld id="{7457F652-A1F4-4A06-B046-24A89FABBB4D}" type="slidenum">
+              <a:rPr lang="de-CH" smtClean="0"/>
+              <a:t>15</a:t>
+            </a:fld>
+            <a:endParaRPr lang="de-CH"/>
+          </a:p>
+        </p:txBody>
+      </p:sp>
+    </p:spTree>
+    <p:extLst>
+      <p:ext uri="{BB962C8B-B14F-4D97-AF65-F5344CB8AC3E}">
+        <p14:creationId xmlns:p14="http://schemas.microsoft.com/office/powerpoint/2010/main" val="303772140"/>
+      </p:ext>
+    </p:extLst>
+  </p:cSld>
+  <p:clrMapOvr>
+    <a:masterClrMapping/>
+  </p:clrMapOvr>
+</p:notes>
+</file>
+
+<file path=ppt/notesSlides/notesSlide16.xml><?xml version="1.0" encoding="utf-8"?>
+<p:notes xmlns:a="http://schemas.openxmlformats.org/drawingml/2006/main" xmlns:r="http://schemas.openxmlformats.org/officeDocument/2006/relationships" xmlns:p="http://schemas.openxmlformats.org/presentationml/2006/main">
+  <p:cSld>
+    <p:spTree>
+      <p:nvGrpSpPr>
+        <p:cNvPr id="1" name=""/>
+        <p:cNvGrpSpPr/>
+        <p:nvPr/>
+      </p:nvGrpSpPr>
+      <p:grpSpPr>
+        <a:xfrm>
+          <a:off x="0" y="0"/>
+          <a:ext cx="0" cy="0"/>
+          <a:chOff x="0" y="0"/>
+          <a:chExt cx="0" cy="0"/>
+        </a:xfrm>
+      </p:grpSpPr>
+      <p:sp>
+        <p:nvSpPr>
+          <p:cNvPr id="2" name="Folienbildplatzhalter 1"/>
+          <p:cNvSpPr>
+            <a:spLocks noGrp="1" noRot="1" noChangeAspect="1"/>
+          </p:cNvSpPr>
+          <p:nvPr>
+            <p:ph type="sldImg"/>
+          </p:nvPr>
+        </p:nvSpPr>
+        <p:spPr/>
+      </p:sp>
+      <p:sp>
+        <p:nvSpPr>
+          <p:cNvPr id="3" name="Notizenplatzhalter 2"/>
+          <p:cNvSpPr>
+            <a:spLocks noGrp="1"/>
+          </p:cNvSpPr>
+          <p:nvPr>
+            <p:ph type="body" idx="1"/>
+          </p:nvPr>
+        </p:nvSpPr>
+        <p:spPr/>
+        <p:txBody>
+          <a:bodyPr/>
+          <a:lstStyle/>
+          <a:p>
+            <a:r>
+              <a:rPr lang="en-US" baseline="0" smtClean="0"/>
+              <a:t>C</a:t>
+            </a:r>
+            <a:r>
+              <a:rPr lang="en-US" baseline="0" dirty="0" smtClean="0"/>
+              <a:t>++ </a:t>
+            </a:r>
+            <a:r>
+              <a:rPr lang="en-US" baseline="0" dirty="0" err="1" smtClean="0"/>
+              <a:t>probleme</a:t>
+            </a:r>
+            <a:r>
+              <a:rPr lang="en-US" baseline="0" dirty="0" smtClean="0"/>
+              <a:t>: </a:t>
+            </a:r>
+            <a:r>
+              <a:rPr lang="en-US" baseline="0" dirty="0" err="1" smtClean="0"/>
+              <a:t>speicherschutzverletzung</a:t>
+            </a:r>
+            <a:r>
+              <a:rPr lang="en-US" baseline="0" dirty="0" smtClean="0"/>
+              <a:t> / memory leaks / </a:t>
+            </a:r>
+            <a:r>
+              <a:rPr lang="en-US" baseline="0" dirty="0" err="1" smtClean="0"/>
+              <a:t>lokale</a:t>
+            </a:r>
+            <a:r>
+              <a:rPr lang="en-US" baseline="0" dirty="0" smtClean="0"/>
+              <a:t> pointer, </a:t>
+            </a:r>
+            <a:r>
+              <a:rPr lang="en-US" baseline="0" dirty="0" err="1" smtClean="0"/>
+              <a:t>ect</a:t>
+            </a:r>
+            <a:endParaRPr lang="de-CH" dirty="0"/>
+          </a:p>
+        </p:txBody>
+      </p:sp>
+      <p:sp>
+        <p:nvSpPr>
+          <p:cNvPr id="4" name="Foliennummernplatzhalter 3"/>
+          <p:cNvSpPr>
+            <a:spLocks noGrp="1"/>
+          </p:cNvSpPr>
+          <p:nvPr>
+            <p:ph type="sldNum" sz="quarter" idx="10"/>
+          </p:nvPr>
+        </p:nvSpPr>
+        <p:spPr/>
+        <p:txBody>
+          <a:bodyPr/>
+          <a:lstStyle/>
+          <a:p>
+            <a:fld id="{7457F652-A1F4-4A06-B046-24A89FABBB4D}" type="slidenum">
+              <a:rPr lang="de-CH" smtClean="0"/>
+              <a:t>16</a:t>
+            </a:fld>
+            <a:endParaRPr lang="de-CH"/>
+          </a:p>
+        </p:txBody>
+      </p:sp>
+    </p:spTree>
+    <p:extLst>
+      <p:ext uri="{BB962C8B-B14F-4D97-AF65-F5344CB8AC3E}">
+        <p14:creationId xmlns:p14="http://schemas.microsoft.com/office/powerpoint/2010/main" val="303772140"/>
+      </p:ext>
+    </p:extLst>
+  </p:cSld>
+  <p:clrMapOvr>
+    <a:masterClrMapping/>
+  </p:clrMapOvr>
+</p:notes>
+</file>
+
+<file path=ppt/notesSlides/notesSlide17.xml><?xml version="1.0" encoding="utf-8"?>
+<p:notes xmlns:a="http://schemas.openxmlformats.org/drawingml/2006/main" xmlns:r="http://schemas.openxmlformats.org/officeDocument/2006/relationships" xmlns:p="http://schemas.openxmlformats.org/presentationml/2006/main">
+  <p:cSld>
+    <p:spTree>
+      <p:nvGrpSpPr>
+        <p:cNvPr id="1" name=""/>
+        <p:cNvGrpSpPr/>
+        <p:nvPr/>
+      </p:nvGrpSpPr>
+      <p:grpSpPr>
+        <a:xfrm>
+          <a:off x="0" y="0"/>
+          <a:ext cx="0" cy="0"/>
+          <a:chOff x="0" y="0"/>
+          <a:chExt cx="0" cy="0"/>
+        </a:xfrm>
+      </p:grpSpPr>
+      <p:sp>
+        <p:nvSpPr>
+          <p:cNvPr id="2" name="Folienbildplatzhalter 1"/>
+          <p:cNvSpPr>
+            <a:spLocks noGrp="1" noRot="1" noChangeAspect="1"/>
+          </p:cNvSpPr>
+          <p:nvPr>
+            <p:ph type="sldImg"/>
+          </p:nvPr>
+        </p:nvSpPr>
+        <p:spPr/>
+      </p:sp>
+      <p:sp>
+        <p:nvSpPr>
+          <p:cNvPr id="3" name="Notizenplatzhalter 2"/>
+          <p:cNvSpPr>
+            <a:spLocks noGrp="1"/>
+          </p:cNvSpPr>
+          <p:nvPr>
+            <p:ph type="body" idx="1"/>
+          </p:nvPr>
+        </p:nvSpPr>
+        <p:spPr/>
+        <p:txBody>
+          <a:bodyPr/>
+          <a:lstStyle/>
+          <a:p>
+            <a:endParaRPr lang="de-CH" sz="9600" dirty="0"/>
           </a:p>
         </p:txBody>
       </p:sp>
@@ -1255,36 +1901,19 @@
           <a:p>
             <a:r>
               <a:rPr lang="en-US" dirty="0" smtClean="0"/>
-              <a:t>The book of unwritten tales I und</a:t>
-            </a:r>
-            <a:r>
-              <a:rPr lang="en-US" baseline="0" dirty="0" smtClean="0"/>
-              <a:t> II</a:t>
-            </a:r>
-            <a:endParaRPr lang="en-US" dirty="0" smtClean="0"/>
-          </a:p>
-          <a:p>
+              <a:t>Von abstract </a:t>
+            </a:r>
+            <a:r>
+              <a:rPr lang="en-US" dirty="0" err="1" smtClean="0"/>
+              <a:t>bis</a:t>
+            </a:r>
             <a:r>
               <a:rPr lang="en-US" dirty="0" smtClean="0"/>
-              <a:t>Point and click </a:t>
+              <a:t> </a:t>
             </a:r>
             <a:r>
               <a:rPr lang="en-US" dirty="0" err="1" smtClean="0"/>
-              <a:t>adenture</a:t>
-            </a:r>
-            <a:r>
-              <a:rPr lang="en-US" baseline="0" dirty="0" smtClean="0"/>
-              <a:t> 2009,</a:t>
-            </a:r>
-          </a:p>
-          <a:p>
-            <a:r>
-              <a:rPr lang="en-US" baseline="0" dirty="0" err="1" smtClean="0"/>
-              <a:t>Fortsetzung</a:t>
-            </a:r>
-            <a:r>
-              <a:rPr lang="en-US" baseline="0" dirty="0" smtClean="0"/>
-              <a:t> 2015</a:t>
+              <a:t>konkret</a:t>
             </a:r>
             <a:endParaRPr lang="de-CH" dirty="0"/>
           </a:p>
@@ -1307,7 +1936,7 @@
           <a:p>
             <a:fld id="{7457F652-A1F4-4A06-B046-24A89FABBB4D}" type="slidenum">
               <a:rPr lang="de-CH" smtClean="0"/>
-              <a:t>4</a:t>
+              <a:t>2</a:t>
             </a:fld>
             <a:endParaRPr lang="de-CH"/>
           </a:p>
@@ -1316,7 +1945,7 @@
     </p:spTree>
     <p:extLst>
       <p:ext uri="{BB962C8B-B14F-4D97-AF65-F5344CB8AC3E}">
-        <p14:creationId xmlns:p14="http://schemas.microsoft.com/office/powerpoint/2010/main" val="303772140"/>
+        <p14:creationId xmlns:p14="http://schemas.microsoft.com/office/powerpoint/2010/main" val="3592630485"/>
       </p:ext>
     </p:extLst>
   </p:cSld>
@@ -1371,32 +2000,16 @@
           <a:lstStyle/>
           <a:p>
             <a:r>
+              <a:rPr lang="en-US" dirty="0" err="1" smtClean="0"/>
+              <a:t>Plattformen</a:t>
+            </a:r>
+            <a:r>
               <a:rPr lang="en-US" dirty="0" smtClean="0"/>
-              <a:t>40Dollar: commercial </a:t>
+              <a:t>: Linux, Mac, windows, </a:t>
             </a:r>
             <a:r>
               <a:rPr lang="en-US" dirty="0" err="1" smtClean="0"/>
-              <a:t>licence</a:t>
-            </a:r>
-            <a:r>
-              <a:rPr lang="en-US" dirty="0" smtClean="0"/>
-              <a:t>, 2 </a:t>
-            </a:r>
-            <a:r>
-              <a:rPr lang="en-US" dirty="0" err="1" smtClean="0"/>
-              <a:t>lizenzen</a:t>
-            </a:r>
-            <a:r>
-              <a:rPr lang="en-US" dirty="0" smtClean="0"/>
-              <a:t>; 1 </a:t>
-            </a:r>
-            <a:r>
-              <a:rPr lang="en-US" dirty="0" err="1" smtClean="0"/>
-              <a:t>jahr</a:t>
-            </a:r>
-            <a:r>
-              <a:rPr lang="en-US" dirty="0" smtClean="0"/>
-              <a:t> support updates</a:t>
+              <a:t>iOs</a:t>
             </a:r>
             <a:endParaRPr lang="de-CH" dirty="0"/>
           </a:p>
@@ -1419,7 +2032,7 @@
           <a:p>
             <a:fld id="{7457F652-A1F4-4A06-B046-24A89FABBB4D}" type="slidenum">
               <a:rPr lang="de-CH" smtClean="0"/>
-              <a:t>5</a:t>
+              <a:t>3</a:t>
             </a:fld>
             <a:endParaRPr lang="de-CH"/>
           </a:p>
@@ -1428,7 +2041,7 @@
     </p:spTree>
     <p:extLst>
       <p:ext uri="{BB962C8B-B14F-4D97-AF65-F5344CB8AC3E}">
-        <p14:creationId xmlns:p14="http://schemas.microsoft.com/office/powerpoint/2010/main" val="958697668"/>
+        <p14:creationId xmlns:p14="http://schemas.microsoft.com/office/powerpoint/2010/main" val="303772140"/>
       </p:ext>
     </p:extLst>
   </p:cSld>
@@ -1484,12 +2097,24 @@
           <a:p>
             <a:r>
               <a:rPr lang="en-US" dirty="0" err="1" smtClean="0"/>
-              <a:t>Skiline</a:t>
+              <a:t>Inoffizielle</a:t>
             </a:r>
             <a:r>
               <a:rPr lang="en-US" baseline="0" dirty="0" smtClean="0"/>
-              <a:t> game Engine rendering</a:t>
-            </a:r>
+              <a:t> </a:t>
+            </a:r>
+            <a:r>
+              <a:rPr lang="en-US" baseline="0" dirty="0" err="1" smtClean="0"/>
+              <a:t>Szeneneditor</a:t>
+            </a:r>
+            <a:endParaRPr lang="en-US" baseline="0" dirty="0" smtClean="0"/>
+          </a:p>
+          <a:p>
+            <a:r>
+              <a:rPr lang="en-US" baseline="0" dirty="0" smtClean="0"/>
+              <a:t>Rendering</a:t>
+            </a:r>
+            <a:endParaRPr lang="de-CH" dirty="0"/>
           </a:p>
         </p:txBody>
       </p:sp>
@@ -1510,7 +2135,7 @@
           <a:p>
             <a:fld id="{7457F652-A1F4-4A06-B046-24A89FABBB4D}" type="slidenum">
               <a:rPr lang="de-CH" smtClean="0"/>
-              <a:t>6</a:t>
+              <a:t>4</a:t>
             </a:fld>
             <a:endParaRPr lang="de-CH"/>
           </a:p>
@@ -1519,7 +2144,7 @@
     </p:spTree>
     <p:extLst>
       <p:ext uri="{BB962C8B-B14F-4D97-AF65-F5344CB8AC3E}">
-        <p14:creationId xmlns:p14="http://schemas.microsoft.com/office/powerpoint/2010/main" val="1406608224"/>
+        <p14:creationId xmlns:p14="http://schemas.microsoft.com/office/powerpoint/2010/main" val="303772140"/>
       </p:ext>
     </p:extLst>
   </p:cSld>
@@ -1574,16 +2199,37 @@
           <a:lstStyle/>
           <a:p>
             <a:r>
+              <a:rPr lang="en-US" dirty="0" smtClean="0"/>
+              <a:t>The book of unwritten tales I und</a:t>
+            </a:r>
+            <a:r>
+              <a:rPr lang="en-US" baseline="0" dirty="0" smtClean="0"/>
+              <a:t> II</a:t>
+            </a:r>
+            <a:endParaRPr lang="en-US" dirty="0" smtClean="0"/>
+          </a:p>
+          <a:p>
+            <a:r>
+              <a:rPr lang="en-US" dirty="0" smtClean="0"/>
+              <a:t>Point and click </a:t>
+            </a:r>
+            <a:r>
               <a:rPr lang="en-US" dirty="0" err="1" smtClean="0"/>
-              <a:t>Inoffizielle</a:t>
+              <a:t>adenture</a:t>
             </a:r>
             <a:r>
               <a:rPr lang="en-US" baseline="0" dirty="0" smtClean="0"/>
-              <a:t> </a:t>
-            </a:r>
+              <a:t> 2009,</a:t>
+            </a:r>
+          </a:p>
+          <a:p>
             <a:r>
               <a:rPr lang="en-US" baseline="0" dirty="0" err="1" smtClean="0"/>
-              <a:t>Szeneneditor</a:t>
+              <a:t>Fortsetzung</a:t>
+            </a:r>
+            <a:r>
+              <a:rPr lang="en-US" baseline="0" dirty="0" smtClean="0"/>
+              <a:t> 2015</a:t>
             </a:r>
             <a:endParaRPr lang="de-CH" dirty="0"/>
           </a:p>
@@ -1606,7 +2252,7 @@
           <a:p>
             <a:fld id="{7457F652-A1F4-4A06-B046-24A89FABBB4D}" type="slidenum">
               <a:rPr lang="de-CH" smtClean="0"/>
-              <a:t>7</a:t>
+              <a:t>5</a:t>
             </a:fld>
             <a:endParaRPr lang="de-CH"/>
           </a:p>
@@ -1670,16 +2316,32 @@
           <a:lstStyle/>
           <a:p>
             <a:r>
+              <a:rPr lang="en-US" dirty="0" smtClean="0"/>
+              <a:t>Skyline, 40Dollar: commercial </a:t>
+            </a:r>
+            <a:r>
               <a:rPr lang="en-US" dirty="0" err="1" smtClean="0"/>
-              <a:t>Plattformen</a:t>
+              <a:t>licence</a:t>
             </a:r>
             <a:r>
               <a:rPr lang="en-US" dirty="0" smtClean="0"/>
-              <a:t>: Linux, Mac, windows, </a:t>
+              <a:t>, 2 </a:t>
             </a:r>
             <a:r>
               <a:rPr lang="en-US" dirty="0" err="1" smtClean="0"/>
-              <a:t>iOs</a:t>
+              <a:t>lizenzen</a:t>
+            </a:r>
+            <a:r>
+              <a:rPr lang="en-US" dirty="0" smtClean="0"/>
+              <a:t>; 1 </a:t>
+            </a:r>
+            <a:r>
+              <a:rPr lang="en-US" dirty="0" err="1" smtClean="0"/>
+              <a:t>jahr</a:t>
+            </a:r>
+            <a:r>
+              <a:rPr lang="en-US" dirty="0" smtClean="0"/>
+              <a:t> support updates</a:t>
             </a:r>
             <a:endParaRPr lang="de-CH" dirty="0"/>
           </a:p>
@@ -1702,7 +2364,7 @@
           <a:p>
             <a:fld id="{7457F652-A1F4-4A06-B046-24A89FABBB4D}" type="slidenum">
               <a:rPr lang="de-CH" smtClean="0"/>
-              <a:t>8</a:t>
+              <a:t>6</a:t>
             </a:fld>
             <a:endParaRPr lang="de-CH"/>
           </a:p>
@@ -1711,7 +2373,7 @@
     </p:spTree>
     <p:extLst>
       <p:ext uri="{BB962C8B-B14F-4D97-AF65-F5344CB8AC3E}">
-        <p14:creationId xmlns:p14="http://schemas.microsoft.com/office/powerpoint/2010/main" val="303772140"/>
+        <p14:creationId xmlns:p14="http://schemas.microsoft.com/office/powerpoint/2010/main" val="958697668"/>
       </p:ext>
     </p:extLst>
   </p:cSld>
@@ -1767,17 +2429,12 @@
           <a:p>
             <a:r>
               <a:rPr lang="en-US" dirty="0" err="1" smtClean="0"/>
-              <a:t>Plattformen</a:t>
-            </a:r>
-            <a:r>
-              <a:rPr lang="en-US" dirty="0" smtClean="0"/>
-              <a:t>: Linux, Mac, windows, </a:t>
-            </a:r>
-            <a:r>
-              <a:rPr lang="en-US" dirty="0" err="1" smtClean="0"/>
-              <a:t>iOs</a:t>
-            </a:r>
-            <a:endParaRPr lang="de-CH" dirty="0"/>
+              <a:t>Skiline</a:t>
+            </a:r>
+            <a:r>
+              <a:rPr lang="en-US" baseline="0" dirty="0" smtClean="0"/>
+              <a:t> game Engine rendering</a:t>
+            </a:r>
           </a:p>
         </p:txBody>
       </p:sp>
@@ -1798,7 +2455,7 @@
           <a:p>
             <a:fld id="{7457F652-A1F4-4A06-B046-24A89FABBB4D}" type="slidenum">
               <a:rPr lang="de-CH" smtClean="0"/>
-              <a:t>9</a:t>
+              <a:t>7</a:t>
             </a:fld>
             <a:endParaRPr lang="de-CH"/>
           </a:p>
@@ -1807,7 +2464,7 @@
     </p:spTree>
     <p:extLst>
       <p:ext uri="{BB962C8B-B14F-4D97-AF65-F5344CB8AC3E}">
-        <p14:creationId xmlns:p14="http://schemas.microsoft.com/office/powerpoint/2010/main" val="303772140"/>
+        <p14:creationId xmlns:p14="http://schemas.microsoft.com/office/powerpoint/2010/main" val="1406608224"/>
       </p:ext>
     </p:extLst>
   </p:cSld>
@@ -1862,39 +2519,8 @@
           <a:lstStyle/>
           <a:p>
             <a:r>
-              <a:rPr lang="en-US" dirty="0" smtClean="0"/>
-              <a:t>Tutorial</a:t>
-            </a:r>
-            <a:r>
-              <a:rPr lang="en-US" baseline="0" dirty="0" smtClean="0"/>
-              <a:t> Framework: </a:t>
-            </a:r>
-            <a:r>
-              <a:rPr lang="en-US" baseline="0" dirty="0" err="1" smtClean="0"/>
-              <a:t>praktisch</a:t>
-            </a:r>
-            <a:r>
-              <a:rPr lang="en-US" baseline="0" dirty="0" smtClean="0"/>
-              <a:t>: in </a:t>
-            </a:r>
-            <a:r>
-              <a:rPr lang="en-US" baseline="0" dirty="0" err="1" smtClean="0"/>
-              <a:t>Methode</a:t>
-            </a:r>
-            <a:r>
-              <a:rPr lang="en-US" baseline="0" dirty="0" smtClean="0"/>
-              <a:t> Create Scene </a:t>
-            </a:r>
-            <a:r>
-              <a:rPr lang="en-US" baseline="0" dirty="0" err="1" smtClean="0"/>
-              <a:t>loslegen</a:t>
-            </a:r>
-            <a:endParaRPr lang="en-US" dirty="0" smtClean="0"/>
-          </a:p>
-          <a:p>
-            <a:r>
               <a:rPr lang="en-US" dirty="0" err="1" smtClean="0"/>
-              <a:t>Wie</a:t>
+              <a:t>Detailierte</a:t>
             </a:r>
             <a:r>
               <a:rPr lang="en-US" dirty="0" smtClean="0"/>
@@ -1902,69 +2528,19 @@
             </a:r>
             <a:r>
               <a:rPr lang="en-US" dirty="0" err="1" smtClean="0"/>
-              <a:t>GameObjects</a:t>
-            </a:r>
-            <a:r>
-              <a:rPr lang="en-US" baseline="0" dirty="0" smtClean="0"/>
-              <a:t> in Unity</a:t>
-            </a:r>
-          </a:p>
-          <a:p>
-            <a:r>
-              <a:rPr lang="en-US" baseline="0" dirty="0" smtClean="0"/>
-              <a:t>-&gt; </a:t>
-            </a:r>
-            <a:r>
-              <a:rPr lang="en-US" baseline="0" dirty="0" err="1" smtClean="0"/>
-              <a:t>wenn</a:t>
-            </a:r>
-            <a:r>
-              <a:rPr lang="en-US" baseline="0" dirty="0" smtClean="0"/>
+              <a:t>Anleitung</a:t>
+            </a:r>
+            <a:r>
+              <a:rPr lang="en-US" dirty="0" smtClean="0"/>
               <a:t> </a:t>
             </a:r>
             <a:r>
-              <a:rPr lang="en-US" baseline="0" dirty="0" err="1" smtClean="0"/>
-              <a:t>sich</a:t>
-            </a:r>
-            <a:r>
-              <a:rPr lang="en-US" baseline="0" dirty="0" smtClean="0"/>
-              <a:t> parent </a:t>
-            </a:r>
-            <a:r>
-              <a:rPr lang="en-US" baseline="0" dirty="0" err="1" smtClean="0"/>
-              <a:t>verschiebt</a:t>
-            </a:r>
-            <a:r>
-              <a:rPr lang="en-US" baseline="0" dirty="0" smtClean="0"/>
-              <a:t>, </a:t>
-            </a:r>
-            <a:r>
-              <a:rPr lang="en-US" baseline="0" dirty="0" err="1" smtClean="0"/>
-              <a:t>verschieben</a:t>
-            </a:r>
-            <a:r>
-              <a:rPr lang="en-US" baseline="0" dirty="0" smtClean="0"/>
-              <a:t> </a:t>
-            </a:r>
-            <a:r>
-              <a:rPr lang="en-US" baseline="0" dirty="0" err="1" smtClean="0"/>
-              <a:t>sich</a:t>
-            </a:r>
-            <a:r>
-              <a:rPr lang="en-US" baseline="0" dirty="0" smtClean="0"/>
-              <a:t> </a:t>
-            </a:r>
-            <a:r>
-              <a:rPr lang="en-US" baseline="0" dirty="0" err="1" smtClean="0"/>
-              <a:t>alle</a:t>
-            </a:r>
-            <a:r>
-              <a:rPr lang="en-US" baseline="0" dirty="0" smtClean="0"/>
-              <a:t> </a:t>
-            </a:r>
-            <a:r>
-              <a:rPr lang="en-US" baseline="0" dirty="0" err="1" smtClean="0"/>
-              <a:t>childs</a:t>
+              <a:rPr lang="en-US" dirty="0" err="1" smtClean="0"/>
+              <a:t>mit</a:t>
+            </a:r>
+            <a:r>
+              <a:rPr lang="en-US" dirty="0" smtClean="0"/>
+              <a:t> Links auf github.com/tscheims1</a:t>
             </a:r>
             <a:endParaRPr lang="de-CH" dirty="0"/>
           </a:p>
@@ -1987,7 +2563,7 @@
           <a:p>
             <a:fld id="{7457F652-A1F4-4A06-B046-24A89FABBB4D}" type="slidenum">
               <a:rPr lang="de-CH" smtClean="0"/>
-              <a:t>10</a:t>
+              <a:t>8</a:t>
             </a:fld>
             <a:endParaRPr lang="de-CH"/>
           </a:p>
@@ -2052,69 +2628,19 @@
           <a:p>
             <a:r>
               <a:rPr lang="en-US" dirty="0" err="1" smtClean="0"/>
-              <a:t>RenderWindow</a:t>
+              <a:t>resultat</a:t>
             </a:r>
             <a:r>
               <a:rPr lang="en-US" dirty="0" smtClean="0"/>
-              <a:t>: </a:t>
+              <a:t> </a:t>
+            </a:r>
+            <a:r>
+              <a:rPr lang="en-US" dirty="0" smtClean="0"/>
+              <a:t>4 </a:t>
             </a:r>
             <a:r>
               <a:rPr lang="en-US" dirty="0" err="1" smtClean="0"/>
-              <a:t>VSync</a:t>
-            </a:r>
-            <a:r>
-              <a:rPr lang="en-US" dirty="0" smtClean="0"/>
-              <a:t>:</a:t>
-            </a:r>
-            <a:r>
-              <a:rPr lang="en-US" baseline="0" dirty="0" smtClean="0"/>
-              <a:t> enable/disable, Window Events (</a:t>
-            </a:r>
-            <a:r>
-              <a:rPr lang="en-US" baseline="0" dirty="0" err="1" smtClean="0"/>
-              <a:t>move,hide</a:t>
-            </a:r>
-            <a:r>
-              <a:rPr lang="en-US" baseline="0" dirty="0" smtClean="0"/>
-              <a:t>), </a:t>
-            </a:r>
-            <a:r>
-              <a:rPr lang="en-US" baseline="0" dirty="0" err="1" smtClean="0"/>
-              <a:t>RenderEngine</a:t>
-            </a:r>
-            <a:r>
-              <a:rPr lang="en-US" baseline="0" dirty="0" smtClean="0"/>
-              <a:t> (</a:t>
-            </a:r>
-            <a:r>
-              <a:rPr lang="en-US" baseline="0" dirty="0" err="1" smtClean="0"/>
-              <a:t>directX</a:t>
-            </a:r>
-            <a:r>
-              <a:rPr lang="en-US" baseline="0" dirty="0" smtClean="0"/>
-              <a:t>, OpenGL)</a:t>
-            </a:r>
-          </a:p>
-          <a:p>
-            <a:r>
-              <a:rPr lang="en-US" baseline="0" dirty="0" err="1" smtClean="0"/>
-              <a:t>ViewPorts</a:t>
-            </a:r>
-            <a:r>
-              <a:rPr lang="en-US" baseline="0" dirty="0" smtClean="0"/>
-              <a:t>: </a:t>
-            </a:r>
-            <a:r>
-              <a:rPr lang="en-US" baseline="0" dirty="0" err="1" smtClean="0"/>
-              <a:t>Skalierung</a:t>
-            </a:r>
-            <a:r>
-              <a:rPr lang="en-US" baseline="0" dirty="0" smtClean="0"/>
-              <a:t>, </a:t>
-            </a:r>
-            <a:r>
-              <a:rPr lang="en-US" baseline="0" dirty="0" err="1" smtClean="0"/>
-              <a:t>für</a:t>
+              <a:t>Stunden</a:t>
             </a:r>
             <a:r>
               <a:rPr lang="en-US" baseline="0" dirty="0" smtClean="0"/>
@@ -2122,152 +2648,8 @@
             </a:r>
             <a:r>
               <a:rPr lang="en-US" baseline="0" dirty="0" err="1" smtClean="0"/>
-              <a:t>miniMaps</a:t>
-            </a:r>
-            <a:r>
-              <a:rPr lang="en-US" baseline="0" dirty="0" smtClean="0"/>
-              <a:t>: </a:t>
-            </a:r>
-            <a:r>
-              <a:rPr lang="en-US" baseline="0" dirty="0" err="1" smtClean="0"/>
-              <a:t>ViewPorts</a:t>
-            </a:r>
-            <a:r>
-              <a:rPr lang="en-US" baseline="0" dirty="0" smtClean="0"/>
-              <a:t> auf </a:t>
-            </a:r>
-            <a:r>
-              <a:rPr lang="en-US" baseline="0" dirty="0" err="1" smtClean="0"/>
-              <a:t>texturen</a:t>
-            </a:r>
-            <a:endParaRPr lang="en-US" baseline="0" dirty="0" smtClean="0"/>
-          </a:p>
-          <a:p>
-            <a:r>
-              <a:rPr lang="en-US" baseline="0" dirty="0" smtClean="0"/>
-              <a:t>Entity: Mesh </a:t>
-            </a:r>
-            <a:r>
-              <a:rPr lang="en-US" baseline="0" dirty="0" err="1" smtClean="0"/>
-              <a:t>z.B</a:t>
-            </a:r>
-            <a:r>
-              <a:rPr lang="en-US" baseline="0" dirty="0" smtClean="0"/>
-              <a:t>. Fighter </a:t>
-            </a:r>
-          </a:p>
-          <a:p>
-            <a:r>
-              <a:rPr lang="en-US" baseline="0" dirty="0" err="1" smtClean="0"/>
-              <a:t>SceneNode</a:t>
-            </a:r>
-            <a:r>
-              <a:rPr lang="en-US" baseline="0" dirty="0" smtClean="0"/>
-              <a:t>: </a:t>
-            </a:r>
-            <a:r>
-              <a:rPr lang="en-US" baseline="0" dirty="0" err="1" smtClean="0"/>
-              <a:t>Wie</a:t>
-            </a:r>
-            <a:r>
-              <a:rPr lang="en-US" baseline="0" dirty="0" smtClean="0"/>
-              <a:t> </a:t>
-            </a:r>
-            <a:r>
-              <a:rPr lang="en-US" baseline="0" dirty="0" err="1" smtClean="0"/>
-              <a:t>GameObject</a:t>
-            </a:r>
-            <a:r>
-              <a:rPr lang="en-US" baseline="0" dirty="0" smtClean="0"/>
-              <a:t> in Unity</a:t>
-            </a:r>
-          </a:p>
-          <a:p>
-            <a:r>
-              <a:rPr lang="en-US" baseline="0" dirty="0" err="1" smtClean="0"/>
-              <a:t>SceneManager</a:t>
-            </a:r>
-            <a:r>
-              <a:rPr lang="en-US" baseline="0" dirty="0" smtClean="0"/>
-              <a:t>: </a:t>
-            </a:r>
-            <a:r>
-              <a:rPr lang="en-US" baseline="0" dirty="0" err="1" smtClean="0"/>
-              <a:t>Für</a:t>
-            </a:r>
-            <a:r>
-              <a:rPr lang="en-US" baseline="0" dirty="0" smtClean="0"/>
-              <a:t> </a:t>
-            </a:r>
-            <a:r>
-              <a:rPr lang="en-US" baseline="0" dirty="0" err="1" smtClean="0"/>
-              <a:t>RenderQueue</a:t>
-            </a:r>
-            <a:r>
-              <a:rPr lang="en-US" baseline="0" dirty="0" smtClean="0"/>
-              <a:t>, </a:t>
-            </a:r>
-            <a:r>
-              <a:rPr lang="en-US" baseline="0" dirty="0" err="1" smtClean="0"/>
-              <a:t>hierarchie</a:t>
-            </a:r>
-            <a:r>
-              <a:rPr lang="en-US" baseline="0" dirty="0" smtClean="0"/>
-              <a:t> d. nodes; </a:t>
-            </a:r>
-            <a:r>
-              <a:rPr lang="en-US" baseline="0" dirty="0" err="1" smtClean="0"/>
-              <a:t>es</a:t>
-            </a:r>
-            <a:r>
-              <a:rPr lang="en-US" baseline="0" dirty="0" smtClean="0"/>
-              <a:t> </a:t>
-            </a:r>
-            <a:r>
-              <a:rPr lang="en-US" baseline="0" dirty="0" err="1" smtClean="0"/>
-              <a:t>gibt</a:t>
-            </a:r>
-            <a:r>
-              <a:rPr lang="en-US" baseline="0" dirty="0" smtClean="0"/>
-              <a:t> </a:t>
-            </a:r>
-            <a:r>
-              <a:rPr lang="en-US" baseline="0" dirty="0" err="1" smtClean="0"/>
-              <a:t>verschieden</a:t>
-            </a:r>
-            <a:r>
-              <a:rPr lang="en-US" baseline="0" dirty="0" smtClean="0"/>
-              <a:t> </a:t>
-            </a:r>
-            <a:r>
-              <a:rPr lang="en-US" baseline="0" dirty="0" err="1" smtClean="0"/>
-              <a:t>strukturen</a:t>
-            </a:r>
-            <a:r>
-              <a:rPr lang="en-US" baseline="0" dirty="0" smtClean="0"/>
-              <a:t>, </a:t>
-            </a:r>
-            <a:r>
-              <a:rPr lang="en-US" baseline="0" dirty="0" err="1" smtClean="0"/>
-              <a:t>bäume</a:t>
-            </a:r>
-            <a:r>
-              <a:rPr lang="en-US" baseline="0" dirty="0" smtClean="0"/>
-              <a:t>, listen </a:t>
-            </a:r>
-            <a:r>
-              <a:rPr lang="en-US" baseline="0" dirty="0" err="1" smtClean="0"/>
-              <a:t>ect</a:t>
-            </a:r>
-            <a:r>
-              <a:rPr lang="en-US" baseline="0" dirty="0" smtClean="0"/>
-              <a:t>	</a:t>
-            </a:r>
-          </a:p>
-          <a:p>
-            <a:endParaRPr lang="en-US" baseline="0" dirty="0" smtClean="0"/>
-          </a:p>
-          <a:p>
+              <a:t>Arbeit</a:t>
+            </a:r>
             <a:endParaRPr lang="de-CH" dirty="0"/>
           </a:p>
         </p:txBody>
@@ -2289,7 +2671,7 @@
           <a:p>
             <a:fld id="{7457F652-A1F4-4A06-B046-24A89FABBB4D}" type="slidenum">
               <a:rPr lang="de-CH" smtClean="0"/>
-              <a:t>11</a:t>
+              <a:t>9</a:t>
             </a:fld>
             <a:endParaRPr lang="de-CH"/>
           </a:p>
@@ -2439,7 +2821,7 @@
           <a:p>
             <a:fld id="{50577D00-0568-4CC9-8CEB-845F93FB100F}" type="datetimeFigureOut">
               <a:rPr lang="de-CH" smtClean="0"/>
-              <a:t>06.06.2015</a:t>
+              <a:t>09.06.2015</a:t>
             </a:fld>
             <a:endParaRPr lang="de-CH"/>
           </a:p>
@@ -2609,7 +2991,7 @@
           <a:p>
             <a:fld id="{50577D00-0568-4CC9-8CEB-845F93FB100F}" type="datetimeFigureOut">
               <a:rPr lang="de-CH" smtClean="0"/>
-              <a:t>06.06.2015</a:t>
+              <a:t>09.06.2015</a:t>
             </a:fld>
             <a:endParaRPr lang="de-CH"/>
           </a:p>
@@ -2789,7 +3171,7 @@
           <a:p>
             <a:fld id="{50577D00-0568-4CC9-8CEB-845F93FB100F}" type="datetimeFigureOut">
               <a:rPr lang="de-CH" smtClean="0"/>
-              <a:t>06.06.2015</a:t>
+              <a:t>09.06.2015</a:t>
             </a:fld>
             <a:endParaRPr lang="de-CH"/>
           </a:p>
@@ -2959,7 +3341,7 @@
           <a:p>
             <a:fld id="{50577D00-0568-4CC9-8CEB-845F93FB100F}" type="datetimeFigureOut">
               <a:rPr lang="de-CH" smtClean="0"/>
-              <a:t>06.06.2015</a:t>
+              <a:t>09.06.2015</a:t>
             </a:fld>
             <a:endParaRPr lang="de-CH"/>
           </a:p>
@@ -3205,7 +3587,7 @@
           <a:p>
             <a:fld id="{50577D00-0568-4CC9-8CEB-845F93FB100F}" type="datetimeFigureOut">
               <a:rPr lang="de-CH" smtClean="0"/>
-              <a:t>06.06.2015</a:t>
+              <a:t>09.06.2015</a:t>
             </a:fld>
             <a:endParaRPr lang="de-CH"/>
           </a:p>
@@ -3437,7 +3819,7 @@
           <a:p>
             <a:fld id="{50577D00-0568-4CC9-8CEB-845F93FB100F}" type="datetimeFigureOut">
               <a:rPr lang="de-CH" smtClean="0"/>
-              <a:t>06.06.2015</a:t>
+              <a:t>09.06.2015</a:t>
             </a:fld>
             <a:endParaRPr lang="de-CH"/>
           </a:p>
@@ -3804,7 +4186,7 @@
           <a:p>
             <a:fld id="{50577D00-0568-4CC9-8CEB-845F93FB100F}" type="datetimeFigureOut">
               <a:rPr lang="de-CH" smtClean="0"/>
-              <a:t>06.06.2015</a:t>
+              <a:t>09.06.2015</a:t>
             </a:fld>
             <a:endParaRPr lang="de-CH"/>
           </a:p>
@@ -3922,7 +4304,7 @@
           <a:p>
             <a:fld id="{50577D00-0568-4CC9-8CEB-845F93FB100F}" type="datetimeFigureOut">
               <a:rPr lang="de-CH" smtClean="0"/>
-              <a:t>06.06.2015</a:t>
+              <a:t>09.06.2015</a:t>
             </a:fld>
             <a:endParaRPr lang="de-CH"/>
           </a:p>
@@ -4017,7 +4399,7 @@
           <a:p>
             <a:fld id="{50577D00-0568-4CC9-8CEB-845F93FB100F}" type="datetimeFigureOut">
               <a:rPr lang="de-CH" smtClean="0"/>
-              <a:t>06.06.2015</a:t>
+              <a:t>09.06.2015</a:t>
             </a:fld>
             <a:endParaRPr lang="de-CH"/>
           </a:p>
@@ -4294,7 +4676,7 @@
           <a:p>
             <a:fld id="{50577D00-0568-4CC9-8CEB-845F93FB100F}" type="datetimeFigureOut">
               <a:rPr lang="de-CH" smtClean="0"/>
-              <a:t>06.06.2015</a:t>
+              <a:t>09.06.2015</a:t>
             </a:fld>
             <a:endParaRPr lang="de-CH"/>
           </a:p>
@@ -4547,7 +4929,7 @@
           <a:p>
             <a:fld id="{50577D00-0568-4CC9-8CEB-845F93FB100F}" type="datetimeFigureOut">
               <a:rPr lang="de-CH" smtClean="0"/>
-              <a:t>06.06.2015</a:t>
+              <a:t>09.06.2015</a:t>
             </a:fld>
             <a:endParaRPr lang="de-CH"/>
           </a:p>
@@ -4760,7 +5142,7 @@
           <a:p>
             <a:fld id="{50577D00-0568-4CC9-8CEB-845F93FB100F}" type="datetimeFigureOut">
               <a:rPr lang="de-CH" smtClean="0"/>
-              <a:t>06.06.2015</a:t>
+              <a:t>09.06.2015</a:t>
             </a:fld>
             <a:endParaRPr lang="de-CH"/>
           </a:p>
@@ -5196,7 +5578,7 @@
             </a:br>
             <a:r>
               <a:rPr lang="en-US" sz="7200" b="1" dirty="0" smtClean="0"/>
-              <a:t>in 24h</a:t>
+              <a:t>in 16h</a:t>
             </a:r>
             <a:endParaRPr lang="de-CH" sz="7200" b="1" dirty="0"/>
           </a:p>
@@ -5292,7 +5674,7 @@
           <p:nvPr/>
         </p:nvPicPr>
         <p:blipFill>
-          <a:blip r:embed="rId2" cstate="print">
+          <a:blip r:embed="rId3" cstate="print">
             <a:extLst>
               <a:ext uri="{28A0092B-C50C-407E-A947-70E740481C1C}">
                 <a14:useLocalDpi xmlns:a14="http://schemas.microsoft.com/office/drawing/2010/main" val="0"/>
@@ -6306,7 +6688,7 @@
         <p:spPr>
           <a:xfrm>
             <a:off x="5466443" y="3018465"/>
-            <a:ext cx="6535058" cy="1384995"/>
+            <a:ext cx="6535058" cy="2031325"/>
           </a:xfrm>
           <a:prstGeom prst="rect">
             <a:avLst/>
@@ -6364,12 +6746,24 @@
               <a:t> </a:t>
             </a:r>
             <a:r>
-              <a:rPr lang="en-US" sz="2800" dirty="0" err="1"/>
-              <a:t>G</a:t>
-            </a:r>
-            <a:r>
               <a:rPr lang="en-US" sz="2800" dirty="0" err="1" smtClean="0"/>
-              <a:t>erade</a:t>
+              <a:t>Geraden</a:t>
+            </a:r>
+            <a:r>
+              <a:rPr lang="en-US" sz="2800" dirty="0" smtClean="0"/>
+              <a:t> “</a:t>
+            </a:r>
+            <a:r>
+              <a:rPr lang="en-US" sz="2800" dirty="0" err="1" smtClean="0"/>
+              <a:t>Kamera</a:t>
+            </a:r>
+            <a:r>
+              <a:rPr lang="en-US" sz="2800" dirty="0" smtClean="0"/>
+              <a:t> Viewport” </a:t>
+            </a:r>
+            <a:r>
+              <a:rPr lang="en-US" sz="2800" dirty="0" err="1" smtClean="0"/>
+              <a:t>mit</a:t>
             </a:r>
             <a:r>
               <a:rPr lang="en-US" sz="2800" dirty="0" smtClean="0"/>
@@ -6933,7 +7327,7 @@
         </p:nvSpPr>
         <p:spPr>
           <a:xfrm>
-            <a:off x="551543" y="1932567"/>
+            <a:off x="551543" y="1780167"/>
             <a:ext cx="5334908" cy="4616648"/>
           </a:xfrm>
           <a:prstGeom prst="rect">
@@ -7086,10 +7480,9 @@
               <a:t>erweiterbar</a:t>
             </a:r>
             <a:r>
-              <a:rPr lang="en-US" sz="2800" smtClean="0"/>
+              <a:rPr lang="en-US" sz="2800" dirty="0" smtClean="0"/>
               <a:t>	</a:t>
             </a:r>
-            <a:endParaRPr lang="en-US" sz="2800" dirty="0" smtClean="0"/>
           </a:p>
         </p:txBody>
       </p:sp>
@@ -7101,8 +7494,8 @@
         </p:nvSpPr>
         <p:spPr>
           <a:xfrm>
-            <a:off x="6361793" y="1932567"/>
-            <a:ext cx="5334908" cy="5262979"/>
+            <a:off x="6361793" y="1565787"/>
+            <a:ext cx="5334908" cy="6555641"/>
           </a:xfrm>
           <a:prstGeom prst="rect">
             <a:avLst/>
@@ -7226,6 +7619,36 @@
             <a:r>
               <a:rPr lang="en-US" sz="2800" dirty="0" err="1" smtClean="0"/>
               <a:t>Einstiegshürde</a:t>
+            </a:r>
+            <a:endParaRPr lang="en-US" sz="2800" dirty="0" smtClean="0"/>
+          </a:p>
+          <a:p>
+            <a:pPr marL="457200" indent="-457200">
+              <a:lnSpc>
+                <a:spcPct val="150000"/>
+              </a:lnSpc>
+              <a:buFont typeface="Arial" panose="020B0604020202020204" pitchFamily="34" charset="0"/>
+              <a:buChar char="•"/>
+            </a:pPr>
+            <a:r>
+              <a:rPr lang="en-US" sz="2800" dirty="0" err="1" smtClean="0"/>
+              <a:t>Homogene</a:t>
+            </a:r>
+            <a:r>
+              <a:rPr lang="en-US" sz="2800" dirty="0" smtClean="0"/>
+              <a:t> </a:t>
+            </a:r>
+            <a:r>
+              <a:rPr lang="en-US" sz="2800" dirty="0" err="1" smtClean="0"/>
+              <a:t>Perspektive</a:t>
+            </a:r>
+            <a:r>
+              <a:rPr lang="en-US" sz="2800" dirty="0" smtClean="0"/>
+              <a:t> </a:t>
+            </a:r>
+            <a:r>
+              <a:rPr lang="en-US" sz="2800" dirty="0" err="1" smtClean="0"/>
+              <a:t>unbrauchbar</a:t>
             </a:r>
             <a:endParaRPr lang="en-US" sz="2800" dirty="0" smtClean="0"/>
           </a:p>
@@ -7375,7 +7798,7 @@
                   </a:schemeClr>
                 </a:solidFill>
               </a:rPr>
-              <a:t>Demonstration</a:t>
+              <a:t>Demonstration / Infos</a:t>
             </a:r>
             <a:endParaRPr lang="de-CH" sz="7200" b="1" dirty="0">
               <a:solidFill>
@@ -7397,7 +7820,7 @@
         <p:spPr>
           <a:xfrm>
             <a:off x="448642" y="1595021"/>
-            <a:ext cx="11294715" cy="671851"/>
+            <a:ext cx="11294715" cy="1318181"/>
           </a:xfrm>
           <a:prstGeom prst="rect">
             <a:avLst/>
@@ -7417,31 +7840,31 @@
             </a:pPr>
             <a:r>
               <a:rPr lang="en-US" sz="2800" dirty="0" err="1" smtClean="0"/>
-              <a:t>Viel</a:t>
+              <a:t>SourceCode</a:t>
+            </a:r>
+            <a:r>
+              <a:rPr lang="en-US" sz="2800" dirty="0"/>
+              <a:t> </a:t>
             </a:r>
             <a:r>
               <a:rPr lang="en-US" sz="2800" dirty="0" smtClean="0"/>
-              <a:t> </a:t>
+              <a:t>&amp; Ogre </a:t>
             </a:r>
             <a:r>
               <a:rPr lang="en-US" sz="2800" dirty="0" err="1" smtClean="0"/>
-              <a:t>Spass</a:t>
-            </a:r>
+              <a:t>Installationsanleitung</a:t>
+            </a:r>
+            <a:endParaRPr lang="en-US" sz="2800" dirty="0" smtClean="0"/>
+          </a:p>
+          <a:p>
+            <a:pPr>
+              <a:lnSpc>
+                <a:spcPct val="150000"/>
+              </a:lnSpc>
+            </a:pPr>
             <a:r>
               <a:rPr lang="en-US" sz="2800" dirty="0" smtClean="0"/>
-              <a:t> </a:t>
-            </a:r>
-            <a:r>
-              <a:rPr lang="en-US" sz="2800" dirty="0" err="1" smtClean="0"/>
-              <a:t>beim</a:t>
-            </a:r>
-            <a:r>
-              <a:rPr lang="en-US" sz="2800" dirty="0" smtClean="0"/>
-              <a:t> </a:t>
-            </a:r>
-            <a:r>
-              <a:rPr lang="en-US" sz="2800" smtClean="0"/>
-              <a:t>Zuschauen</a:t>
+              <a:t>http://github.com/tscheims1/ogre</a:t>
             </a:r>
             <a:endParaRPr lang="de-CH" sz="2800" dirty="0"/>
           </a:p>
@@ -7697,9 +8120,18 @@
               <a:buChar char="•"/>
             </a:pPr>
             <a:r>
-              <a:rPr lang="de-CH" sz="2800" dirty="0" smtClean="0"/>
-              <a:t>Demonstration</a:t>
-            </a:r>
+              <a:rPr lang="en-US" sz="2800" dirty="0" err="1" smtClean="0"/>
+              <a:t>Fazit</a:t>
+            </a:r>
+            <a:r>
+              <a:rPr lang="en-US" sz="2800" dirty="0" smtClean="0"/>
+              <a:t> / </a:t>
+            </a:r>
+            <a:r>
+              <a:rPr lang="en-US" sz="2800" dirty="0" err="1" smtClean="0"/>
+              <a:t>Fragen</a:t>
+            </a:r>
+            <a:endParaRPr lang="en-US" sz="2800" dirty="0" smtClean="0"/>
           </a:p>
           <a:p>
             <a:pPr marL="285750" indent="-285750">
@@ -7710,18 +8142,9 @@
               <a:buChar char="•"/>
             </a:pPr>
             <a:r>
-              <a:rPr lang="en-US" sz="2800" dirty="0" err="1" smtClean="0"/>
-              <a:t>Fazit</a:t>
-            </a:r>
-            <a:r>
-              <a:rPr lang="en-US" sz="2800" dirty="0" smtClean="0"/>
-              <a:t> / </a:t>
-            </a:r>
-            <a:r>
-              <a:rPr lang="en-US" sz="2800" dirty="0" err="1" smtClean="0"/>
-              <a:t>Fragen</a:t>
-            </a:r>
-            <a:endParaRPr lang="de-CH" sz="2800" dirty="0"/>
+              <a:rPr lang="de-CH" sz="2800" dirty="0"/>
+              <a:t>Demonstration</a:t>
+            </a:r>
           </a:p>
         </p:txBody>
       </p:sp>
@@ -8107,6 +8530,252 @@
           </a:p>
         </p:txBody>
       </p:sp>
+      <p:sp>
+        <p:nvSpPr>
+          <p:cNvPr id="3" name="Rechteck 2"/>
+          <p:cNvSpPr/>
+          <p:nvPr/>
+        </p:nvSpPr>
+        <p:spPr>
+          <a:xfrm>
+            <a:off x="7639050" y="3276600"/>
+            <a:ext cx="3276600" cy="876300"/>
+          </a:xfrm>
+          <a:prstGeom prst="rect">
+            <a:avLst/>
+          </a:prstGeom>
+          <a:solidFill>
+            <a:schemeClr val="accent4">
+              <a:lumMod val="40000"/>
+              <a:lumOff val="60000"/>
+            </a:schemeClr>
+          </a:solidFill>
+        </p:spPr>
+        <p:style>
+          <a:lnRef idx="2">
+            <a:schemeClr val="accent1">
+              <a:shade val="50000"/>
+            </a:schemeClr>
+          </a:lnRef>
+          <a:fillRef idx="1">
+            <a:schemeClr val="accent1"/>
+          </a:fillRef>
+          <a:effectRef idx="0">
+            <a:schemeClr val="accent1"/>
+          </a:effectRef>
+          <a:fontRef idx="minor">
+            <a:schemeClr val="lt1"/>
+          </a:fontRef>
+        </p:style>
+        <p:txBody>
+          <a:bodyPr rtlCol="0" anchor="ctr"/>
+          <a:lstStyle/>
+          <a:p>
+            <a:pPr algn="ctr"/>
+            <a:r>
+              <a:rPr lang="en-US" dirty="0" smtClean="0">
+                <a:solidFill>
+                  <a:schemeClr val="tx1"/>
+                </a:solidFill>
+              </a:rPr>
+              <a:t>Game Engine</a:t>
+            </a:r>
+            <a:endParaRPr lang="de-CH" dirty="0">
+              <a:solidFill>
+                <a:schemeClr val="tx1"/>
+              </a:solidFill>
+            </a:endParaRPr>
+          </a:p>
+        </p:txBody>
+      </p:sp>
+      <p:sp>
+        <p:nvSpPr>
+          <p:cNvPr id="6" name="Rechteck 5"/>
+          <p:cNvSpPr/>
+          <p:nvPr/>
+        </p:nvSpPr>
+        <p:spPr>
+          <a:xfrm>
+            <a:off x="7639050" y="4410972"/>
+            <a:ext cx="3276600" cy="876300"/>
+          </a:xfrm>
+          <a:prstGeom prst="rect">
+            <a:avLst/>
+          </a:prstGeom>
+          <a:solidFill>
+            <a:schemeClr val="accent4">
+              <a:lumMod val="40000"/>
+              <a:lumOff val="60000"/>
+            </a:schemeClr>
+          </a:solidFill>
+        </p:spPr>
+        <p:style>
+          <a:lnRef idx="2">
+            <a:schemeClr val="accent1">
+              <a:shade val="50000"/>
+            </a:schemeClr>
+          </a:lnRef>
+          <a:fillRef idx="1">
+            <a:schemeClr val="accent1"/>
+          </a:fillRef>
+          <a:effectRef idx="0">
+            <a:schemeClr val="accent1"/>
+          </a:effectRef>
+          <a:fontRef idx="minor">
+            <a:schemeClr val="lt1"/>
+          </a:fontRef>
+        </p:style>
+        <p:txBody>
+          <a:bodyPr rtlCol="0" anchor="ctr"/>
+          <a:lstStyle/>
+          <a:p>
+            <a:pPr algn="ctr"/>
+            <a:r>
+              <a:rPr lang="en-US" dirty="0" smtClean="0">
+                <a:solidFill>
+                  <a:schemeClr val="tx1"/>
+                </a:solidFill>
+              </a:rPr>
+              <a:t>Ogre</a:t>
+            </a:r>
+            <a:endParaRPr lang="de-CH" dirty="0">
+              <a:solidFill>
+                <a:schemeClr val="tx1"/>
+              </a:solidFill>
+            </a:endParaRPr>
+          </a:p>
+        </p:txBody>
+      </p:sp>
+      <p:sp>
+        <p:nvSpPr>
+          <p:cNvPr id="9" name="Rechteck 8"/>
+          <p:cNvSpPr/>
+          <p:nvPr/>
+        </p:nvSpPr>
+        <p:spPr>
+          <a:xfrm>
+            <a:off x="7639050" y="5621544"/>
+            <a:ext cx="3276600" cy="876300"/>
+          </a:xfrm>
+          <a:prstGeom prst="rect">
+            <a:avLst/>
+          </a:prstGeom>
+          <a:solidFill>
+            <a:schemeClr val="accent4">
+              <a:lumMod val="40000"/>
+              <a:lumOff val="60000"/>
+            </a:schemeClr>
+          </a:solidFill>
+        </p:spPr>
+        <p:style>
+          <a:lnRef idx="2">
+            <a:schemeClr val="accent1">
+              <a:shade val="50000"/>
+            </a:schemeClr>
+          </a:lnRef>
+          <a:fillRef idx="1">
+            <a:schemeClr val="accent1"/>
+          </a:fillRef>
+          <a:effectRef idx="0">
+            <a:schemeClr val="accent1"/>
+          </a:effectRef>
+          <a:fontRef idx="minor">
+            <a:schemeClr val="lt1"/>
+          </a:fontRef>
+        </p:style>
+        <p:txBody>
+          <a:bodyPr rtlCol="0" anchor="ctr"/>
+          <a:lstStyle/>
+          <a:p>
+            <a:pPr algn="ctr"/>
+            <a:r>
+              <a:rPr lang="en-US" dirty="0" smtClean="0">
+                <a:solidFill>
+                  <a:schemeClr val="tx1"/>
+                </a:solidFill>
+              </a:rPr>
+              <a:t>DirectX / OpenGL</a:t>
+            </a:r>
+            <a:endParaRPr lang="de-CH" dirty="0">
+              <a:solidFill>
+                <a:schemeClr val="tx1"/>
+              </a:solidFill>
+            </a:endParaRPr>
+          </a:p>
+        </p:txBody>
+      </p:sp>
+      <p:cxnSp>
+        <p:nvCxnSpPr>
+          <p:cNvPr id="11" name="Gerade Verbindung mit Pfeil 10"/>
+          <p:cNvCxnSpPr>
+            <a:stCxn id="3" idx="2"/>
+            <a:endCxn id="6" idx="0"/>
+          </p:cNvCxnSpPr>
+          <p:nvPr/>
+        </p:nvCxnSpPr>
+        <p:spPr>
+          <a:xfrm>
+            <a:off x="9277350" y="4152900"/>
+            <a:ext cx="0" cy="258072"/>
+          </a:xfrm>
+          <a:prstGeom prst="straightConnector1">
+            <a:avLst/>
+          </a:prstGeom>
+          <a:ln>
+            <a:tailEnd type="arrow"/>
+          </a:ln>
+        </p:spPr>
+        <p:style>
+          <a:lnRef idx="1">
+            <a:schemeClr val="accent1"/>
+          </a:lnRef>
+          <a:fillRef idx="0">
+            <a:schemeClr val="accent1"/>
+          </a:fillRef>
+          <a:effectRef idx="0">
+            <a:schemeClr val="accent1"/>
+          </a:effectRef>
+          <a:fontRef idx="minor">
+            <a:schemeClr val="tx1"/>
+          </a:fontRef>
+        </p:style>
+      </p:cxnSp>
+      <p:cxnSp>
+        <p:nvCxnSpPr>
+          <p:cNvPr id="14" name="Gerade Verbindung mit Pfeil 13"/>
+          <p:cNvCxnSpPr>
+            <a:stCxn id="6" idx="2"/>
+            <a:endCxn id="9" idx="0"/>
+          </p:cNvCxnSpPr>
+          <p:nvPr/>
+        </p:nvCxnSpPr>
+        <p:spPr>
+          <a:xfrm>
+            <a:off x="9277350" y="5287272"/>
+            <a:ext cx="0" cy="334272"/>
+          </a:xfrm>
+          <a:prstGeom prst="straightConnector1">
+            <a:avLst/>
+          </a:prstGeom>
+          <a:ln>
+            <a:tailEnd type="arrow"/>
+          </a:ln>
+        </p:spPr>
+        <p:style>
+          <a:lnRef idx="1">
+            <a:schemeClr val="accent1"/>
+          </a:lnRef>
+          <a:fillRef idx="0">
+            <a:schemeClr val="accent1"/>
+          </a:fillRef>
+          <a:effectRef idx="0">
+            <a:schemeClr val="accent1"/>
+          </a:effectRef>
+          <a:fontRef idx="minor">
+            <a:schemeClr val="tx1"/>
+          </a:fontRef>
+        </p:style>
+      </p:cxnSp>
     </p:spTree>
     <p:extLst>
       <p:ext uri="{BB962C8B-B14F-4D97-AF65-F5344CB8AC3E}">
@@ -8128,6 +8797,331 @@
 </file>
 
 <file path=ppt/slides/slide4.xml><?xml version="1.0" encoding="utf-8"?>
+<p:sld xmlns:a="http://schemas.openxmlformats.org/drawingml/2006/main" xmlns:r="http://schemas.openxmlformats.org/officeDocument/2006/relationships" xmlns:p="http://schemas.openxmlformats.org/presentationml/2006/main">
+  <p:cSld>
+    <p:spTree>
+      <p:nvGrpSpPr>
+        <p:cNvPr id="1" name=""/>
+        <p:cNvGrpSpPr/>
+        <p:nvPr/>
+      </p:nvGrpSpPr>
+      <p:grpSpPr>
+        <a:xfrm>
+          <a:off x="0" y="0"/>
+          <a:ext cx="0" cy="0"/>
+          <a:chOff x="0" y="0"/>
+          <a:chExt cx="0" cy="0"/>
+        </a:xfrm>
+      </p:grpSpPr>
+      <p:sp>
+        <p:nvSpPr>
+          <p:cNvPr id="4" name="Rechteck 3"/>
+          <p:cNvSpPr/>
+          <p:nvPr/>
+        </p:nvSpPr>
+        <p:spPr>
+          <a:xfrm>
+            <a:off x="0" y="0"/>
+            <a:ext cx="12192000" cy="1481070"/>
+          </a:xfrm>
+          <a:prstGeom prst="rect">
+            <a:avLst/>
+          </a:prstGeom>
+          <a:solidFill>
+            <a:schemeClr val="accent4">
+              <a:lumMod val="60000"/>
+              <a:lumOff val="40000"/>
+            </a:schemeClr>
+          </a:solidFill>
+          <a:ln>
+            <a:noFill/>
+          </a:ln>
+        </p:spPr>
+        <p:style>
+          <a:lnRef idx="2">
+            <a:schemeClr val="accent1">
+              <a:shade val="50000"/>
+            </a:schemeClr>
+          </a:lnRef>
+          <a:fillRef idx="1">
+            <a:schemeClr val="accent1"/>
+          </a:fillRef>
+          <a:effectRef idx="0">
+            <a:schemeClr val="accent1"/>
+          </a:effectRef>
+          <a:fontRef idx="minor">
+            <a:schemeClr val="lt1"/>
+          </a:fontRef>
+        </p:style>
+        <p:txBody>
+          <a:bodyPr rtlCol="0" anchor="ctr"/>
+          <a:lstStyle/>
+          <a:p>
+            <a:pPr algn="ctr"/>
+            <a:endParaRPr lang="de-CH"/>
+          </a:p>
+        </p:txBody>
+      </p:sp>
+      <p:sp>
+        <p:nvSpPr>
+          <p:cNvPr id="2" name="Titel 1"/>
+          <p:cNvSpPr>
+            <a:spLocks noGrp="1"/>
+          </p:cNvSpPr>
+          <p:nvPr>
+            <p:ph type="ctrTitle"/>
+          </p:nvPr>
+        </p:nvSpPr>
+        <p:spPr>
+          <a:xfrm>
+            <a:off x="145142" y="117668"/>
+            <a:ext cx="9144000" cy="1245734"/>
+          </a:xfrm>
+          <a:solidFill>
+            <a:schemeClr val="accent4">
+              <a:lumMod val="60000"/>
+              <a:lumOff val="40000"/>
+            </a:schemeClr>
+          </a:solidFill>
+        </p:spPr>
+        <p:txBody>
+          <a:bodyPr>
+            <a:normAutofit/>
+          </a:bodyPr>
+          <a:lstStyle/>
+          <a:p>
+            <a:pPr algn="l"/>
+            <a:r>
+              <a:rPr lang="de-CH" sz="7200" b="1" dirty="0" smtClean="0">
+                <a:solidFill>
+                  <a:schemeClr val="tx1">
+                    <a:lumMod val="95000"/>
+                    <a:lumOff val="5000"/>
+                  </a:schemeClr>
+                </a:solidFill>
+              </a:rPr>
+              <a:t>Vergleich </a:t>
+            </a:r>
+            <a:r>
+              <a:rPr lang="de-CH" sz="7200" b="1" dirty="0" err="1" smtClean="0">
+                <a:solidFill>
+                  <a:schemeClr val="tx1">
+                    <a:lumMod val="95000"/>
+                    <a:lumOff val="5000"/>
+                  </a:schemeClr>
+                </a:solidFill>
+              </a:rPr>
+              <a:t>Unity</a:t>
+            </a:r>
+            <a:endParaRPr lang="de-CH" sz="7200" b="1" dirty="0">
+              <a:solidFill>
+                <a:schemeClr val="tx1">
+                  <a:lumMod val="95000"/>
+                  <a:lumOff val="5000"/>
+                </a:schemeClr>
+              </a:solidFill>
+            </a:endParaRPr>
+          </a:p>
+        </p:txBody>
+      </p:sp>
+      <p:sp>
+        <p:nvSpPr>
+          <p:cNvPr id="5" name="Textfeld 4"/>
+          <p:cNvSpPr txBox="1"/>
+          <p:nvPr/>
+        </p:nvSpPr>
+        <p:spPr>
+          <a:xfrm>
+            <a:off x="551542" y="1932567"/>
+            <a:ext cx="11294715" cy="5909310"/>
+          </a:xfrm>
+          <a:prstGeom prst="rect">
+            <a:avLst/>
+          </a:prstGeom>
+          <a:noFill/>
+        </p:spPr>
+        <p:txBody>
+          <a:bodyPr wrap="square" rtlCol="0">
+            <a:spAutoFit/>
+          </a:bodyPr>
+          <a:lstStyle/>
+          <a:p>
+            <a:pPr>
+              <a:lnSpc>
+                <a:spcPct val="150000"/>
+              </a:lnSpc>
+            </a:pPr>
+            <a:r>
+              <a:rPr lang="en-US" sz="2800" dirty="0" smtClean="0"/>
+              <a:t>Was Ogre </a:t>
+            </a:r>
+            <a:r>
+              <a:rPr lang="en-US" sz="2800" b="1" dirty="0" err="1" smtClean="0"/>
+              <a:t>nicht</a:t>
+            </a:r>
+            <a:r>
+              <a:rPr lang="en-US" sz="2800" dirty="0" smtClean="0"/>
+              <a:t> </a:t>
+            </a:r>
+            <a:r>
+              <a:rPr lang="en-US" sz="2800" dirty="0" err="1" smtClean="0"/>
+              <a:t>ist</a:t>
+            </a:r>
+            <a:r>
+              <a:rPr lang="en-US" sz="2800" dirty="0" smtClean="0"/>
+              <a:t>: Game Engine</a:t>
+            </a:r>
+          </a:p>
+          <a:p>
+            <a:pPr>
+              <a:lnSpc>
+                <a:spcPct val="150000"/>
+              </a:lnSpc>
+            </a:pPr>
+            <a:r>
+              <a:rPr lang="en-US" sz="2800" dirty="0" err="1" smtClean="0"/>
+              <a:t>Kein</a:t>
+            </a:r>
+            <a:r>
+              <a:rPr lang="en-US" sz="2800" dirty="0" smtClean="0"/>
+              <a:t>:</a:t>
+            </a:r>
+          </a:p>
+          <a:p>
+            <a:pPr marL="457200" indent="-457200">
+              <a:lnSpc>
+                <a:spcPct val="150000"/>
+              </a:lnSpc>
+              <a:buFont typeface="Arial" panose="020B0604020202020204" pitchFamily="34" charset="0"/>
+              <a:buChar char="•"/>
+            </a:pPr>
+            <a:r>
+              <a:rPr lang="de-CH" sz="2800" dirty="0" smtClean="0"/>
+              <a:t>Global Illumination / </a:t>
+            </a:r>
+            <a:r>
+              <a:rPr lang="en-US" sz="2800" dirty="0"/>
+              <a:t>Baked </a:t>
+            </a:r>
+            <a:r>
+              <a:rPr lang="en-US" sz="2800" dirty="0" smtClean="0"/>
+              <a:t>light</a:t>
+            </a:r>
+          </a:p>
+          <a:p>
+            <a:pPr marL="457200" indent="-457200">
+              <a:lnSpc>
+                <a:spcPct val="150000"/>
+              </a:lnSpc>
+              <a:buFont typeface="Arial" panose="020B0604020202020204" pitchFamily="34" charset="0"/>
+              <a:buChar char="•"/>
+            </a:pPr>
+            <a:r>
+              <a:rPr lang="en-US" sz="2800" dirty="0" err="1" smtClean="0"/>
+              <a:t>WheelCollider</a:t>
+            </a:r>
+            <a:r>
+              <a:rPr lang="en-US" sz="2800" dirty="0" smtClean="0"/>
+              <a:t>, Triggers, </a:t>
+            </a:r>
+            <a:r>
+              <a:rPr lang="en-US" sz="2800" dirty="0" err="1" smtClean="0"/>
+              <a:t>ect</a:t>
+            </a:r>
+            <a:r>
+              <a:rPr lang="en-US" sz="2800" dirty="0" smtClean="0"/>
+              <a:t>.</a:t>
+            </a:r>
+          </a:p>
+          <a:p>
+            <a:pPr marL="457200" indent="-457200">
+              <a:lnSpc>
+                <a:spcPct val="150000"/>
+              </a:lnSpc>
+              <a:buFont typeface="Arial" panose="020B0604020202020204" pitchFamily="34" charset="0"/>
+              <a:buChar char="•"/>
+            </a:pPr>
+            <a:r>
+              <a:rPr lang="en-US" sz="2800" dirty="0" smtClean="0"/>
+              <a:t>Collision detection</a:t>
+            </a:r>
+          </a:p>
+          <a:p>
+            <a:pPr marL="457200" indent="-457200">
+              <a:lnSpc>
+                <a:spcPct val="150000"/>
+              </a:lnSpc>
+              <a:buFont typeface="Arial" panose="020B0604020202020204" pitchFamily="34" charset="0"/>
+              <a:buChar char="•"/>
+            </a:pPr>
+            <a:r>
+              <a:rPr lang="en-US" sz="2800" dirty="0" err="1" smtClean="0"/>
+              <a:t>Kein</a:t>
+            </a:r>
+            <a:r>
+              <a:rPr lang="en-US" sz="2800" dirty="0" smtClean="0"/>
+              <a:t> </a:t>
+            </a:r>
+            <a:r>
+              <a:rPr lang="en-US" sz="2800" dirty="0" err="1" smtClean="0"/>
+              <a:t>Szenen</a:t>
+            </a:r>
+            <a:r>
+              <a:rPr lang="en-US" sz="2800" dirty="0" smtClean="0"/>
+              <a:t> Editor</a:t>
+            </a:r>
+          </a:p>
+          <a:p>
+            <a:pPr>
+              <a:lnSpc>
+                <a:spcPct val="150000"/>
+              </a:lnSpc>
+            </a:pPr>
+            <a:endParaRPr lang="en-US" sz="2800" dirty="0" smtClean="0"/>
+          </a:p>
+          <a:p>
+            <a:pPr marL="457200" indent="-457200">
+              <a:lnSpc>
+                <a:spcPct val="150000"/>
+              </a:lnSpc>
+              <a:buFont typeface="Arial" panose="020B0604020202020204" pitchFamily="34" charset="0"/>
+              <a:buChar char="•"/>
+            </a:pPr>
+            <a:endParaRPr lang="en-US" sz="2800" dirty="0" smtClean="0"/>
+          </a:p>
+          <a:p>
+            <a:pPr marL="457200" indent="-457200">
+              <a:lnSpc>
+                <a:spcPct val="150000"/>
+              </a:lnSpc>
+              <a:buFont typeface="Arial" panose="020B0604020202020204" pitchFamily="34" charset="0"/>
+              <a:buChar char="•"/>
+            </a:pPr>
+            <a:endParaRPr lang="de-CH" sz="2800" dirty="0"/>
+          </a:p>
+        </p:txBody>
+      </p:sp>
+    </p:spTree>
+    <p:extLst>
+      <p:ext uri="{BB962C8B-B14F-4D97-AF65-F5344CB8AC3E}">
+        <p14:creationId xmlns:p14="http://schemas.microsoft.com/office/powerpoint/2010/main" val="3984414166"/>
+      </p:ext>
+    </p:extLst>
+  </p:cSld>
+  <p:clrMapOvr>
+    <a:masterClrMapping/>
+  </p:clrMapOvr>
+  <p:timing>
+    <p:tnLst>
+      <p:par>
+        <p:cTn id="1" dur="indefinite" restart="never" nodeType="tmRoot"/>
+      </p:par>
+    </p:tnLst>
+  </p:timing>
+</p:sld>
+</file>
+
+<file path=ppt/slides/slide5.xml><?xml version="1.0" encoding="utf-8"?>
 <p:sld xmlns:a="http://schemas.openxmlformats.org/drawingml/2006/main" xmlns:r="http://schemas.openxmlformats.org/officeDocument/2006/relationships" xmlns:p="http://schemas.openxmlformats.org/presentationml/2006/main">
   <p:cSld>
     <p:spTree>
@@ -8359,7 +9353,7 @@
 </p:sld>
 </file>
 
-<file path=ppt/slides/slide5.xml><?xml version="1.0" encoding="utf-8"?>
+<file path=ppt/slides/slide6.xml><?xml version="1.0" encoding="utf-8"?>
 <p:sld xmlns:a="http://schemas.openxmlformats.org/drawingml/2006/main" xmlns:r="http://schemas.openxmlformats.org/officeDocument/2006/relationships" xmlns:p="http://schemas.openxmlformats.org/presentationml/2006/main">
   <p:cSld>
     <p:spTree>
@@ -8458,7 +9452,7 @@
 </p:sld>
 </file>
 
-<file path=ppt/slides/slide6.xml><?xml version="1.0" encoding="utf-8"?>
+<file path=ppt/slides/slide7.xml><?xml version="1.0" encoding="utf-8"?>
 <p:sld xmlns:a="http://schemas.openxmlformats.org/drawingml/2006/main" xmlns:r="http://schemas.openxmlformats.org/officeDocument/2006/relationships" xmlns:p="http://schemas.openxmlformats.org/presentationml/2006/main" show="0">
   <p:cSld>
     <p:spTree>
@@ -8582,7 +9576,7 @@
 </p:sld>
 </file>
 
-<file path=ppt/slides/slide7.xml><?xml version="1.0" encoding="utf-8"?>
+<file path=ppt/slides/slide8.xml><?xml version="1.0" encoding="utf-8"?>
 <p:sld xmlns:a="http://schemas.openxmlformats.org/drawingml/2006/main" xmlns:r="http://schemas.openxmlformats.org/officeDocument/2006/relationships" xmlns:p="http://schemas.openxmlformats.org/presentationml/2006/main">
   <p:cSld>
     <p:spTree>
@@ -8686,18 +9680,7 @@
                   </a:schemeClr>
                 </a:solidFill>
               </a:rPr>
-              <a:t>Vergleich </a:t>
-            </a:r>
-            <a:r>
-              <a:rPr lang="de-CH" sz="7200" b="1" dirty="0" err="1" smtClean="0">
-                <a:solidFill>
-                  <a:schemeClr val="tx1">
-                    <a:lumMod val="95000"/>
-                    <a:lumOff val="5000"/>
-                  </a:schemeClr>
-                </a:solidFill>
-              </a:rPr>
-              <a:t>Unity</a:t>
+              <a:t>Setup</a:t>
             </a:r>
             <a:endParaRPr lang="de-CH" sz="7200" b="1" dirty="0">
               <a:solidFill>
@@ -8732,48 +9715,6 @@
           </a:bodyPr>
           <a:lstStyle/>
           <a:p>
-            <a:pPr>
-              <a:lnSpc>
-                <a:spcPct val="150000"/>
-              </a:lnSpc>
-            </a:pPr>
-            <a:r>
-              <a:rPr lang="en-US" sz="2800" dirty="0" smtClean="0"/>
-              <a:t>Was Ogre </a:t>
-            </a:r>
-            <a:r>
-              <a:rPr lang="en-US" sz="2800" b="1" dirty="0" err="1" smtClean="0"/>
-              <a:t>nicht</a:t>
-            </a:r>
-            <a:r>
-              <a:rPr lang="en-US" sz="2800" dirty="0" smtClean="0"/>
-              <a:t> </a:t>
-            </a:r>
-            <a:r>
-              <a:rPr lang="en-US" sz="2800" dirty="0" err="1" smtClean="0"/>
-              <a:t>ist</a:t>
-            </a:r>
-            <a:r>
-              <a:rPr lang="en-US" sz="2800" dirty="0" smtClean="0"/>
-              <a:t>: Game Engine</a:t>
-            </a:r>
-          </a:p>
-          <a:p>
-            <a:pPr>
-              <a:lnSpc>
-                <a:spcPct val="150000"/>
-              </a:lnSpc>
-            </a:pPr>
-            <a:r>
-              <a:rPr lang="en-US" sz="2800" dirty="0" err="1" smtClean="0"/>
-              <a:t>Kein</a:t>
-            </a:r>
-            <a:r>
-              <a:rPr lang="en-US" sz="2800" dirty="0" smtClean="0"/>
-              <a:t>:</a:t>
-            </a:r>
-          </a:p>
-          <a:p>
             <a:pPr marL="457200" indent="-457200">
               <a:lnSpc>
                 <a:spcPct val="150000"/>
@@ -8782,269 +9723,23 @@
               <a:buChar char="•"/>
             </a:pPr>
             <a:r>
-              <a:rPr lang="de-CH" sz="2800" dirty="0" smtClean="0"/>
-              <a:t>Global Illumination / </a:t>
-            </a:r>
-            <a:r>
-              <a:rPr lang="en-US" sz="2800" dirty="0"/>
-              <a:t>Baked </a:t>
-            </a:r>
-            <a:r>
               <a:rPr lang="en-US" sz="2800" dirty="0" smtClean="0"/>
-              <a:t>light</a:t>
-            </a:r>
-          </a:p>
-          <a:p>
-            <a:pPr marL="457200" indent="-457200">
-              <a:lnSpc>
-                <a:spcPct val="150000"/>
-              </a:lnSpc>
-              <a:buFont typeface="Arial" panose="020B0604020202020204" pitchFamily="34" charset="0"/>
-              <a:buChar char="•"/>
-            </a:pPr>
+              <a:t>Online </a:t>
+            </a:r>
             <a:r>
               <a:rPr lang="en-US" sz="2800" dirty="0" err="1" smtClean="0"/>
-              <a:t>WheelCollider</a:t>
+              <a:t>sehr</a:t>
             </a:r>
             <a:r>
               <a:rPr lang="en-US" sz="2800" dirty="0" smtClean="0"/>
-              <a:t>, Triggers, </a:t>
+              <a:t> gut </a:t>
             </a:r>
             <a:r>
               <a:rPr lang="en-US" sz="2800" dirty="0" err="1" smtClean="0"/>
-              <a:t>ect</a:t>
-            </a:r>
-            <a:r>
-              <a:rPr lang="en-US" sz="2800" dirty="0" smtClean="0"/>
-              <a:t>.</a:t>
-            </a:r>
-          </a:p>
-          <a:p>
-            <a:pPr marL="457200" indent="-457200">
-              <a:lnSpc>
-                <a:spcPct val="150000"/>
-              </a:lnSpc>
-              <a:buFont typeface="Arial" panose="020B0604020202020204" pitchFamily="34" charset="0"/>
-              <a:buChar char="•"/>
-            </a:pPr>
-            <a:r>
-              <a:rPr lang="en-US" sz="2800" dirty="0" smtClean="0"/>
-              <a:t>Collision detection</a:t>
-            </a:r>
-          </a:p>
-          <a:p>
-            <a:pPr marL="457200" indent="-457200">
-              <a:lnSpc>
-                <a:spcPct val="150000"/>
-              </a:lnSpc>
-              <a:buFont typeface="Arial" panose="020B0604020202020204" pitchFamily="34" charset="0"/>
-              <a:buChar char="•"/>
-            </a:pPr>
-            <a:r>
-              <a:rPr lang="en-US" sz="2800" dirty="0" err="1" smtClean="0"/>
-              <a:t>Kein</a:t>
-            </a:r>
-            <a:r>
-              <a:rPr lang="en-US" sz="2800" dirty="0" smtClean="0"/>
-              <a:t> </a:t>
-            </a:r>
-            <a:r>
-              <a:rPr lang="en-US" sz="2800" dirty="0" err="1" smtClean="0"/>
-              <a:t>Szenen</a:t>
-            </a:r>
-            <a:r>
-              <a:rPr lang="en-US" sz="2800" dirty="0" smtClean="0"/>
-              <a:t> Editor</a:t>
-            </a:r>
-          </a:p>
-          <a:p>
-            <a:pPr>
-              <a:lnSpc>
-                <a:spcPct val="150000"/>
-              </a:lnSpc>
-            </a:pPr>
+              <a:t>dokumentiert</a:t>
+            </a:r>
             <a:endParaRPr lang="en-US" sz="2800" dirty="0" smtClean="0"/>
           </a:p>
-          <a:p>
-            <a:pPr marL="457200" indent="-457200">
-              <a:lnSpc>
-                <a:spcPct val="150000"/>
-              </a:lnSpc>
-              <a:buFont typeface="Arial" panose="020B0604020202020204" pitchFamily="34" charset="0"/>
-              <a:buChar char="•"/>
-            </a:pPr>
-            <a:endParaRPr lang="en-US" sz="2800" dirty="0" smtClean="0"/>
-          </a:p>
-          <a:p>
-            <a:pPr marL="457200" indent="-457200">
-              <a:lnSpc>
-                <a:spcPct val="150000"/>
-              </a:lnSpc>
-              <a:buFont typeface="Arial" panose="020B0604020202020204" pitchFamily="34" charset="0"/>
-              <a:buChar char="•"/>
-            </a:pPr>
-            <a:endParaRPr lang="de-CH" sz="2800" dirty="0"/>
-          </a:p>
-        </p:txBody>
-      </p:sp>
-    </p:spTree>
-    <p:extLst>
-      <p:ext uri="{BB962C8B-B14F-4D97-AF65-F5344CB8AC3E}">
-        <p14:creationId xmlns:p14="http://schemas.microsoft.com/office/powerpoint/2010/main" val="3984414166"/>
-      </p:ext>
-    </p:extLst>
-  </p:cSld>
-  <p:clrMapOvr>
-    <a:masterClrMapping/>
-  </p:clrMapOvr>
-  <p:timing>
-    <p:tnLst>
-      <p:par>
-        <p:cTn id="1" dur="indefinite" restart="never" nodeType="tmRoot"/>
-      </p:par>
-    </p:tnLst>
-  </p:timing>
-</p:sld>
-</file>
-
-<file path=ppt/slides/slide8.xml><?xml version="1.0" encoding="utf-8"?>
-<p:sld xmlns:a="http://schemas.openxmlformats.org/drawingml/2006/main" xmlns:r="http://schemas.openxmlformats.org/officeDocument/2006/relationships" xmlns:p="http://schemas.openxmlformats.org/presentationml/2006/main">
-  <p:cSld>
-    <p:spTree>
-      <p:nvGrpSpPr>
-        <p:cNvPr id="1" name=""/>
-        <p:cNvGrpSpPr/>
-        <p:nvPr/>
-      </p:nvGrpSpPr>
-      <p:grpSpPr>
-        <a:xfrm>
-          <a:off x="0" y="0"/>
-          <a:ext cx="0" cy="0"/>
-          <a:chOff x="0" y="0"/>
-          <a:chExt cx="0" cy="0"/>
-        </a:xfrm>
-      </p:grpSpPr>
-      <p:sp>
-        <p:nvSpPr>
-          <p:cNvPr id="4" name="Rechteck 3"/>
-          <p:cNvSpPr/>
-          <p:nvPr/>
-        </p:nvSpPr>
-        <p:spPr>
-          <a:xfrm>
-            <a:off x="0" y="0"/>
-            <a:ext cx="12192000" cy="1481070"/>
-          </a:xfrm>
-          <a:prstGeom prst="rect">
-            <a:avLst/>
-          </a:prstGeom>
-          <a:solidFill>
-            <a:schemeClr val="accent4">
-              <a:lumMod val="60000"/>
-              <a:lumOff val="40000"/>
-            </a:schemeClr>
-          </a:solidFill>
-          <a:ln>
-            <a:noFill/>
-          </a:ln>
-        </p:spPr>
-        <p:style>
-          <a:lnRef idx="2">
-            <a:schemeClr val="accent1">
-              <a:shade val="50000"/>
-            </a:schemeClr>
-          </a:lnRef>
-          <a:fillRef idx="1">
-            <a:schemeClr val="accent1"/>
-          </a:fillRef>
-          <a:effectRef idx="0">
-            <a:schemeClr val="accent1"/>
-          </a:effectRef>
-          <a:fontRef idx="minor">
-            <a:schemeClr val="lt1"/>
-          </a:fontRef>
-        </p:style>
-        <p:txBody>
-          <a:bodyPr rtlCol="0" anchor="ctr"/>
-          <a:lstStyle/>
-          <a:p>
-            <a:pPr algn="ctr"/>
-            <a:endParaRPr lang="de-CH"/>
-          </a:p>
-        </p:txBody>
-      </p:sp>
-      <p:sp>
-        <p:nvSpPr>
-          <p:cNvPr id="2" name="Titel 1"/>
-          <p:cNvSpPr>
-            <a:spLocks noGrp="1"/>
-          </p:cNvSpPr>
-          <p:nvPr>
-            <p:ph type="ctrTitle"/>
-          </p:nvPr>
-        </p:nvSpPr>
-        <p:spPr>
-          <a:xfrm>
-            <a:off x="145142" y="117668"/>
-            <a:ext cx="9144000" cy="1245734"/>
-          </a:xfrm>
-          <a:solidFill>
-            <a:schemeClr val="accent4">
-              <a:lumMod val="60000"/>
-              <a:lumOff val="40000"/>
-            </a:schemeClr>
-          </a:solidFill>
-        </p:spPr>
-        <p:txBody>
-          <a:bodyPr>
-            <a:normAutofit/>
-          </a:bodyPr>
-          <a:lstStyle/>
-          <a:p>
-            <a:pPr algn="l"/>
-            <a:r>
-              <a:rPr lang="de-CH" sz="7200" b="1" dirty="0" smtClean="0">
-                <a:solidFill>
-                  <a:schemeClr val="tx1">
-                    <a:lumMod val="95000"/>
-                    <a:lumOff val="5000"/>
-                  </a:schemeClr>
-                </a:solidFill>
-              </a:rPr>
-              <a:t>Setup (0-4h)</a:t>
-            </a:r>
-            <a:endParaRPr lang="de-CH" sz="7200" b="1" dirty="0">
-              <a:solidFill>
-                <a:schemeClr val="tx1">
-                  <a:lumMod val="95000"/>
-                  <a:lumOff val="5000"/>
-                </a:schemeClr>
-              </a:solidFill>
-            </a:endParaRPr>
-          </a:p>
-        </p:txBody>
-      </p:sp>
-      <p:sp>
-        <p:nvSpPr>
-          <p:cNvPr id="5" name="Textfeld 4"/>
-          <p:cNvSpPr txBox="1"/>
-          <p:nvPr/>
-        </p:nvSpPr>
-        <p:spPr>
-          <a:xfrm>
-            <a:off x="551542" y="1932567"/>
-            <a:ext cx="11294715" cy="5262979"/>
-          </a:xfrm>
-          <a:prstGeom prst="rect">
-            <a:avLst/>
-          </a:prstGeom>
-          <a:noFill/>
-        </p:spPr>
-        <p:txBody>
-          <a:bodyPr wrap="square" rtlCol="0">
-            <a:spAutoFit/>
-          </a:bodyPr>
-          <a:lstStyle/>
           <a:p>
             <a:pPr marL="457200" indent="-457200">
               <a:lnSpc>
@@ -9642,7 +10337,7 @@
   <a:extraClrSchemeLst/>
   <a:extLst>
     <a:ext uri="{05A4C25C-085E-4340-85A3-A5531E510DB2}">
-      <thm15:themeFamily xmlns="" xmlns:thm15="http://schemas.microsoft.com/office/thememl/2012/main" name="Office Theme" id="{62F939B6-93AF-4DB8-9C6B-D6C7DFDC589F}" vid="{4A3C46E8-61CC-4603-A589-7422A47A8E4A}"/>
+      <thm15:themeFamily xmlns:thm15="http://schemas.microsoft.com/office/thememl/2012/main" xmlns="" name="Office Theme" id="{62F939B6-93AF-4DB8-9C6B-D6C7DFDC589F}" vid="{4A3C46E8-61CC-4603-A589-7422A47A8E4A}"/>
     </a:ext>
   </a:extLst>
 </a:theme>

--- a/ogrepresentation.pptx
+++ b/ogrepresentation.pptx
@@ -583,6 +583,29 @@
               <a:rPr lang="en-US" baseline="0" dirty="0" err="1" smtClean="0"/>
               <a:t>applikation</a:t>
             </a:r>
+            <a:endParaRPr lang="en-US" baseline="0" dirty="0" smtClean="0"/>
+          </a:p>
+          <a:p>
+            <a:r>
+              <a:rPr lang="en-US" baseline="0" dirty="0" err="1" smtClean="0"/>
+              <a:t>Ziel</a:t>
+            </a:r>
+            <a:r>
+              <a:rPr lang="en-US" baseline="0" dirty="0" smtClean="0"/>
+              <a:t>: </a:t>
+            </a:r>
+            <a:r>
+              <a:rPr lang="en-US" baseline="0" dirty="0" err="1" smtClean="0"/>
+              <a:t>einblick</a:t>
+            </a:r>
+            <a:r>
+              <a:rPr lang="en-US" baseline="0" dirty="0" smtClean="0"/>
+              <a:t> in ogre </a:t>
+            </a:r>
+            <a:r>
+              <a:rPr lang="en-US" baseline="0" dirty="0" err="1" smtClean="0"/>
+              <a:t>geben</a:t>
+            </a:r>
             <a:endParaRPr lang="de-CH" dirty="0"/>
           </a:p>
         </p:txBody>
@@ -1696,12 +1719,8 @@
           <a:lstStyle/>
           <a:p>
             <a:r>
-              <a:rPr lang="en-US" baseline="0" smtClean="0"/>
-              <a:t>C</a:t>
-            </a:r>
-            <a:r>
               <a:rPr lang="en-US" baseline="0" dirty="0" smtClean="0"/>
-              <a:t>++ </a:t>
+              <a:t>C++ </a:t>
             </a:r>
             <a:r>
               <a:rPr lang="en-US" baseline="0" dirty="0" err="1" smtClean="0"/>
@@ -7192,6 +7211,14 @@
   <p:clrMapOvr>
     <a:masterClrMapping/>
   </p:clrMapOvr>
+  <mc:AlternateContent xmlns:mc="http://schemas.openxmlformats.org/markup-compatibility/2006">
+    <mc:Choice xmlns:p14="http://schemas.microsoft.com/office/powerpoint/2010/main" Requires="p14">
+      <p:transition spd="slow" p14:dur="2000"/>
+    </mc:Choice>
+    <mc:Fallback>
+      <p:transition spd="slow"/>
+    </mc:Fallback>
+  </mc:AlternateContent>
   <p:timing>
     <p:tnLst>
       <p:par>
@@ -7632,7 +7659,7 @@
             </a:pPr>
             <a:r>
               <a:rPr lang="en-US" sz="2800" dirty="0" err="1" smtClean="0"/>
-              <a:t>Homogene</a:t>
+              <a:t>Orthonormale</a:t>
             </a:r>
             <a:r>
               <a:rPr lang="en-US" sz="2800" dirty="0" smtClean="0"/>
